--- a/Sports Analytics cf.pptx
+++ b/Sports Analytics cf.pptx
@@ -29,15 +29,15 @@
     <p:sldId id="3863" r:id="rId20"/>
     <p:sldId id="3864" r:id="rId21"/>
     <p:sldId id="3844" r:id="rId22"/>
-    <p:sldId id="3846" r:id="rId23"/>
-    <p:sldId id="3850" r:id="rId24"/>
-    <p:sldId id="3851" r:id="rId25"/>
-    <p:sldId id="265" r:id="rId26"/>
-    <p:sldId id="263" r:id="rId27"/>
-    <p:sldId id="268" r:id="rId28"/>
-    <p:sldId id="3848" r:id="rId29"/>
-    <p:sldId id="267" r:id="rId30"/>
-    <p:sldId id="3847" r:id="rId31"/>
+    <p:sldId id="3851" r:id="rId23"/>
+    <p:sldId id="3866" r:id="rId24"/>
+    <p:sldId id="3867" r:id="rId25"/>
+    <p:sldId id="3868" r:id="rId26"/>
+    <p:sldId id="3869" r:id="rId27"/>
+    <p:sldId id="3870" r:id="rId28"/>
+    <p:sldId id="3871" r:id="rId29"/>
+    <p:sldId id="3872" r:id="rId30"/>
+    <p:sldId id="3873" r:id="rId31"/>
   </p:sldIdLst>
   <p:sldSz cx="12192000" cy="6858000"/>
   <p:notesSz cx="6858000" cy="9144000"/>
@@ -1114,7 +1114,7 @@
           <a:p>
             <a:fld id="{0DC994AA-C437-4EF4-8BEF-0B832D7FA420}" type="datetimeFigureOut">
               <a:rPr lang="en-US" smtClean="0"/>
-              <a:t>7/22/2024</a:t>
+              <a:t>7/23/2024</a:t>
             </a:fld>
             <a:endParaRPr lang="en-US" dirty="0"/>
           </a:p>
@@ -1291,7 +1291,7 @@
           <a:p>
             <a:fld id="{FB20CE03-6C3A-EB4D-A9B1-7EFD38B58412}" type="datetimeFigureOut">
               <a:rPr lang="en-US" smtClean="0"/>
-              <a:t>7/22/2024</a:t>
+              <a:t>7/23/2024</a:t>
             </a:fld>
             <a:endParaRPr lang="en-US" dirty="0"/>
           </a:p>
@@ -2461,7 +2461,7 @@
           <a:bodyPr/>
           <a:lstStyle/>
           <a:p>
-            <a:fld id="{D40C6A29-4676-420C-BBE3-ACC2B80F64D4}" type="slidenum">
+            <a:fld id="{8B57D50D-BAA9-464B-B391-243138E078D8}" type="slidenum">
               <a:rPr lang="en-US" smtClean="0"/>
               <a:t>19</a:t>
             </a:fld>
@@ -2472,7 +2472,7 @@
     </p:spTree>
     <p:extLst>
       <p:ext uri="{BB962C8B-B14F-4D97-AF65-F5344CB8AC3E}">
-        <p14:creationId xmlns:p14="http://schemas.microsoft.com/office/powerpoint/2010/main" val="2439709705"/>
+        <p14:creationId xmlns:p14="http://schemas.microsoft.com/office/powerpoint/2010/main" val="922949278"/>
       </p:ext>
     </p:extLst>
   </p:cSld>
@@ -2640,7 +2640,7 @@
     </p:spTree>
     <p:extLst>
       <p:ext uri="{BB962C8B-B14F-4D97-AF65-F5344CB8AC3E}">
-        <p14:creationId xmlns:p14="http://schemas.microsoft.com/office/powerpoint/2010/main" val="3522538323"/>
+        <p14:creationId xmlns:p14="http://schemas.microsoft.com/office/powerpoint/2010/main" val="797963082"/>
       </p:ext>
     </p:extLst>
   </p:cSld>
@@ -2724,7 +2724,7 @@
     </p:spTree>
     <p:extLst>
       <p:ext uri="{BB962C8B-B14F-4D97-AF65-F5344CB8AC3E}">
-        <p14:creationId xmlns:p14="http://schemas.microsoft.com/office/powerpoint/2010/main" val="922949278"/>
+        <p14:creationId xmlns:p14="http://schemas.microsoft.com/office/powerpoint/2010/main" val="1589747675"/>
       </p:ext>
     </p:extLst>
   </p:cSld>
@@ -2808,7 +2808,7 @@
     </p:spTree>
     <p:extLst>
       <p:ext uri="{BB962C8B-B14F-4D97-AF65-F5344CB8AC3E}">
-        <p14:creationId xmlns:p14="http://schemas.microsoft.com/office/powerpoint/2010/main" val="1721109855"/>
+        <p14:creationId xmlns:p14="http://schemas.microsoft.com/office/powerpoint/2010/main" val="3559608446"/>
       </p:ext>
     </p:extLst>
   </p:cSld>
@@ -2892,7 +2892,7 @@
     </p:spTree>
     <p:extLst>
       <p:ext uri="{BB962C8B-B14F-4D97-AF65-F5344CB8AC3E}">
-        <p14:creationId xmlns:p14="http://schemas.microsoft.com/office/powerpoint/2010/main" val="2540028172"/>
+        <p14:creationId xmlns:p14="http://schemas.microsoft.com/office/powerpoint/2010/main" val="2401363459"/>
       </p:ext>
     </p:extLst>
   </p:cSld>
@@ -2976,7 +2976,7 @@
     </p:spTree>
     <p:extLst>
       <p:ext uri="{BB962C8B-B14F-4D97-AF65-F5344CB8AC3E}">
-        <p14:creationId xmlns:p14="http://schemas.microsoft.com/office/powerpoint/2010/main" val="2316091678"/>
+        <p14:creationId xmlns:p14="http://schemas.microsoft.com/office/powerpoint/2010/main" val="257740887"/>
       </p:ext>
     </p:extLst>
   </p:cSld>
@@ -3060,7 +3060,7 @@
     </p:spTree>
     <p:extLst>
       <p:ext uri="{BB962C8B-B14F-4D97-AF65-F5344CB8AC3E}">
-        <p14:creationId xmlns:p14="http://schemas.microsoft.com/office/powerpoint/2010/main" val="737681818"/>
+        <p14:creationId xmlns:p14="http://schemas.microsoft.com/office/powerpoint/2010/main" val="1306154871"/>
       </p:ext>
     </p:extLst>
   </p:cSld>
@@ -3144,7 +3144,7 @@
     </p:spTree>
     <p:extLst>
       <p:ext uri="{BB962C8B-B14F-4D97-AF65-F5344CB8AC3E}">
-        <p14:creationId xmlns:p14="http://schemas.microsoft.com/office/powerpoint/2010/main" val="3206739456"/>
+        <p14:creationId xmlns:p14="http://schemas.microsoft.com/office/powerpoint/2010/main" val="696056582"/>
       </p:ext>
     </p:extLst>
   </p:cSld>
@@ -3228,7 +3228,7 @@
     </p:spTree>
     <p:extLst>
       <p:ext uri="{BB962C8B-B14F-4D97-AF65-F5344CB8AC3E}">
-        <p14:creationId xmlns:p14="http://schemas.microsoft.com/office/powerpoint/2010/main" val="4151229091"/>
+        <p14:creationId xmlns:p14="http://schemas.microsoft.com/office/powerpoint/2010/main" val="809022262"/>
       </p:ext>
     </p:extLst>
   </p:cSld>
@@ -4039,7 +4039,7 @@
           <a:p>
             <a:fld id="{D6D8061D-18C3-4F4F-85EF-561633F58754}" type="datetimeFigureOut">
               <a:rPr lang="en-US" smtClean="0"/>
-              <a:t>7/22/2024</a:t>
+              <a:t>7/23/2024</a:t>
             </a:fld>
             <a:endParaRPr lang="en-US" dirty="0"/>
           </a:p>
@@ -4330,7 +4330,7 @@
           <a:p>
             <a:fld id="{D6D8061D-18C3-4F4F-85EF-561633F58754}" type="datetimeFigureOut">
               <a:rPr lang="en-US" smtClean="0"/>
-              <a:t>7/22/2024</a:t>
+              <a:t>7/23/2024</a:t>
             </a:fld>
             <a:endParaRPr lang="en-US" dirty="0"/>
           </a:p>
@@ -4589,7 +4589,7 @@
           <a:p>
             <a:fld id="{D6D8061D-18C3-4F4F-85EF-561633F58754}" type="datetimeFigureOut">
               <a:rPr lang="en-US" smtClean="0"/>
-              <a:t>7/22/2024</a:t>
+              <a:t>7/23/2024</a:t>
             </a:fld>
             <a:endParaRPr lang="en-US" dirty="0"/>
           </a:p>
@@ -5058,7 +5058,7 @@
           <a:p>
             <a:fld id="{D6D8061D-18C3-4F4F-85EF-561633F58754}" type="datetimeFigureOut">
               <a:rPr lang="en-US" smtClean="0"/>
-              <a:t>7/22/2024</a:t>
+              <a:t>7/23/2024</a:t>
             </a:fld>
             <a:endParaRPr lang="en-US" dirty="0"/>
           </a:p>
@@ -5238,7 +5238,7 @@
           <a:p>
             <a:fld id="{D6D8061D-18C3-4F4F-85EF-561633F58754}" type="datetimeFigureOut">
               <a:rPr lang="en-US" smtClean="0"/>
-              <a:t>7/22/2024</a:t>
+              <a:t>7/23/2024</a:t>
             </a:fld>
             <a:endParaRPr lang="en-US" dirty="0"/>
           </a:p>
@@ -5814,7 +5814,7 @@
           <a:p>
             <a:fld id="{D6D8061D-18C3-4F4F-85EF-561633F58754}" type="datetimeFigureOut">
               <a:rPr lang="en-US" smtClean="0"/>
-              <a:t>7/22/2024</a:t>
+              <a:t>7/23/2024</a:t>
             </a:fld>
             <a:endParaRPr lang="en-US" dirty="0"/>
           </a:p>
@@ -6146,7 +6146,7 @@
           <a:p>
             <a:fld id="{D6D8061D-18C3-4F4F-85EF-561633F58754}" type="datetimeFigureOut">
               <a:rPr lang="en-US" smtClean="0"/>
-              <a:t>7/22/2024</a:t>
+              <a:t>7/23/2024</a:t>
             </a:fld>
             <a:endParaRPr lang="en-US" dirty="0"/>
           </a:p>
@@ -6321,7 +6321,7 @@
           <a:p>
             <a:fld id="{D6D8061D-18C3-4F4F-85EF-561633F58754}" type="datetimeFigureOut">
               <a:rPr lang="en-US" smtClean="0"/>
-              <a:t>7/22/2024</a:t>
+              <a:t>7/23/2024</a:t>
             </a:fld>
             <a:endParaRPr lang="en-US" dirty="0"/>
           </a:p>
@@ -6501,7 +6501,7 @@
           <a:p>
             <a:fld id="{D6D8061D-18C3-4F4F-85EF-561633F58754}" type="datetimeFigureOut">
               <a:rPr lang="en-US" smtClean="0"/>
-              <a:t>7/22/2024</a:t>
+              <a:t>7/23/2024</a:t>
             </a:fld>
             <a:endParaRPr lang="en-US" dirty="0"/>
           </a:p>
@@ -7250,7 +7250,7 @@
           <a:p>
             <a:fld id="{D6D8061D-18C3-4F4F-85EF-561633F58754}" type="datetimeFigureOut">
               <a:rPr lang="en-US" smtClean="0"/>
-              <a:t>7/22/2024</a:t>
+              <a:t>7/23/2024</a:t>
             </a:fld>
             <a:endParaRPr lang="en-US" dirty="0"/>
           </a:p>
@@ -7895,7 +7895,7 @@
           <a:p>
             <a:fld id="{D6D8061D-18C3-4F4F-85EF-561633F58754}" type="datetimeFigureOut">
               <a:rPr lang="en-US" smtClean="0"/>
-              <a:t>7/22/2024</a:t>
+              <a:t>7/23/2024</a:t>
             </a:fld>
             <a:endParaRPr lang="en-US" dirty="0"/>
           </a:p>
@@ -9079,7 +9079,7 @@
           <a:p>
             <a:fld id="{D6D8061D-18C3-4F4F-85EF-561633F58754}" type="datetimeFigureOut">
               <a:rPr lang="en-US" smtClean="0"/>
-              <a:t>7/22/2024</a:t>
+              <a:t>7/23/2024</a:t>
             </a:fld>
             <a:endParaRPr lang="en-US" dirty="0"/>
           </a:p>
@@ -9153,1778 +9153,6 @@
 </file>
 
 <file path=ppt/slideLayouts/slideLayout22.xml><?xml version="1.0" encoding="utf-8"?>
-<p:sldLayout xmlns:a="http://schemas.openxmlformats.org/drawingml/2006/main" xmlns:r="http://schemas.openxmlformats.org/officeDocument/2006/relationships" xmlns:p="http://schemas.openxmlformats.org/presentationml/2006/main" userDrawn="1">
-  <p:cSld name="Summary">
-    <p:spTree>
-      <p:nvGrpSpPr>
-        <p:cNvPr id="1" name=""/>
-        <p:cNvGrpSpPr/>
-        <p:nvPr/>
-      </p:nvGrpSpPr>
-      <p:grpSpPr>
-        <a:xfrm>
-          <a:off x="0" y="0"/>
-          <a:ext cx="0" cy="0"/>
-          <a:chOff x="0" y="0"/>
-          <a:chExt cx="0" cy="0"/>
-        </a:xfrm>
-      </p:grpSpPr>
-      <p:grpSp>
-        <p:nvGrpSpPr>
-          <p:cNvPr id="2" name="Group 1">
-            <a:extLst>
-              <a:ext uri="{FF2B5EF4-FFF2-40B4-BE49-F238E27FC236}">
-                <a16:creationId xmlns:a16="http://schemas.microsoft.com/office/drawing/2014/main" id="{BCB8A6E1-44B2-54E1-6460-1C9B27EE75FD}"/>
-              </a:ext>
-              <a:ext uri="{C183D7F6-B498-43B3-948B-1728B52AA6E4}">
-                <adec:decorative xmlns:adec="http://schemas.microsoft.com/office/drawing/2017/decorative" val="1"/>
-              </a:ext>
-            </a:extLst>
-          </p:cNvPr>
-          <p:cNvGrpSpPr/>
-          <p:nvPr userDrawn="1"/>
-        </p:nvGrpSpPr>
-        <p:grpSpPr>
-          <a:xfrm>
-            <a:off x="0" y="0"/>
-            <a:ext cx="5698912" cy="6858001"/>
-            <a:chOff x="0" y="-1"/>
-            <a:chExt cx="5698912" cy="6858001"/>
-          </a:xfrm>
-        </p:grpSpPr>
-        <p:sp>
-          <p:nvSpPr>
-            <p:cNvPr id="12" name="Freeform: Shape 11">
-              <a:extLst>
-                <a:ext uri="{FF2B5EF4-FFF2-40B4-BE49-F238E27FC236}">
-                  <a16:creationId xmlns:a16="http://schemas.microsoft.com/office/drawing/2014/main" id="{D22D7888-22FA-4AA1-9BA4-CC61D6643D47}"/>
-                </a:ext>
-              </a:extLst>
-            </p:cNvPr>
-            <p:cNvSpPr/>
-            <p:nvPr userDrawn="1"/>
-          </p:nvSpPr>
-          <p:spPr>
-            <a:xfrm flipH="1">
-              <a:off x="530529" y="0"/>
-              <a:ext cx="1155142" cy="591009"/>
-            </a:xfrm>
-            <a:custGeom>
-              <a:avLst/>
-              <a:gdLst>
-                <a:gd name="connsiteX0" fmla="*/ 1355 w 1155142"/>
-                <a:gd name="connsiteY0" fmla="*/ 0 h 591009"/>
-                <a:gd name="connsiteX1" fmla="*/ 1153787 w 1155142"/>
-                <a:gd name="connsiteY1" fmla="*/ 0 h 591009"/>
-                <a:gd name="connsiteX2" fmla="*/ 1155142 w 1155142"/>
-                <a:gd name="connsiteY2" fmla="*/ 13438 h 591009"/>
-                <a:gd name="connsiteX3" fmla="*/ 577571 w 1155142"/>
-                <a:gd name="connsiteY3" fmla="*/ 591009 h 591009"/>
-                <a:gd name="connsiteX4" fmla="*/ 0 w 1155142"/>
-                <a:gd name="connsiteY4" fmla="*/ 13438 h 591009"/>
-              </a:gdLst>
-              <a:ahLst/>
-              <a:cxnLst>
-                <a:cxn ang="0">
-                  <a:pos x="connsiteX0" y="connsiteY0"/>
-                </a:cxn>
-                <a:cxn ang="0">
-                  <a:pos x="connsiteX1" y="connsiteY1"/>
-                </a:cxn>
-                <a:cxn ang="0">
-                  <a:pos x="connsiteX2" y="connsiteY2"/>
-                </a:cxn>
-                <a:cxn ang="0">
-                  <a:pos x="connsiteX3" y="connsiteY3"/>
-                </a:cxn>
-                <a:cxn ang="0">
-                  <a:pos x="connsiteX4" y="connsiteY4"/>
-                </a:cxn>
-              </a:cxnLst>
-              <a:rect l="l" t="t" r="r" b="b"/>
-              <a:pathLst>
-                <a:path w="1155142" h="591009">
-                  <a:moveTo>
-                    <a:pt x="1355" y="0"/>
-                  </a:moveTo>
-                  <a:lnTo>
-                    <a:pt x="1153787" y="0"/>
-                  </a:lnTo>
-                  <a:lnTo>
-                    <a:pt x="1155142" y="13438"/>
-                  </a:lnTo>
-                  <a:cubicBezTo>
-                    <a:pt x="1155142" y="332422"/>
-                    <a:pt x="896555" y="591009"/>
-                    <a:pt x="577571" y="591009"/>
-                  </a:cubicBezTo>
-                  <a:cubicBezTo>
-                    <a:pt x="258587" y="591009"/>
-                    <a:pt x="0" y="332422"/>
-                    <a:pt x="0" y="13438"/>
-                  </a:cubicBezTo>
-                  <a:close/>
-                </a:path>
-              </a:pathLst>
-            </a:custGeom>
-            <a:solidFill>
-              <a:schemeClr val="accent5"/>
-            </a:solidFill>
-            <a:ln>
-              <a:noFill/>
-            </a:ln>
-          </p:spPr>
-          <p:style>
-            <a:lnRef idx="2">
-              <a:schemeClr val="accent1">
-                <a:shade val="50000"/>
-              </a:schemeClr>
-            </a:lnRef>
-            <a:fillRef idx="1">
-              <a:schemeClr val="accent1"/>
-            </a:fillRef>
-            <a:effectRef idx="0">
-              <a:schemeClr val="accent1"/>
-            </a:effectRef>
-            <a:fontRef idx="minor">
-              <a:schemeClr val="lt1"/>
-            </a:fontRef>
-          </p:style>
-          <p:txBody>
-            <a:bodyPr wrap="square" rtlCol="0" anchor="ctr">
-              <a:noAutofit/>
-            </a:bodyPr>
-            <a:lstStyle/>
-            <a:p>
-              <a:pPr marL="0" marR="0" lvl="0" indent="0" algn="ctr" defTabSz="914400" rtl="0" eaLnBrk="1" fontAlgn="auto" latinLnBrk="0" hangingPunct="1">
-                <a:lnSpc>
-                  <a:spcPct val="100000"/>
-                </a:lnSpc>
-                <a:spcBef>
-                  <a:spcPts val="0"/>
-                </a:spcBef>
-                <a:spcAft>
-                  <a:spcPts val="0"/>
-                </a:spcAft>
-                <a:buClrTx/>
-                <a:buSzTx/>
-                <a:buFontTx/>
-                <a:buNone/>
-                <a:tabLst/>
-                <a:defRPr/>
-              </a:pPr>
-              <a:endParaRPr kumimoji="0" lang="en-US" sz="1800" b="0" i="0" u="none" strike="noStrike" kern="1200" cap="none" spc="0" normalizeH="0" baseline="0" noProof="0" dirty="0">
-                <a:ln>
-                  <a:noFill/>
-                </a:ln>
-                <a:solidFill>
-                  <a:prstClr val="white"/>
-                </a:solidFill>
-                <a:effectLst/>
-                <a:uLnTx/>
-                <a:uFillTx/>
-                <a:latin typeface="Calibri" panose="020F0502020204030204"/>
-                <a:ea typeface="+mn-ea"/>
-                <a:cs typeface="+mn-cs"/>
-              </a:endParaRPr>
-            </a:p>
-          </p:txBody>
-        </p:sp>
-        <p:sp>
-          <p:nvSpPr>
-            <p:cNvPr id="14" name="Freeform: Shape 13">
-              <a:extLst>
-                <a:ext uri="{FF2B5EF4-FFF2-40B4-BE49-F238E27FC236}">
-                  <a16:creationId xmlns:a16="http://schemas.microsoft.com/office/drawing/2014/main" id="{EBB6E464-8999-4773-A1F2-E6CAA990E572}"/>
-                </a:ext>
-              </a:extLst>
-            </p:cNvPr>
-            <p:cNvSpPr/>
-            <p:nvPr userDrawn="1"/>
-          </p:nvSpPr>
-          <p:spPr>
-            <a:xfrm flipH="1">
-              <a:off x="3961511" y="-1"/>
-              <a:ext cx="1737401" cy="959536"/>
-            </a:xfrm>
-            <a:custGeom>
-              <a:avLst/>
-              <a:gdLst>
-                <a:gd name="connsiteX0" fmla="*/ 0 w 1737401"/>
-                <a:gd name="connsiteY0" fmla="*/ 0 h 959536"/>
-                <a:gd name="connsiteX1" fmla="*/ 123825 w 1737401"/>
-                <a:gd name="connsiteY1" fmla="*/ 0 h 959536"/>
-                <a:gd name="connsiteX2" fmla="*/ 123825 w 1737401"/>
-                <a:gd name="connsiteY2" fmla="*/ 790277 h 959536"/>
-                <a:gd name="connsiteX3" fmla="*/ 1490095 w 1737401"/>
-                <a:gd name="connsiteY3" fmla="*/ 0 h 959536"/>
-                <a:gd name="connsiteX4" fmla="*/ 1737401 w 1737401"/>
-                <a:gd name="connsiteY4" fmla="*/ 0 h 959536"/>
-                <a:gd name="connsiteX5" fmla="*/ 92869 w 1737401"/>
-                <a:gd name="connsiteY5" fmla="*/ 951249 h 959536"/>
-                <a:gd name="connsiteX6" fmla="*/ 61913 w 1737401"/>
-                <a:gd name="connsiteY6" fmla="*/ 959536 h 959536"/>
-                <a:gd name="connsiteX7" fmla="*/ 0 w 1737401"/>
-                <a:gd name="connsiteY7" fmla="*/ 897624 h 959536"/>
-              </a:gdLst>
-              <a:ahLst/>
-              <a:cxnLst>
-                <a:cxn ang="0">
-                  <a:pos x="connsiteX0" y="connsiteY0"/>
-                </a:cxn>
-                <a:cxn ang="0">
-                  <a:pos x="connsiteX1" y="connsiteY1"/>
-                </a:cxn>
-                <a:cxn ang="0">
-                  <a:pos x="connsiteX2" y="connsiteY2"/>
-                </a:cxn>
-                <a:cxn ang="0">
-                  <a:pos x="connsiteX3" y="connsiteY3"/>
-                </a:cxn>
-                <a:cxn ang="0">
-                  <a:pos x="connsiteX4" y="connsiteY4"/>
-                </a:cxn>
-                <a:cxn ang="0">
-                  <a:pos x="connsiteX5" y="connsiteY5"/>
-                </a:cxn>
-                <a:cxn ang="0">
-                  <a:pos x="connsiteX6" y="connsiteY6"/>
-                </a:cxn>
-                <a:cxn ang="0">
-                  <a:pos x="connsiteX7" y="connsiteY7"/>
-                </a:cxn>
-              </a:cxnLst>
-              <a:rect l="l" t="t" r="r" b="b"/>
-              <a:pathLst>
-                <a:path w="1737401" h="959536">
-                  <a:moveTo>
-                    <a:pt x="0" y="0"/>
-                  </a:moveTo>
-                  <a:lnTo>
-                    <a:pt x="123825" y="0"/>
-                  </a:lnTo>
-                  <a:lnTo>
-                    <a:pt x="123825" y="790277"/>
-                  </a:lnTo>
-                  <a:lnTo>
-                    <a:pt x="1490095" y="0"/>
-                  </a:lnTo>
-                  <a:lnTo>
-                    <a:pt x="1737401" y="0"/>
-                  </a:lnTo>
-                  <a:lnTo>
-                    <a:pt x="92869" y="951249"/>
-                  </a:lnTo>
-                  <a:cubicBezTo>
-                    <a:pt x="83458" y="956688"/>
-                    <a:pt x="72780" y="959546"/>
-                    <a:pt x="61913" y="959536"/>
-                  </a:cubicBezTo>
-                  <a:cubicBezTo>
-                    <a:pt x="27719" y="959536"/>
-                    <a:pt x="0" y="931818"/>
-                    <a:pt x="0" y="897624"/>
-                  </a:cubicBezTo>
-                  <a:close/>
-                </a:path>
-              </a:pathLst>
-            </a:custGeom>
-            <a:solidFill>
-              <a:schemeClr val="accent6"/>
-            </a:solidFill>
-            <a:ln w="9525" cap="flat">
-              <a:noFill/>
-              <a:prstDash val="solid"/>
-              <a:miter/>
-            </a:ln>
-          </p:spPr>
-          <p:txBody>
-            <a:bodyPr rtlCol="0" anchor="ctr"/>
-            <a:lstStyle/>
-            <a:p>
-              <a:pPr marL="0" marR="0" lvl="0" indent="0" algn="l" defTabSz="914400" rtl="0" eaLnBrk="1" fontAlgn="auto" latinLnBrk="0" hangingPunct="1">
-                <a:lnSpc>
-                  <a:spcPct val="100000"/>
-                </a:lnSpc>
-                <a:spcBef>
-                  <a:spcPts val="0"/>
-                </a:spcBef>
-                <a:spcAft>
-                  <a:spcPts val="0"/>
-                </a:spcAft>
-                <a:buClrTx/>
-                <a:buSzTx/>
-                <a:buFontTx/>
-                <a:buNone/>
-                <a:tabLst/>
-                <a:defRPr/>
-              </a:pPr>
-              <a:endParaRPr kumimoji="0" lang="en-US" sz="1800" b="0" i="0" u="none" strike="noStrike" kern="1200" cap="none" spc="0" normalizeH="0" baseline="0" noProof="0" dirty="0">
-                <a:ln>
-                  <a:noFill/>
-                </a:ln>
-                <a:solidFill>
-                  <a:prstClr val="black"/>
-                </a:solidFill>
-                <a:effectLst/>
-                <a:uLnTx/>
-                <a:uFillTx/>
-                <a:latin typeface="Calibri" panose="020F0502020204030204"/>
-                <a:ea typeface="+mn-ea"/>
-                <a:cs typeface="+mn-cs"/>
-              </a:endParaRPr>
-            </a:p>
-          </p:txBody>
-        </p:sp>
-        <p:sp>
-          <p:nvSpPr>
-            <p:cNvPr id="18" name="Freeform: Shape 17">
-              <a:extLst>
-                <a:ext uri="{FF2B5EF4-FFF2-40B4-BE49-F238E27FC236}">
-                  <a16:creationId xmlns:a16="http://schemas.microsoft.com/office/drawing/2014/main" id="{1EA14BE8-FDD0-4434-9C3E-BFF78C22D9E3}"/>
-                </a:ext>
-              </a:extLst>
-            </p:cNvPr>
-            <p:cNvSpPr/>
-            <p:nvPr userDrawn="1"/>
-          </p:nvSpPr>
-          <p:spPr>
-            <a:xfrm flipH="1">
-              <a:off x="0" y="5835649"/>
-              <a:ext cx="1548180" cy="1022351"/>
-            </a:xfrm>
-            <a:custGeom>
-              <a:avLst/>
-              <a:gdLst>
-                <a:gd name="connsiteX0" fmla="*/ 61913 w 1548180"/>
-                <a:gd name="connsiteY0" fmla="*/ 0 h 1022351"/>
-                <a:gd name="connsiteX1" fmla="*/ 1548180 w 1548180"/>
-                <a:gd name="connsiteY1" fmla="*/ 0 h 1022351"/>
-                <a:gd name="connsiteX2" fmla="*/ 1548180 w 1548180"/>
-                <a:gd name="connsiteY2" fmla="*/ 123825 h 1022351"/>
-                <a:gd name="connsiteX3" fmla="*/ 123825 w 1548180"/>
-                <a:gd name="connsiteY3" fmla="*/ 123825 h 1022351"/>
-                <a:gd name="connsiteX4" fmla="*/ 123825 w 1548180"/>
-                <a:gd name="connsiteY4" fmla="*/ 1022351 h 1022351"/>
-                <a:gd name="connsiteX5" fmla="*/ 0 w 1548180"/>
-                <a:gd name="connsiteY5" fmla="*/ 1022351 h 1022351"/>
-                <a:gd name="connsiteX6" fmla="*/ 0 w 1548180"/>
-                <a:gd name="connsiteY6" fmla="*/ 61913 h 1022351"/>
-                <a:gd name="connsiteX7" fmla="*/ 61913 w 1548180"/>
-                <a:gd name="connsiteY7" fmla="*/ 0 h 1022351"/>
-              </a:gdLst>
-              <a:ahLst/>
-              <a:cxnLst>
-                <a:cxn ang="0">
-                  <a:pos x="connsiteX0" y="connsiteY0"/>
-                </a:cxn>
-                <a:cxn ang="0">
-                  <a:pos x="connsiteX1" y="connsiteY1"/>
-                </a:cxn>
-                <a:cxn ang="0">
-                  <a:pos x="connsiteX2" y="connsiteY2"/>
-                </a:cxn>
-                <a:cxn ang="0">
-                  <a:pos x="connsiteX3" y="connsiteY3"/>
-                </a:cxn>
-                <a:cxn ang="0">
-                  <a:pos x="connsiteX4" y="connsiteY4"/>
-                </a:cxn>
-                <a:cxn ang="0">
-                  <a:pos x="connsiteX5" y="connsiteY5"/>
-                </a:cxn>
-                <a:cxn ang="0">
-                  <a:pos x="connsiteX6" y="connsiteY6"/>
-                </a:cxn>
-                <a:cxn ang="0">
-                  <a:pos x="connsiteX7" y="connsiteY7"/>
-                </a:cxn>
-              </a:cxnLst>
-              <a:rect l="l" t="t" r="r" b="b"/>
-              <a:pathLst>
-                <a:path w="1548180" h="1022351">
-                  <a:moveTo>
-                    <a:pt x="61913" y="0"/>
-                  </a:moveTo>
-                  <a:lnTo>
-                    <a:pt x="1548180" y="0"/>
-                  </a:lnTo>
-                  <a:lnTo>
-                    <a:pt x="1548180" y="123825"/>
-                  </a:lnTo>
-                  <a:lnTo>
-                    <a:pt x="123825" y="123825"/>
-                  </a:lnTo>
-                  <a:lnTo>
-                    <a:pt x="123825" y="1022351"/>
-                  </a:lnTo>
-                  <a:lnTo>
-                    <a:pt x="0" y="1022351"/>
-                  </a:lnTo>
-                  <a:lnTo>
-                    <a:pt x="0" y="61913"/>
-                  </a:lnTo>
-                  <a:cubicBezTo>
-                    <a:pt x="0" y="27719"/>
-                    <a:pt x="27719" y="0"/>
-                    <a:pt x="61913" y="0"/>
-                  </a:cubicBezTo>
-                  <a:close/>
-                </a:path>
-              </a:pathLst>
-            </a:custGeom>
-            <a:solidFill>
-              <a:schemeClr val="accent6"/>
-            </a:solidFill>
-            <a:ln w="9525" cap="flat">
-              <a:noFill/>
-              <a:prstDash val="solid"/>
-              <a:miter/>
-            </a:ln>
-          </p:spPr>
-          <p:txBody>
-            <a:bodyPr rtlCol="0" anchor="ctr"/>
-            <a:lstStyle/>
-            <a:p>
-              <a:pPr marL="0" marR="0" lvl="0" indent="0" algn="l" defTabSz="914400" rtl="0" eaLnBrk="1" fontAlgn="auto" latinLnBrk="0" hangingPunct="1">
-                <a:lnSpc>
-                  <a:spcPct val="100000"/>
-                </a:lnSpc>
-                <a:spcBef>
-                  <a:spcPts val="0"/>
-                </a:spcBef>
-                <a:spcAft>
-                  <a:spcPts val="0"/>
-                </a:spcAft>
-                <a:buClrTx/>
-                <a:buSzTx/>
-                <a:buFontTx/>
-                <a:buNone/>
-                <a:tabLst/>
-                <a:defRPr/>
-              </a:pPr>
-              <a:endParaRPr kumimoji="0" lang="en-US" sz="1800" b="0" i="0" u="none" strike="noStrike" kern="1200" cap="none" spc="0" normalizeH="0" baseline="0" noProof="0" dirty="0">
-                <a:ln>
-                  <a:noFill/>
-                </a:ln>
-                <a:solidFill>
-                  <a:prstClr val="black"/>
-                </a:solidFill>
-                <a:effectLst/>
-                <a:uLnTx/>
-                <a:uFillTx/>
-                <a:latin typeface="Calibri" panose="020F0502020204030204"/>
-                <a:ea typeface="+mn-ea"/>
-                <a:cs typeface="+mn-cs"/>
-              </a:endParaRPr>
-            </a:p>
-          </p:txBody>
-        </p:sp>
-        <p:sp>
-          <p:nvSpPr>
-            <p:cNvPr id="22" name="Freeform: Shape 21">
-              <a:extLst>
-                <a:ext uri="{FF2B5EF4-FFF2-40B4-BE49-F238E27FC236}">
-                  <a16:creationId xmlns:a16="http://schemas.microsoft.com/office/drawing/2014/main" id="{E494E364-7EA8-4D92-915D-75D1A3A67C07}"/>
-                </a:ext>
-              </a:extLst>
-            </p:cNvPr>
-            <p:cNvSpPr/>
-            <p:nvPr userDrawn="1"/>
-          </p:nvSpPr>
-          <p:spPr>
-            <a:xfrm flipH="1">
-              <a:off x="4132972" y="6258755"/>
-              <a:ext cx="1565940" cy="599245"/>
-            </a:xfrm>
-            <a:custGeom>
-              <a:avLst/>
-              <a:gdLst>
-                <a:gd name="connsiteX0" fmla="*/ 782970 w 1565940"/>
-                <a:gd name="connsiteY0" fmla="*/ 0 h 599245"/>
-                <a:gd name="connsiteX1" fmla="*/ 1528042 w 1565940"/>
-                <a:gd name="connsiteY1" fmla="*/ 480469 h 599245"/>
-                <a:gd name="connsiteX2" fmla="*/ 1565940 w 1565940"/>
-                <a:gd name="connsiteY2" fmla="*/ 599245 h 599245"/>
-                <a:gd name="connsiteX3" fmla="*/ 0 w 1565940"/>
-                <a:gd name="connsiteY3" fmla="*/ 599245 h 599245"/>
-                <a:gd name="connsiteX4" fmla="*/ 37898 w 1565940"/>
-                <a:gd name="connsiteY4" fmla="*/ 480469 h 599245"/>
-                <a:gd name="connsiteX5" fmla="*/ 782970 w 1565940"/>
-                <a:gd name="connsiteY5" fmla="*/ 0 h 599245"/>
-              </a:gdLst>
-              <a:ahLst/>
-              <a:cxnLst>
-                <a:cxn ang="0">
-                  <a:pos x="connsiteX0" y="connsiteY0"/>
-                </a:cxn>
-                <a:cxn ang="0">
-                  <a:pos x="connsiteX1" y="connsiteY1"/>
-                </a:cxn>
-                <a:cxn ang="0">
-                  <a:pos x="connsiteX2" y="connsiteY2"/>
-                </a:cxn>
-                <a:cxn ang="0">
-                  <a:pos x="connsiteX3" y="connsiteY3"/>
-                </a:cxn>
-                <a:cxn ang="0">
-                  <a:pos x="connsiteX4" y="connsiteY4"/>
-                </a:cxn>
-                <a:cxn ang="0">
-                  <a:pos x="connsiteX5" y="connsiteY5"/>
-                </a:cxn>
-              </a:cxnLst>
-              <a:rect l="l" t="t" r="r" b="b"/>
-              <a:pathLst>
-                <a:path w="1565940" h="599245">
-                  <a:moveTo>
-                    <a:pt x="782970" y="0"/>
-                  </a:moveTo>
-                  <a:cubicBezTo>
-                    <a:pt x="1117910" y="0"/>
-                    <a:pt x="1405287" y="198118"/>
-                    <a:pt x="1528042" y="480469"/>
-                  </a:cubicBezTo>
-                  <a:lnTo>
-                    <a:pt x="1565940" y="599245"/>
-                  </a:lnTo>
-                  <a:lnTo>
-                    <a:pt x="0" y="599245"/>
-                  </a:lnTo>
-                  <a:lnTo>
-                    <a:pt x="37898" y="480469"/>
-                  </a:lnTo>
-                  <a:cubicBezTo>
-                    <a:pt x="160653" y="198118"/>
-                    <a:pt x="448030" y="0"/>
-                    <a:pt x="782970" y="0"/>
-                  </a:cubicBezTo>
-                  <a:close/>
-                </a:path>
-              </a:pathLst>
-            </a:custGeom>
-            <a:solidFill>
-              <a:schemeClr val="accent2"/>
-            </a:solidFill>
-            <a:ln>
-              <a:noFill/>
-            </a:ln>
-          </p:spPr>
-          <p:style>
-            <a:lnRef idx="2">
-              <a:schemeClr val="accent1">
-                <a:shade val="50000"/>
-              </a:schemeClr>
-            </a:lnRef>
-            <a:fillRef idx="1">
-              <a:schemeClr val="accent1"/>
-            </a:fillRef>
-            <a:effectRef idx="0">
-              <a:schemeClr val="accent1"/>
-            </a:effectRef>
-            <a:fontRef idx="minor">
-              <a:schemeClr val="lt1"/>
-            </a:fontRef>
-          </p:style>
-          <p:txBody>
-            <a:bodyPr wrap="square" rtlCol="0" anchor="ctr">
-              <a:noAutofit/>
-            </a:bodyPr>
-            <a:lstStyle/>
-            <a:p>
-              <a:pPr marL="0" marR="0" lvl="0" indent="0" algn="ctr" defTabSz="914400" rtl="0" eaLnBrk="1" fontAlgn="auto" latinLnBrk="0" hangingPunct="1">
-                <a:lnSpc>
-                  <a:spcPct val="100000"/>
-                </a:lnSpc>
-                <a:spcBef>
-                  <a:spcPts val="0"/>
-                </a:spcBef>
-                <a:spcAft>
-                  <a:spcPts val="0"/>
-                </a:spcAft>
-                <a:buClrTx/>
-                <a:buSzTx/>
-                <a:buFontTx/>
-                <a:buNone/>
-                <a:tabLst/>
-                <a:defRPr/>
-              </a:pPr>
-              <a:endParaRPr kumimoji="0" lang="en-US" sz="1800" b="0" i="0" u="none" strike="noStrike" kern="1200" cap="none" spc="0" normalizeH="0" baseline="0" noProof="0" dirty="0">
-                <a:ln>
-                  <a:noFill/>
-                </a:ln>
-                <a:solidFill>
-                  <a:prstClr val="white"/>
-                </a:solidFill>
-                <a:effectLst/>
-                <a:uLnTx/>
-                <a:uFillTx/>
-                <a:latin typeface="Calibri" panose="020F0502020204030204"/>
-                <a:ea typeface="+mn-ea"/>
-                <a:cs typeface="+mn-cs"/>
-              </a:endParaRPr>
-            </a:p>
-          </p:txBody>
-        </p:sp>
-      </p:grpSp>
-      <p:sp>
-        <p:nvSpPr>
-          <p:cNvPr id="7" name="Title 1">
-            <a:extLst>
-              <a:ext uri="{FF2B5EF4-FFF2-40B4-BE49-F238E27FC236}">
-                <a16:creationId xmlns:a16="http://schemas.microsoft.com/office/drawing/2014/main" id="{4F9EBE3B-A856-C23C-4698-B764DF4BC70D}"/>
-              </a:ext>
-            </a:extLst>
-          </p:cNvPr>
-          <p:cNvSpPr>
-            <a:spLocks noGrp="1"/>
-          </p:cNvSpPr>
-          <p:nvPr>
-            <p:ph type="title" hasCustomPrompt="1"/>
-          </p:nvPr>
-        </p:nvSpPr>
-        <p:spPr>
-          <a:xfrm>
-            <a:off x="6222118" y="262762"/>
-            <a:ext cx="5507421" cy="3649718"/>
-          </a:xfrm>
-        </p:spPr>
-        <p:txBody>
-          <a:bodyPr anchor="b">
-            <a:normAutofit/>
-          </a:bodyPr>
-          <a:lstStyle>
-            <a:lvl1pPr>
-              <a:defRPr sz="6000"/>
-            </a:lvl1pPr>
-          </a:lstStyle>
-          <a:p>
-            <a:r>
-              <a:rPr lang="en-US" dirty="0"/>
-              <a:t>Click to add title</a:t>
-            </a:r>
-          </a:p>
-        </p:txBody>
-      </p:sp>
-      <p:sp>
-        <p:nvSpPr>
-          <p:cNvPr id="8" name="Picture Placeholder 7">
-            <a:extLst>
-              <a:ext uri="{FF2B5EF4-FFF2-40B4-BE49-F238E27FC236}">
-                <a16:creationId xmlns:a16="http://schemas.microsoft.com/office/drawing/2014/main" id="{74C9CB37-5251-201C-ACE3-FD69A00C772E}"/>
-              </a:ext>
-            </a:extLst>
-          </p:cNvPr>
-          <p:cNvSpPr>
-            <a:spLocks noGrp="1"/>
-          </p:cNvSpPr>
-          <p:nvPr>
-            <p:ph type="pic" sz="quarter" idx="14"/>
-          </p:nvPr>
-        </p:nvSpPr>
-        <p:spPr>
-          <a:xfrm>
-            <a:off x="707393" y="847600"/>
-            <a:ext cx="4619625" cy="4617720"/>
-          </a:xfrm>
-          <a:prstGeom prst="ellipse">
-            <a:avLst/>
-          </a:prstGeom>
-          <a:noFill/>
-        </p:spPr>
-        <p:txBody>
-          <a:bodyPr tIns="548640">
-            <a:normAutofit/>
-          </a:bodyPr>
-          <a:lstStyle>
-            <a:lvl1pPr marL="0" indent="0" algn="ctr">
-              <a:buNone/>
-              <a:defRPr sz="2000"/>
-            </a:lvl1pPr>
-          </a:lstStyle>
-          <a:p>
-            <a:r>
-              <a:rPr lang="en-US"/>
-              <a:t>Click icon to add picture</a:t>
-            </a:r>
-            <a:endParaRPr lang="en-US" dirty="0"/>
-          </a:p>
-        </p:txBody>
-      </p:sp>
-      <p:sp>
-        <p:nvSpPr>
-          <p:cNvPr id="9" name="Content Placeholder 2">
-            <a:extLst>
-              <a:ext uri="{FF2B5EF4-FFF2-40B4-BE49-F238E27FC236}">
-                <a16:creationId xmlns:a16="http://schemas.microsoft.com/office/drawing/2014/main" id="{EBF08299-9068-827D-783B-BFF5B95E9574}"/>
-              </a:ext>
-            </a:extLst>
-          </p:cNvPr>
-          <p:cNvSpPr>
-            <a:spLocks noGrp="1"/>
-          </p:cNvSpPr>
-          <p:nvPr>
-            <p:ph idx="1" hasCustomPrompt="1"/>
-          </p:nvPr>
-        </p:nvSpPr>
-        <p:spPr>
-          <a:xfrm>
-            <a:off x="6222118" y="4058263"/>
-            <a:ext cx="5507421" cy="2141482"/>
-          </a:xfrm>
-        </p:spPr>
-        <p:txBody>
-          <a:bodyPr>
-            <a:normAutofit/>
-          </a:bodyPr>
-          <a:lstStyle>
-            <a:lvl1pPr marL="0" indent="0">
-              <a:lnSpc>
-                <a:spcPct val="90000"/>
-              </a:lnSpc>
-              <a:buFont typeface="Arial" panose="020B0604020202020204" pitchFamily="34" charset="0"/>
-              <a:buNone/>
-              <a:defRPr sz="2400"/>
-            </a:lvl1pPr>
-            <a:lvl2pPr marL="228600">
-              <a:lnSpc>
-                <a:spcPct val="90000"/>
-              </a:lnSpc>
-              <a:buClr>
-                <a:schemeClr val="accent2"/>
-              </a:buClr>
-              <a:defRPr sz="2000"/>
-            </a:lvl2pPr>
-            <a:lvl3pPr marL="457200">
-              <a:lnSpc>
-                <a:spcPct val="90000"/>
-              </a:lnSpc>
-              <a:buClr>
-                <a:schemeClr val="accent2"/>
-              </a:buClr>
-              <a:defRPr sz="1800"/>
-            </a:lvl3pPr>
-            <a:lvl4pPr marL="685800">
-              <a:lnSpc>
-                <a:spcPct val="90000"/>
-              </a:lnSpc>
-              <a:buClr>
-                <a:schemeClr val="accent2"/>
-              </a:buClr>
-              <a:defRPr sz="1600"/>
-            </a:lvl4pPr>
-            <a:lvl5pPr>
-              <a:lnSpc>
-                <a:spcPct val="110000"/>
-              </a:lnSpc>
-              <a:defRPr/>
-            </a:lvl5pPr>
-          </a:lstStyle>
-          <a:p>
-            <a:pPr lvl="0"/>
-            <a:r>
-              <a:rPr lang="en-US" dirty="0"/>
-              <a:t>Click to add content</a:t>
-            </a:r>
-          </a:p>
-          <a:p>
-            <a:pPr lvl="1"/>
-            <a:r>
-              <a:rPr lang="en-US" dirty="0"/>
-              <a:t>Second level</a:t>
-            </a:r>
-          </a:p>
-          <a:p>
-            <a:pPr lvl="2"/>
-            <a:r>
-              <a:rPr lang="en-US" dirty="0"/>
-              <a:t>Third level</a:t>
-            </a:r>
-          </a:p>
-          <a:p>
-            <a:pPr lvl="3"/>
-            <a:r>
-              <a:rPr lang="en-US" dirty="0"/>
-              <a:t>Fourth level</a:t>
-            </a:r>
-          </a:p>
-        </p:txBody>
-      </p:sp>
-      <p:sp>
-        <p:nvSpPr>
-          <p:cNvPr id="3" name="Date Placeholder 2">
-            <a:extLst>
-              <a:ext uri="{FF2B5EF4-FFF2-40B4-BE49-F238E27FC236}">
-                <a16:creationId xmlns:a16="http://schemas.microsoft.com/office/drawing/2014/main" id="{254D3190-B78C-42F1-9D62-F523886BBE51}"/>
-              </a:ext>
-            </a:extLst>
-          </p:cNvPr>
-          <p:cNvSpPr>
-            <a:spLocks noGrp="1"/>
-          </p:cNvSpPr>
-          <p:nvPr>
-            <p:ph type="dt" sz="half" idx="10"/>
-          </p:nvPr>
-        </p:nvSpPr>
-        <p:spPr>
-          <a:xfrm>
-            <a:off x="1682496" y="6356350"/>
-            <a:ext cx="1545336" cy="365125"/>
-          </a:xfrm>
-        </p:spPr>
-        <p:txBody>
-          <a:bodyPr/>
-          <a:lstStyle>
-            <a:lvl1pPr>
-              <a:defRPr>
-                <a:latin typeface="+mn-lt"/>
-              </a:defRPr>
-            </a:lvl1pPr>
-          </a:lstStyle>
-          <a:p>
-            <a:pPr>
-              <a:defRPr/>
-            </a:pPr>
-            <a:r>
-              <a:rPr lang="en-US" dirty="0">
-                <a:solidFill>
-                  <a:prstClr val="black">
-                    <a:tint val="75000"/>
-                  </a:prstClr>
-                </a:solidFill>
-              </a:rPr>
-              <a:t>9/3/20XX</a:t>
-            </a:r>
-          </a:p>
-        </p:txBody>
-      </p:sp>
-      <p:sp>
-        <p:nvSpPr>
-          <p:cNvPr id="4" name="Footer Placeholder 3">
-            <a:extLst>
-              <a:ext uri="{FF2B5EF4-FFF2-40B4-BE49-F238E27FC236}">
-                <a16:creationId xmlns:a16="http://schemas.microsoft.com/office/drawing/2014/main" id="{EA381C40-F9FC-4D58-8508-F0632DF5A018}"/>
-              </a:ext>
-            </a:extLst>
-          </p:cNvPr>
-          <p:cNvSpPr>
-            <a:spLocks noGrp="1"/>
-          </p:cNvSpPr>
-          <p:nvPr>
-            <p:ph type="ftr" sz="quarter" idx="11"/>
-          </p:nvPr>
-        </p:nvSpPr>
-        <p:spPr>
-          <a:xfrm>
-            <a:off x="6099048" y="6356350"/>
-            <a:ext cx="4114800" cy="365125"/>
-          </a:xfrm>
-        </p:spPr>
-        <p:txBody>
-          <a:bodyPr/>
-          <a:lstStyle>
-            <a:lvl1pPr algn="l">
-              <a:defRPr>
-                <a:latin typeface="+mn-lt"/>
-              </a:defRPr>
-            </a:lvl1pPr>
-          </a:lstStyle>
-          <a:p>
-            <a:pPr algn="l">
-              <a:defRPr/>
-            </a:pPr>
-            <a:r>
-              <a:rPr lang="en-US" dirty="0">
-                <a:solidFill>
-                  <a:prstClr val="black">
-                    <a:tint val="75000"/>
-                  </a:prstClr>
-                </a:solidFill>
-              </a:rPr>
-              <a:t>Pitch deck</a:t>
-            </a:r>
-          </a:p>
-        </p:txBody>
-      </p:sp>
-      <p:sp>
-        <p:nvSpPr>
-          <p:cNvPr id="5" name="Slide Number Placeholder 4">
-            <a:extLst>
-              <a:ext uri="{FF2B5EF4-FFF2-40B4-BE49-F238E27FC236}">
-                <a16:creationId xmlns:a16="http://schemas.microsoft.com/office/drawing/2014/main" id="{2101CBCC-4CC2-49BD-B155-01E0F4D798BE}"/>
-              </a:ext>
-            </a:extLst>
-          </p:cNvPr>
-          <p:cNvSpPr>
-            <a:spLocks noGrp="1"/>
-          </p:cNvSpPr>
-          <p:nvPr>
-            <p:ph type="sldNum" sz="quarter" idx="12"/>
-          </p:nvPr>
-        </p:nvSpPr>
-        <p:spPr>
-          <a:xfrm>
-            <a:off x="10506456" y="6356350"/>
-            <a:ext cx="850392" cy="365125"/>
-          </a:xfrm>
-        </p:spPr>
-        <p:txBody>
-          <a:bodyPr/>
-          <a:lstStyle>
-            <a:lvl1pPr>
-              <a:defRPr>
-                <a:latin typeface="+mn-lt"/>
-              </a:defRPr>
-            </a:lvl1pPr>
-          </a:lstStyle>
-          <a:p>
-            <a:pPr>
-              <a:defRPr/>
-            </a:pPr>
-            <a:fld id="{D76B855D-E9CC-4FF8-AD85-6CDC7B89A0DE}" type="slidenum">
-              <a:rPr lang="en-US" smtClean="0">
-                <a:solidFill>
-                  <a:prstClr val="black">
-                    <a:tint val="75000"/>
-                  </a:prstClr>
-                </a:solidFill>
-              </a:rPr>
-              <a:pPr>
-                <a:defRPr/>
-              </a:pPr>
-              <a:t>‹#›</a:t>
-            </a:fld>
-            <a:endParaRPr lang="en-US" dirty="0">
-              <a:solidFill>
-                <a:prstClr val="black">
-                  <a:tint val="75000"/>
-                </a:prstClr>
-              </a:solidFill>
-            </a:endParaRPr>
-          </a:p>
-        </p:txBody>
-      </p:sp>
-    </p:spTree>
-    <p:extLst>
-      <p:ext uri="{BB962C8B-B14F-4D97-AF65-F5344CB8AC3E}">
-        <p14:creationId xmlns:p14="http://schemas.microsoft.com/office/powerpoint/2010/main" val="1375256036"/>
-      </p:ext>
-    </p:extLst>
-  </p:cSld>
-  <p:clrMapOvr>
-    <a:masterClrMapping/>
-  </p:clrMapOvr>
-</p:sldLayout>
-</file>
-
-<file path=ppt/slideLayouts/slideLayout23.xml><?xml version="1.0" encoding="utf-8"?>
-<p:sldLayout xmlns:a="http://schemas.openxmlformats.org/drawingml/2006/main" xmlns:r="http://schemas.openxmlformats.org/officeDocument/2006/relationships" xmlns:p="http://schemas.openxmlformats.org/presentationml/2006/main" userDrawn="1">
-  <p:cSld name="Section Title">
-    <p:spTree>
-      <p:nvGrpSpPr>
-        <p:cNvPr id="1" name=""/>
-        <p:cNvGrpSpPr/>
-        <p:nvPr/>
-      </p:nvGrpSpPr>
-      <p:grpSpPr>
-        <a:xfrm>
-          <a:off x="0" y="0"/>
-          <a:ext cx="0" cy="0"/>
-          <a:chOff x="0" y="0"/>
-          <a:chExt cx="0" cy="0"/>
-        </a:xfrm>
-      </p:grpSpPr>
-      <p:sp>
-        <p:nvSpPr>
-          <p:cNvPr id="7" name="Oval 6">
-            <a:extLst>
-              <a:ext uri="{FF2B5EF4-FFF2-40B4-BE49-F238E27FC236}">
-                <a16:creationId xmlns:a16="http://schemas.microsoft.com/office/drawing/2014/main" id="{7DF76A42-387B-8D66-1214-D40462070066}"/>
-              </a:ext>
-              <a:ext uri="{C183D7F6-B498-43B3-948B-1728B52AA6E4}">
-                <adec:decorative xmlns:adec="http://schemas.microsoft.com/office/drawing/2017/decorative" val="1"/>
-              </a:ext>
-            </a:extLst>
-          </p:cNvPr>
-          <p:cNvSpPr/>
-          <p:nvPr userDrawn="1"/>
-        </p:nvSpPr>
-        <p:spPr>
-          <a:xfrm>
-            <a:off x="7940621" y="704193"/>
-            <a:ext cx="2296455" cy="2296455"/>
-          </a:xfrm>
-          <a:prstGeom prst="ellipse">
-            <a:avLst/>
-          </a:prstGeom>
-          <a:solidFill>
-            <a:schemeClr val="accent5"/>
-          </a:solidFill>
-          <a:ln>
-            <a:noFill/>
-          </a:ln>
-        </p:spPr>
-        <p:style>
-          <a:lnRef idx="2">
-            <a:schemeClr val="accent1">
-              <a:shade val="50000"/>
-            </a:schemeClr>
-          </a:lnRef>
-          <a:fillRef idx="1">
-            <a:schemeClr val="accent1"/>
-          </a:fillRef>
-          <a:effectRef idx="0">
-            <a:schemeClr val="accent1"/>
-          </a:effectRef>
-          <a:fontRef idx="minor">
-            <a:schemeClr val="lt1"/>
-          </a:fontRef>
-        </p:style>
-        <p:txBody>
-          <a:bodyPr rtlCol="0" anchor="ctr"/>
-          <a:lstStyle/>
-          <a:p>
-            <a:pPr marL="0" marR="0" lvl="0" indent="0" algn="ctr" defTabSz="914400" rtl="0" eaLnBrk="1" fontAlgn="auto" latinLnBrk="0" hangingPunct="1">
-              <a:lnSpc>
-                <a:spcPct val="100000"/>
-              </a:lnSpc>
-              <a:spcBef>
-                <a:spcPts val="0"/>
-              </a:spcBef>
-              <a:spcAft>
-                <a:spcPts val="0"/>
-              </a:spcAft>
-              <a:buClrTx/>
-              <a:buSzTx/>
-              <a:buFontTx/>
-              <a:buNone/>
-              <a:tabLst/>
-              <a:defRPr/>
-            </a:pPr>
-            <a:endParaRPr kumimoji="0" lang="en-US" sz="1800" b="0" i="0" u="none" strike="noStrike" kern="1200" cap="none" spc="0" normalizeH="0" baseline="0" noProof="0" dirty="0">
-              <a:ln>
-                <a:noFill/>
-              </a:ln>
-              <a:solidFill>
-                <a:srgbClr val="FFFFFF"/>
-              </a:solidFill>
-              <a:effectLst/>
-              <a:uLnTx/>
-              <a:uFillTx/>
-              <a:latin typeface="Calibri" panose="020F0502020204030204"/>
-              <a:ea typeface="+mn-ea"/>
-              <a:cs typeface="+mn-cs"/>
-            </a:endParaRPr>
-          </a:p>
-        </p:txBody>
-      </p:sp>
-      <p:grpSp>
-        <p:nvGrpSpPr>
-          <p:cNvPr id="8" name="Group 7">
-            <a:extLst>
-              <a:ext uri="{FF2B5EF4-FFF2-40B4-BE49-F238E27FC236}">
-                <a16:creationId xmlns:a16="http://schemas.microsoft.com/office/drawing/2014/main" id="{D2ACE818-46EF-547E-9315-A849483036BF}"/>
-              </a:ext>
-              <a:ext uri="{C183D7F6-B498-43B3-948B-1728B52AA6E4}">
-                <adec:decorative xmlns:adec="http://schemas.microsoft.com/office/drawing/2017/decorative" val="1"/>
-              </a:ext>
-            </a:extLst>
-          </p:cNvPr>
-          <p:cNvGrpSpPr/>
-          <p:nvPr userDrawn="1"/>
-        </p:nvGrpSpPr>
-        <p:grpSpPr>
-          <a:xfrm>
-            <a:off x="577652" y="0"/>
-            <a:ext cx="8798419" cy="6816262"/>
-            <a:chOff x="577652" y="-28502"/>
-            <a:chExt cx="8798419" cy="6816262"/>
-          </a:xfrm>
-        </p:grpSpPr>
-        <p:sp>
-          <p:nvSpPr>
-            <p:cNvPr id="9" name="Oval 8">
-              <a:extLst>
-                <a:ext uri="{FF2B5EF4-FFF2-40B4-BE49-F238E27FC236}">
-                  <a16:creationId xmlns:a16="http://schemas.microsoft.com/office/drawing/2014/main" id="{E9644D21-8793-9A96-F305-5D20EE342B26}"/>
-                </a:ext>
-              </a:extLst>
-            </p:cNvPr>
-            <p:cNvSpPr/>
-            <p:nvPr userDrawn="1"/>
-          </p:nvSpPr>
-          <p:spPr>
-            <a:xfrm>
-              <a:off x="2815929" y="148929"/>
-              <a:ext cx="6560142" cy="6560142"/>
-            </a:xfrm>
-            <a:prstGeom prst="ellipse">
-              <a:avLst/>
-            </a:prstGeom>
-            <a:solidFill>
-              <a:schemeClr val="accent2"/>
-            </a:solidFill>
-            <a:ln>
-              <a:noFill/>
-            </a:ln>
-          </p:spPr>
-          <p:style>
-            <a:lnRef idx="2">
-              <a:schemeClr val="accent1">
-                <a:shade val="50000"/>
-              </a:schemeClr>
-            </a:lnRef>
-            <a:fillRef idx="1">
-              <a:schemeClr val="accent1"/>
-            </a:fillRef>
-            <a:effectRef idx="0">
-              <a:schemeClr val="accent1"/>
-            </a:effectRef>
-            <a:fontRef idx="minor">
-              <a:schemeClr val="lt1"/>
-            </a:fontRef>
-          </p:style>
-          <p:txBody>
-            <a:bodyPr rtlCol="0" anchor="ctr"/>
-            <a:lstStyle/>
-            <a:p>
-              <a:pPr marL="0" marR="0" lvl="0" indent="0" algn="ctr" defTabSz="914400" rtl="0" eaLnBrk="1" fontAlgn="auto" latinLnBrk="0" hangingPunct="1">
-                <a:lnSpc>
-                  <a:spcPct val="100000"/>
-                </a:lnSpc>
-                <a:spcBef>
-                  <a:spcPts val="0"/>
-                </a:spcBef>
-                <a:spcAft>
-                  <a:spcPts val="0"/>
-                </a:spcAft>
-                <a:buClrTx/>
-                <a:buSzTx/>
-                <a:buFontTx/>
-                <a:buNone/>
-                <a:tabLst/>
-                <a:defRPr/>
-              </a:pPr>
-              <a:endParaRPr kumimoji="0" lang="en-US" sz="1800" b="0" i="0" u="none" strike="noStrike" kern="1200" cap="none" spc="0" normalizeH="0" baseline="0" noProof="0" dirty="0">
-                <a:ln>
-                  <a:noFill/>
-                </a:ln>
-                <a:solidFill>
-                  <a:prstClr val="white"/>
-                </a:solidFill>
-                <a:effectLst/>
-                <a:uLnTx/>
-                <a:uFillTx/>
-                <a:latin typeface="Calibri" panose="020F0502020204030204"/>
-                <a:ea typeface="+mn-ea"/>
-                <a:cs typeface="+mn-cs"/>
-              </a:endParaRPr>
-            </a:p>
-          </p:txBody>
-        </p:sp>
-        <p:sp>
-          <p:nvSpPr>
-            <p:cNvPr id="10" name="Arc 9">
-              <a:extLst>
-                <a:ext uri="{FF2B5EF4-FFF2-40B4-BE49-F238E27FC236}">
-                  <a16:creationId xmlns:a16="http://schemas.microsoft.com/office/drawing/2014/main" id="{DF8D7AEF-C845-09F0-F31C-20B32BBA1EBA}"/>
-                </a:ext>
-              </a:extLst>
-            </p:cNvPr>
-            <p:cNvSpPr/>
-            <p:nvPr userDrawn="1"/>
-          </p:nvSpPr>
-          <p:spPr>
-            <a:xfrm rot="9222429" flipV="1">
-              <a:off x="2494119" y="-28502"/>
-              <a:ext cx="6816262" cy="6816262"/>
-            </a:xfrm>
-            <a:prstGeom prst="arc">
-              <a:avLst>
-                <a:gd name="adj1" fmla="val 16200000"/>
-                <a:gd name="adj2" fmla="val 20093138"/>
-              </a:avLst>
-            </a:prstGeom>
-            <a:ln w="127000" cap="rnd">
-              <a:solidFill>
-                <a:schemeClr val="accent4">
-                  <a:alpha val="95000"/>
-                </a:schemeClr>
-              </a:solidFill>
-              <a:prstDash val="dash"/>
-            </a:ln>
-          </p:spPr>
-          <p:style>
-            <a:lnRef idx="1">
-              <a:schemeClr val="accent1"/>
-            </a:lnRef>
-            <a:fillRef idx="0">
-              <a:schemeClr val="accent1"/>
-            </a:fillRef>
-            <a:effectRef idx="0">
-              <a:schemeClr val="accent1"/>
-            </a:effectRef>
-            <a:fontRef idx="minor">
-              <a:schemeClr val="tx1"/>
-            </a:fontRef>
-          </p:style>
-          <p:txBody>
-            <a:bodyPr rtlCol="0" anchor="ctr"/>
-            <a:lstStyle/>
-            <a:p>
-              <a:pPr marL="0" marR="0" lvl="0" indent="0" algn="ctr" defTabSz="914400" rtl="0" eaLnBrk="1" fontAlgn="auto" latinLnBrk="0" hangingPunct="1">
-                <a:lnSpc>
-                  <a:spcPct val="100000"/>
-                </a:lnSpc>
-                <a:spcBef>
-                  <a:spcPts val="0"/>
-                </a:spcBef>
-                <a:spcAft>
-                  <a:spcPts val="0"/>
-                </a:spcAft>
-                <a:buClrTx/>
-                <a:buSzTx/>
-                <a:buFontTx/>
-                <a:buNone/>
-                <a:tabLst/>
-                <a:defRPr/>
-              </a:pPr>
-              <a:endParaRPr kumimoji="0" lang="en-US" sz="1800" b="0" i="0" u="none" strike="noStrike" kern="1200" cap="none" spc="0" normalizeH="0" baseline="0" noProof="0" dirty="0">
-                <a:ln>
-                  <a:noFill/>
-                </a:ln>
-                <a:solidFill>
-                  <a:prstClr val="black"/>
-                </a:solidFill>
-                <a:effectLst/>
-                <a:uLnTx/>
-                <a:uFillTx/>
-                <a:latin typeface="Calibri" panose="020F0502020204030204"/>
-                <a:ea typeface="+mn-ea"/>
-                <a:cs typeface="+mn-cs"/>
-              </a:endParaRPr>
-            </a:p>
-          </p:txBody>
-        </p:sp>
-        <p:sp>
-          <p:nvSpPr>
-            <p:cNvPr id="11" name="Oval 10">
-              <a:extLst>
-                <a:ext uri="{FF2B5EF4-FFF2-40B4-BE49-F238E27FC236}">
-                  <a16:creationId xmlns:a16="http://schemas.microsoft.com/office/drawing/2014/main" id="{5F9D44CB-887B-C74D-3E96-5607E84DAEFF}"/>
-                </a:ext>
-              </a:extLst>
-            </p:cNvPr>
-            <p:cNvSpPr/>
-            <p:nvPr userDrawn="1"/>
-          </p:nvSpPr>
-          <p:spPr>
-            <a:xfrm>
-              <a:off x="577652" y="1085116"/>
-              <a:ext cx="759403" cy="738802"/>
-            </a:xfrm>
-            <a:prstGeom prst="ellipse">
-              <a:avLst/>
-            </a:prstGeom>
-            <a:solidFill>
-              <a:schemeClr val="accent5"/>
-            </a:solidFill>
-            <a:ln>
-              <a:noFill/>
-            </a:ln>
-          </p:spPr>
-          <p:style>
-            <a:lnRef idx="2">
-              <a:schemeClr val="accent1">
-                <a:shade val="50000"/>
-              </a:schemeClr>
-            </a:lnRef>
-            <a:fillRef idx="1">
-              <a:schemeClr val="accent1"/>
-            </a:fillRef>
-            <a:effectRef idx="0">
-              <a:schemeClr val="accent1"/>
-            </a:effectRef>
-            <a:fontRef idx="minor">
-              <a:schemeClr val="lt1"/>
-            </a:fontRef>
-          </p:style>
-          <p:txBody>
-            <a:bodyPr rtlCol="0" anchor="ctr"/>
-            <a:lstStyle/>
-            <a:p>
-              <a:pPr marL="0" marR="0" lvl="0" indent="0" algn="ctr" defTabSz="914400" rtl="0" eaLnBrk="1" fontAlgn="auto" latinLnBrk="0" hangingPunct="1">
-                <a:lnSpc>
-                  <a:spcPct val="100000"/>
-                </a:lnSpc>
-                <a:spcBef>
-                  <a:spcPts val="0"/>
-                </a:spcBef>
-                <a:spcAft>
-                  <a:spcPts val="0"/>
-                </a:spcAft>
-                <a:buClrTx/>
-                <a:buSzTx/>
-                <a:buFontTx/>
-                <a:buNone/>
-                <a:tabLst/>
-                <a:defRPr/>
-              </a:pPr>
-              <a:endParaRPr kumimoji="0" lang="en-US" sz="1800" b="0" i="0" u="none" strike="noStrike" kern="1200" cap="none" spc="0" normalizeH="0" baseline="0" noProof="0" dirty="0">
-                <a:ln>
-                  <a:noFill/>
-                </a:ln>
-                <a:solidFill>
-                  <a:prstClr val="white"/>
-                </a:solidFill>
-                <a:effectLst/>
-                <a:uLnTx/>
-                <a:uFillTx/>
-                <a:latin typeface="Calibri" panose="020F0502020204030204"/>
-                <a:ea typeface="+mn-ea"/>
-                <a:cs typeface="+mn-cs"/>
-              </a:endParaRPr>
-            </a:p>
-          </p:txBody>
-        </p:sp>
-      </p:grpSp>
-      <p:sp>
-        <p:nvSpPr>
-          <p:cNvPr id="14" name="Freeform: Shape 19">
-            <a:extLst>
-              <a:ext uri="{FF2B5EF4-FFF2-40B4-BE49-F238E27FC236}">
-                <a16:creationId xmlns:a16="http://schemas.microsoft.com/office/drawing/2014/main" id="{87D193F4-2337-0048-1BE7-C9A8154191F9}"/>
-              </a:ext>
-              <a:ext uri="{C183D7F6-B498-43B3-948B-1728B52AA6E4}">
-                <adec:decorative xmlns:adec="http://schemas.microsoft.com/office/drawing/2017/decorative" val="1"/>
-              </a:ext>
-            </a:extLst>
-          </p:cNvPr>
-          <p:cNvSpPr/>
-          <p:nvPr userDrawn="1"/>
-        </p:nvSpPr>
-        <p:spPr>
-          <a:xfrm rot="16200000" flipH="1">
-            <a:off x="936118" y="5508455"/>
-            <a:ext cx="1082566" cy="1616525"/>
-          </a:xfrm>
-          <a:custGeom>
-            <a:avLst/>
-            <a:gdLst>
-              <a:gd name="connsiteX0" fmla="*/ 61913 w 1186451"/>
-              <a:gd name="connsiteY0" fmla="*/ 0 h 1771650"/>
-              <a:gd name="connsiteX1" fmla="*/ 1186451 w 1186451"/>
-              <a:gd name="connsiteY1" fmla="*/ 0 h 1771650"/>
-              <a:gd name="connsiteX2" fmla="*/ 1186451 w 1186451"/>
-              <a:gd name="connsiteY2" fmla="*/ 123825 h 1771650"/>
-              <a:gd name="connsiteX3" fmla="*/ 123825 w 1186451"/>
-              <a:gd name="connsiteY3" fmla="*/ 123825 h 1771650"/>
-              <a:gd name="connsiteX4" fmla="*/ 123825 w 1186451"/>
-              <a:gd name="connsiteY4" fmla="*/ 1647825 h 1771650"/>
-              <a:gd name="connsiteX5" fmla="*/ 1186451 w 1186451"/>
-              <a:gd name="connsiteY5" fmla="*/ 1647825 h 1771650"/>
-              <a:gd name="connsiteX6" fmla="*/ 1186451 w 1186451"/>
-              <a:gd name="connsiteY6" fmla="*/ 1771650 h 1771650"/>
-              <a:gd name="connsiteX7" fmla="*/ 61913 w 1186451"/>
-              <a:gd name="connsiteY7" fmla="*/ 1771650 h 1771650"/>
-              <a:gd name="connsiteX8" fmla="*/ 0 w 1186451"/>
-              <a:gd name="connsiteY8" fmla="*/ 1709738 h 1771650"/>
-              <a:gd name="connsiteX9" fmla="*/ 0 w 1186451"/>
-              <a:gd name="connsiteY9" fmla="*/ 61913 h 1771650"/>
-              <a:gd name="connsiteX10" fmla="*/ 61913 w 1186451"/>
-              <a:gd name="connsiteY10" fmla="*/ 0 h 1771650"/>
-            </a:gdLst>
-            <a:ahLst/>
-            <a:cxnLst>
-              <a:cxn ang="0">
-                <a:pos x="connsiteX0" y="connsiteY0"/>
-              </a:cxn>
-              <a:cxn ang="0">
-                <a:pos x="connsiteX1" y="connsiteY1"/>
-              </a:cxn>
-              <a:cxn ang="0">
-                <a:pos x="connsiteX2" y="connsiteY2"/>
-              </a:cxn>
-              <a:cxn ang="0">
-                <a:pos x="connsiteX3" y="connsiteY3"/>
-              </a:cxn>
-              <a:cxn ang="0">
-                <a:pos x="connsiteX4" y="connsiteY4"/>
-              </a:cxn>
-              <a:cxn ang="0">
-                <a:pos x="connsiteX5" y="connsiteY5"/>
-              </a:cxn>
-              <a:cxn ang="0">
-                <a:pos x="connsiteX6" y="connsiteY6"/>
-              </a:cxn>
-              <a:cxn ang="0">
-                <a:pos x="connsiteX7" y="connsiteY7"/>
-              </a:cxn>
-              <a:cxn ang="0">
-                <a:pos x="connsiteX8" y="connsiteY8"/>
-              </a:cxn>
-              <a:cxn ang="0">
-                <a:pos x="connsiteX9" y="connsiteY9"/>
-              </a:cxn>
-              <a:cxn ang="0">
-                <a:pos x="connsiteX10" y="connsiteY10"/>
-              </a:cxn>
-            </a:cxnLst>
-            <a:rect l="l" t="t" r="r" b="b"/>
-            <a:pathLst>
-              <a:path w="1186451" h="1771650">
-                <a:moveTo>
-                  <a:pt x="61913" y="0"/>
-                </a:moveTo>
-                <a:lnTo>
-                  <a:pt x="1186451" y="0"/>
-                </a:lnTo>
-                <a:lnTo>
-                  <a:pt x="1186451" y="123825"/>
-                </a:lnTo>
-                <a:lnTo>
-                  <a:pt x="123825" y="123825"/>
-                </a:lnTo>
-                <a:lnTo>
-                  <a:pt x="123825" y="1647825"/>
-                </a:lnTo>
-                <a:lnTo>
-                  <a:pt x="1186451" y="1647825"/>
-                </a:lnTo>
-                <a:lnTo>
-                  <a:pt x="1186451" y="1771650"/>
-                </a:lnTo>
-                <a:lnTo>
-                  <a:pt x="61913" y="1771650"/>
-                </a:lnTo>
-                <a:cubicBezTo>
-                  <a:pt x="27719" y="1771650"/>
-                  <a:pt x="0" y="1743932"/>
-                  <a:pt x="0" y="1709738"/>
-                </a:cubicBezTo>
-                <a:lnTo>
-                  <a:pt x="0" y="61913"/>
-                </a:lnTo>
-                <a:cubicBezTo>
-                  <a:pt x="0" y="27719"/>
-                  <a:pt x="27719" y="0"/>
-                  <a:pt x="61913" y="0"/>
-                </a:cubicBezTo>
-                <a:close/>
-              </a:path>
-            </a:pathLst>
-          </a:custGeom>
-          <a:solidFill>
-            <a:schemeClr val="accent6"/>
-          </a:solidFill>
-          <a:ln w="9525" cap="flat">
-            <a:noFill/>
-            <a:prstDash val="solid"/>
-            <a:miter/>
-          </a:ln>
-        </p:spPr>
-        <p:txBody>
-          <a:bodyPr rtlCol="0" anchor="ctr"/>
-          <a:lstStyle/>
-          <a:p>
-            <a:pPr marL="0" marR="0" lvl="0" indent="0" algn="l" defTabSz="914400" rtl="0" eaLnBrk="1" fontAlgn="auto" latinLnBrk="0" hangingPunct="1">
-              <a:lnSpc>
-                <a:spcPct val="100000"/>
-              </a:lnSpc>
-              <a:spcBef>
-                <a:spcPts val="0"/>
-              </a:spcBef>
-              <a:spcAft>
-                <a:spcPts val="0"/>
-              </a:spcAft>
-              <a:buClrTx/>
-              <a:buSzTx/>
-              <a:buFontTx/>
-              <a:buNone/>
-              <a:tabLst/>
-              <a:defRPr/>
-            </a:pPr>
-            <a:endParaRPr kumimoji="0" lang="en-US" sz="1800" b="0" i="0" u="none" strike="noStrike" kern="1200" cap="none" spc="0" normalizeH="0" baseline="0" noProof="0" dirty="0">
-              <a:ln>
-                <a:noFill/>
-              </a:ln>
-              <a:solidFill>
-                <a:prstClr val="black"/>
-              </a:solidFill>
-              <a:effectLst/>
-              <a:uLnTx/>
-              <a:uFillTx/>
-              <a:latin typeface="Calibri" panose="020F0502020204030204"/>
-              <a:ea typeface="+mn-ea"/>
-              <a:cs typeface="+mn-cs"/>
-            </a:endParaRPr>
-          </a:p>
-        </p:txBody>
-      </p:sp>
-      <p:cxnSp>
-        <p:nvCxnSpPr>
-          <p:cNvPr id="15" name="Straight Connector 14">
-            <a:extLst>
-              <a:ext uri="{FF2B5EF4-FFF2-40B4-BE49-F238E27FC236}">
-                <a16:creationId xmlns:a16="http://schemas.microsoft.com/office/drawing/2014/main" id="{45EE4510-BCBA-C39A-BEF1-A391A3304F88}"/>
-              </a:ext>
-              <a:ext uri="{C183D7F6-B498-43B3-948B-1728B52AA6E4}">
-                <adec:decorative xmlns:adec="http://schemas.microsoft.com/office/drawing/2017/decorative" val="1"/>
-              </a:ext>
-            </a:extLst>
-          </p:cNvPr>
-          <p:cNvCxnSpPr>
-            <a:cxnSpLocks/>
-          </p:cNvCxnSpPr>
-          <p:nvPr userDrawn="1"/>
-        </p:nvCxnSpPr>
-        <p:spPr>
-          <a:xfrm>
-            <a:off x="11494655" y="5270490"/>
-            <a:ext cx="0" cy="1597708"/>
-          </a:xfrm>
-          <a:prstGeom prst="line">
-            <a:avLst/>
-          </a:prstGeom>
-          <a:ln w="127000" cap="rnd">
-            <a:solidFill>
-              <a:schemeClr val="accent4"/>
-            </a:solidFill>
-            <a:prstDash val="dash"/>
-          </a:ln>
-        </p:spPr>
-        <p:style>
-          <a:lnRef idx="1">
-            <a:schemeClr val="accent1"/>
-          </a:lnRef>
-          <a:fillRef idx="0">
-            <a:schemeClr val="accent1"/>
-          </a:fillRef>
-          <a:effectRef idx="0">
-            <a:schemeClr val="accent1"/>
-          </a:effectRef>
-          <a:fontRef idx="minor">
-            <a:schemeClr val="tx1"/>
-          </a:fontRef>
-        </p:style>
-      </p:cxnSp>
-      <p:sp>
-        <p:nvSpPr>
-          <p:cNvPr id="2" name="Title 1">
-            <a:extLst>
-              <a:ext uri="{FF2B5EF4-FFF2-40B4-BE49-F238E27FC236}">
-                <a16:creationId xmlns:a16="http://schemas.microsoft.com/office/drawing/2014/main" id="{32772C41-A024-2F33-1F04-21E003FA7291}"/>
-              </a:ext>
-            </a:extLst>
-          </p:cNvPr>
-          <p:cNvSpPr>
-            <a:spLocks noGrp="1"/>
-          </p:cNvSpPr>
-          <p:nvPr>
-            <p:ph type="ctrTitle"/>
-          </p:nvPr>
-        </p:nvSpPr>
-        <p:spPr>
-          <a:xfrm>
-            <a:off x="2815929" y="1349825"/>
-            <a:ext cx="6560142" cy="3063149"/>
-          </a:xfrm>
-        </p:spPr>
-        <p:txBody>
-          <a:bodyPr anchor="ctr">
-            <a:noAutofit/>
-          </a:bodyPr>
-          <a:lstStyle>
-            <a:lvl1pPr algn="ctr">
-              <a:defRPr sz="6000">
-                <a:solidFill>
-                  <a:schemeClr val="bg1"/>
-                </a:solidFill>
-              </a:defRPr>
-            </a:lvl1pPr>
-          </a:lstStyle>
-          <a:p>
-            <a:r>
-              <a:rPr lang="en-US"/>
-              <a:t>Click to edit Master title style</a:t>
-            </a:r>
-            <a:endParaRPr lang="en-US" dirty="0"/>
-          </a:p>
-        </p:txBody>
-      </p:sp>
-      <p:sp>
-        <p:nvSpPr>
-          <p:cNvPr id="3" name="Subtitle 2">
-            <a:extLst>
-              <a:ext uri="{FF2B5EF4-FFF2-40B4-BE49-F238E27FC236}">
-                <a16:creationId xmlns:a16="http://schemas.microsoft.com/office/drawing/2014/main" id="{473BC2DF-9C2A-052C-AD2C-0A8ABAA50374}"/>
-              </a:ext>
-            </a:extLst>
-          </p:cNvPr>
-          <p:cNvSpPr>
-            <a:spLocks noGrp="1"/>
-          </p:cNvSpPr>
-          <p:nvPr>
-            <p:ph type="subTitle" idx="1" hasCustomPrompt="1"/>
-          </p:nvPr>
-        </p:nvSpPr>
-        <p:spPr>
-          <a:xfrm>
-            <a:off x="2815929" y="4412973"/>
-            <a:ext cx="6560142" cy="1935571"/>
-          </a:xfrm>
-        </p:spPr>
-        <p:txBody>
-          <a:bodyPr>
-            <a:noAutofit/>
-          </a:bodyPr>
-          <a:lstStyle>
-            <a:lvl1pPr marL="0" indent="0" algn="ctr">
-              <a:buNone/>
-              <a:defRPr sz="2400">
-                <a:solidFill>
-                  <a:schemeClr val="bg1"/>
-                </a:solidFill>
-              </a:defRPr>
-            </a:lvl1pPr>
-            <a:lvl2pPr marL="457200" indent="0" algn="ctr">
-              <a:buNone/>
-              <a:defRPr sz="2000"/>
-            </a:lvl2pPr>
-            <a:lvl3pPr marL="914400" indent="0" algn="ctr">
-              <a:buNone/>
-              <a:defRPr sz="1800"/>
-            </a:lvl3pPr>
-            <a:lvl4pPr marL="1371600" indent="0" algn="ctr">
-              <a:buNone/>
-              <a:defRPr sz="1600"/>
-            </a:lvl4pPr>
-            <a:lvl5pPr marL="1828800" indent="0" algn="ctr">
-              <a:buNone/>
-              <a:defRPr sz="1600"/>
-            </a:lvl5pPr>
-            <a:lvl6pPr marL="2286000" indent="0" algn="ctr">
-              <a:buNone/>
-              <a:defRPr sz="1600"/>
-            </a:lvl6pPr>
-            <a:lvl7pPr marL="2743200" indent="0" algn="ctr">
-              <a:buNone/>
-              <a:defRPr sz="1600"/>
-            </a:lvl7pPr>
-            <a:lvl8pPr marL="3200400" indent="0" algn="ctr">
-              <a:buNone/>
-              <a:defRPr sz="1600"/>
-            </a:lvl8pPr>
-            <a:lvl9pPr marL="3657600" indent="0" algn="ctr">
-              <a:buNone/>
-              <a:defRPr sz="1600"/>
-            </a:lvl9pPr>
-          </a:lstStyle>
-          <a:p>
-            <a:r>
-              <a:rPr lang="en-US" dirty="0"/>
-              <a:t>Click to add subtitle</a:t>
-            </a:r>
-          </a:p>
-        </p:txBody>
-      </p:sp>
-      <p:sp>
-        <p:nvSpPr>
-          <p:cNvPr id="4" name="Date Placeholder 3">
-            <a:extLst>
-              <a:ext uri="{FF2B5EF4-FFF2-40B4-BE49-F238E27FC236}">
-                <a16:creationId xmlns:a16="http://schemas.microsoft.com/office/drawing/2014/main" id="{C0070940-5919-2C95-2278-32E50BF14DD1}"/>
-              </a:ext>
-            </a:extLst>
-          </p:cNvPr>
-          <p:cNvSpPr>
-            <a:spLocks noGrp="1"/>
-          </p:cNvSpPr>
-          <p:nvPr>
-            <p:ph type="dt" sz="half" idx="10"/>
-          </p:nvPr>
-        </p:nvSpPr>
-        <p:spPr/>
-        <p:txBody>
-          <a:bodyPr/>
-          <a:lstStyle/>
-          <a:p>
-            <a:fld id="{D6D8061D-18C3-4F4F-85EF-561633F58754}" type="datetimeFigureOut">
-              <a:rPr lang="en-US" smtClean="0"/>
-              <a:t>7/22/2024</a:t>
-            </a:fld>
-            <a:endParaRPr lang="en-US" dirty="0"/>
-          </a:p>
-        </p:txBody>
-      </p:sp>
-      <p:sp>
-        <p:nvSpPr>
-          <p:cNvPr id="5" name="Footer Placeholder 4">
-            <a:extLst>
-              <a:ext uri="{FF2B5EF4-FFF2-40B4-BE49-F238E27FC236}">
-                <a16:creationId xmlns:a16="http://schemas.microsoft.com/office/drawing/2014/main" id="{1957D599-49CF-19FE-6D86-C5EDB765F413}"/>
-              </a:ext>
-            </a:extLst>
-          </p:cNvPr>
-          <p:cNvSpPr>
-            <a:spLocks noGrp="1"/>
-          </p:cNvSpPr>
-          <p:nvPr>
-            <p:ph type="ftr" sz="quarter" idx="11"/>
-          </p:nvPr>
-        </p:nvSpPr>
-        <p:spPr/>
-        <p:txBody>
-          <a:bodyPr/>
-          <a:lstStyle/>
-          <a:p>
-            <a:endParaRPr lang="en-US" dirty="0"/>
-          </a:p>
-        </p:txBody>
-      </p:sp>
-      <p:sp>
-        <p:nvSpPr>
-          <p:cNvPr id="6" name="Slide Number Placeholder 5">
-            <a:extLst>
-              <a:ext uri="{FF2B5EF4-FFF2-40B4-BE49-F238E27FC236}">
-                <a16:creationId xmlns:a16="http://schemas.microsoft.com/office/drawing/2014/main" id="{28931DF1-1C8D-86B9-BFDD-098FFC00FDC2}"/>
-              </a:ext>
-            </a:extLst>
-          </p:cNvPr>
-          <p:cNvSpPr>
-            <a:spLocks noGrp="1"/>
-          </p:cNvSpPr>
-          <p:nvPr>
-            <p:ph type="sldNum" sz="quarter" idx="12"/>
-          </p:nvPr>
-        </p:nvSpPr>
-        <p:spPr/>
-        <p:txBody>
-          <a:bodyPr/>
-          <a:lstStyle/>
-          <a:p>
-            <a:fld id="{CBD12358-51D2-46B3-9BDE-DF29528B9454}" type="slidenum">
-              <a:rPr lang="en-US" smtClean="0"/>
-              <a:t>‹#›</a:t>
-            </a:fld>
-            <a:endParaRPr lang="en-US" dirty="0"/>
-          </a:p>
-        </p:txBody>
-      </p:sp>
-    </p:spTree>
-    <p:extLst>
-      <p:ext uri="{BB962C8B-B14F-4D97-AF65-F5344CB8AC3E}">
-        <p14:creationId xmlns:p14="http://schemas.microsoft.com/office/powerpoint/2010/main" val="1881411526"/>
-      </p:ext>
-    </p:extLst>
-  </p:cSld>
-  <p:clrMapOvr>
-    <a:masterClrMapping/>
-  </p:clrMapOvr>
-</p:sldLayout>
-</file>
-
-<file path=ppt/slideLayouts/slideLayout24.xml><?xml version="1.0" encoding="utf-8"?>
 <p:sldLayout xmlns:a="http://schemas.openxmlformats.org/drawingml/2006/main" xmlns:r="http://schemas.openxmlformats.org/officeDocument/2006/relationships" xmlns:p="http://schemas.openxmlformats.org/presentationml/2006/main" userDrawn="1">
   <p:cSld name="Two Content 1">
     <p:spTree>
@@ -11916,7 +10144,7 @@
           <a:p>
             <a:fld id="{D6D8061D-18C3-4F4F-85EF-561633F58754}" type="datetimeFigureOut">
               <a:rPr lang="en-US" smtClean="0"/>
-              <a:t>7/22/2024</a:t>
+              <a:t>7/23/2024</a:t>
             </a:fld>
             <a:endParaRPr lang="en-US" dirty="0"/>
           </a:p>
@@ -11989,3821 +10217,7 @@
 </p:sldLayout>
 </file>
 
-<file path=ppt/slideLayouts/slideLayout25.xml><?xml version="1.0" encoding="utf-8"?>
-<p:sldLayout xmlns:a="http://schemas.openxmlformats.org/drawingml/2006/main" xmlns:r="http://schemas.openxmlformats.org/officeDocument/2006/relationships" xmlns:p="http://schemas.openxmlformats.org/presentationml/2006/main" userDrawn="1">
-  <p:cSld name="Two Content 2">
-    <p:spTree>
-      <p:nvGrpSpPr>
-        <p:cNvPr id="1" name=""/>
-        <p:cNvGrpSpPr/>
-        <p:nvPr/>
-      </p:nvGrpSpPr>
-      <p:grpSpPr>
-        <a:xfrm>
-          <a:off x="0" y="0"/>
-          <a:ext cx="0" cy="0"/>
-          <a:chOff x="0" y="0"/>
-          <a:chExt cx="0" cy="0"/>
-        </a:xfrm>
-      </p:grpSpPr>
-      <p:sp>
-        <p:nvSpPr>
-          <p:cNvPr id="2" name="Title 1">
-            <a:extLst>
-              <a:ext uri="{FF2B5EF4-FFF2-40B4-BE49-F238E27FC236}">
-                <a16:creationId xmlns:a16="http://schemas.microsoft.com/office/drawing/2014/main" id="{0C40C44A-93E6-6C58-5E88-AFDC594EC27A}"/>
-              </a:ext>
-            </a:extLst>
-          </p:cNvPr>
-          <p:cNvSpPr>
-            <a:spLocks noGrp="1"/>
-          </p:cNvSpPr>
-          <p:nvPr>
-            <p:ph type="title" hasCustomPrompt="1"/>
-          </p:nvPr>
-        </p:nvSpPr>
-        <p:spPr/>
-        <p:txBody>
-          <a:bodyPr anchor="ctr" anchorCtr="0">
-            <a:noAutofit/>
-          </a:bodyPr>
-          <a:lstStyle/>
-          <a:p>
-            <a:r>
-              <a:rPr lang="en-US" dirty="0"/>
-              <a:t>Click to add title</a:t>
-            </a:r>
-          </a:p>
-        </p:txBody>
-      </p:sp>
-      <p:sp>
-        <p:nvSpPr>
-          <p:cNvPr id="11" name="Content Placeholder 2">
-            <a:extLst>
-              <a:ext uri="{FF2B5EF4-FFF2-40B4-BE49-F238E27FC236}">
-                <a16:creationId xmlns:a16="http://schemas.microsoft.com/office/drawing/2014/main" id="{60538251-2B75-FA20-0F29-FB58583E6125}"/>
-              </a:ext>
-            </a:extLst>
-          </p:cNvPr>
-          <p:cNvSpPr>
-            <a:spLocks noGrp="1"/>
-          </p:cNvSpPr>
-          <p:nvPr>
-            <p:ph sz="half" idx="1" hasCustomPrompt="1"/>
-          </p:nvPr>
-        </p:nvSpPr>
-        <p:spPr>
-          <a:xfrm>
-            <a:off x="838201" y="1825625"/>
-            <a:ext cx="3108958" cy="4297680"/>
-          </a:xfrm>
-        </p:spPr>
-        <p:txBody>
-          <a:bodyPr>
-            <a:normAutofit/>
-          </a:bodyPr>
-          <a:lstStyle>
-            <a:lvl1pPr marL="228600" indent="-228600">
-              <a:spcBef>
-                <a:spcPts val="1000"/>
-              </a:spcBef>
-              <a:spcAft>
-                <a:spcPts val="800"/>
-              </a:spcAft>
-              <a:buClr>
-                <a:schemeClr val="accent2"/>
-              </a:buClr>
-              <a:buFont typeface="Arial" panose="020B0604020202020204" pitchFamily="34" charset="0"/>
-              <a:buChar char="•"/>
-              <a:defRPr sz="1800"/>
-            </a:lvl1pPr>
-            <a:lvl2pPr marL="285750" indent="-285750">
-              <a:spcBef>
-                <a:spcPts val="1000"/>
-              </a:spcBef>
-              <a:spcAft>
-                <a:spcPts val="800"/>
-              </a:spcAft>
-              <a:buClr>
-                <a:schemeClr val="accent2"/>
-              </a:buClr>
-              <a:buFont typeface="Arial" panose="020B0604020202020204" pitchFamily="34" charset="0"/>
-              <a:buChar char="•"/>
-              <a:defRPr sz="1800"/>
-            </a:lvl2pPr>
-            <a:lvl3pPr marL="651510" indent="-285750">
-              <a:spcBef>
-                <a:spcPts val="1000"/>
-              </a:spcBef>
-              <a:spcAft>
-                <a:spcPts val="800"/>
-              </a:spcAft>
-              <a:buClr>
-                <a:schemeClr val="accent2"/>
-              </a:buClr>
-              <a:buFont typeface="Arial" panose="020B0604020202020204" pitchFamily="34" charset="0"/>
-              <a:buChar char="•"/>
-              <a:defRPr sz="1800"/>
-            </a:lvl3pPr>
-            <a:lvl4pPr marL="925830" indent="-285750">
-              <a:spcBef>
-                <a:spcPts val="1000"/>
-              </a:spcBef>
-              <a:spcAft>
-                <a:spcPts val="800"/>
-              </a:spcAft>
-              <a:buClr>
-                <a:schemeClr val="accent2"/>
-              </a:buClr>
-              <a:buFont typeface="Arial" panose="020B0604020202020204" pitchFamily="34" charset="0"/>
-              <a:buChar char="•"/>
-              <a:defRPr sz="1800"/>
-            </a:lvl4pPr>
-            <a:lvl5pPr marL="1200150" indent="-285750">
-              <a:spcBef>
-                <a:spcPts val="1000"/>
-              </a:spcBef>
-              <a:spcAft>
-                <a:spcPts val="800"/>
-              </a:spcAft>
-              <a:buClr>
-                <a:schemeClr val="accent2"/>
-              </a:buClr>
-              <a:buFont typeface="Arial" panose="020B0604020202020204" pitchFamily="34" charset="0"/>
-              <a:buChar char="•"/>
-              <a:defRPr sz="1800"/>
-            </a:lvl5pPr>
-          </a:lstStyle>
-          <a:p>
-            <a:pPr lvl="0"/>
-            <a:r>
-              <a:rPr lang="en-US" dirty="0"/>
-              <a:t>Click to add content</a:t>
-            </a:r>
-          </a:p>
-          <a:p>
-            <a:pPr lvl="1"/>
-            <a:r>
-              <a:rPr lang="en-US" dirty="0"/>
-              <a:t>Second level</a:t>
-            </a:r>
-          </a:p>
-          <a:p>
-            <a:pPr lvl="2"/>
-            <a:r>
-              <a:rPr lang="en-US" dirty="0"/>
-              <a:t>Third level</a:t>
-            </a:r>
-          </a:p>
-          <a:p>
-            <a:pPr lvl="3"/>
-            <a:r>
-              <a:rPr lang="en-US" dirty="0"/>
-              <a:t>Fourth level</a:t>
-            </a:r>
-          </a:p>
-          <a:p>
-            <a:pPr lvl="4"/>
-            <a:r>
-              <a:rPr lang="en-US" dirty="0"/>
-              <a:t>Fifth level</a:t>
-            </a:r>
-          </a:p>
-        </p:txBody>
-      </p:sp>
-      <p:sp>
-        <p:nvSpPr>
-          <p:cNvPr id="12" name="Content Placeholder 2">
-            <a:extLst>
-              <a:ext uri="{FF2B5EF4-FFF2-40B4-BE49-F238E27FC236}">
-                <a16:creationId xmlns:a16="http://schemas.microsoft.com/office/drawing/2014/main" id="{A06C49DD-8C29-93EA-04F4-22F84080DF5C}"/>
-              </a:ext>
-            </a:extLst>
-          </p:cNvPr>
-          <p:cNvSpPr>
-            <a:spLocks noGrp="1"/>
-          </p:cNvSpPr>
-          <p:nvPr>
-            <p:ph sz="half" idx="15" hasCustomPrompt="1"/>
-          </p:nvPr>
-        </p:nvSpPr>
-        <p:spPr>
-          <a:xfrm>
-            <a:off x="4661820" y="1816916"/>
-            <a:ext cx="6698156" cy="4297680"/>
-          </a:xfrm>
-        </p:spPr>
-        <p:txBody>
-          <a:bodyPr>
-            <a:normAutofit/>
-          </a:bodyPr>
-          <a:lstStyle>
-            <a:lvl1pPr marL="0" indent="0">
-              <a:spcBef>
-                <a:spcPts val="1000"/>
-              </a:spcBef>
-              <a:spcAft>
-                <a:spcPts val="800"/>
-              </a:spcAft>
-              <a:buNone/>
-              <a:defRPr sz="1800"/>
-            </a:lvl1pPr>
-            <a:lvl2pPr marL="228600" indent="-228600">
-              <a:spcBef>
-                <a:spcPts val="1000"/>
-              </a:spcBef>
-              <a:spcAft>
-                <a:spcPts val="800"/>
-              </a:spcAft>
-              <a:buClr>
-                <a:schemeClr val="accent2"/>
-              </a:buClr>
-              <a:buFont typeface="Arial" panose="020B0604020202020204" pitchFamily="34" charset="0"/>
-              <a:buChar char="•"/>
-              <a:defRPr sz="1800"/>
-            </a:lvl2pPr>
-            <a:lvl3pPr marL="594360" indent="-228600">
-              <a:spcBef>
-                <a:spcPts val="1000"/>
-              </a:spcBef>
-              <a:spcAft>
-                <a:spcPts val="800"/>
-              </a:spcAft>
-              <a:buClr>
-                <a:schemeClr val="accent2"/>
-              </a:buClr>
-              <a:buFont typeface="Arial" panose="020B0604020202020204" pitchFamily="34" charset="0"/>
-              <a:buChar char="•"/>
-              <a:defRPr sz="1800"/>
-            </a:lvl3pPr>
-            <a:lvl4pPr marL="868680" indent="-228600">
-              <a:spcBef>
-                <a:spcPts val="1000"/>
-              </a:spcBef>
-              <a:spcAft>
-                <a:spcPts val="800"/>
-              </a:spcAft>
-              <a:buClr>
-                <a:schemeClr val="accent2"/>
-              </a:buClr>
-              <a:buFont typeface="Arial" panose="020B0604020202020204" pitchFamily="34" charset="0"/>
-              <a:buChar char="•"/>
-              <a:defRPr sz="1800"/>
-            </a:lvl4pPr>
-            <a:lvl5pPr marL="1143000" indent="-228600">
-              <a:spcBef>
-                <a:spcPts val="1000"/>
-              </a:spcBef>
-              <a:spcAft>
-                <a:spcPts val="800"/>
-              </a:spcAft>
-              <a:buClr>
-                <a:schemeClr val="accent2"/>
-              </a:buClr>
-              <a:buFont typeface="Arial" panose="020B0604020202020204" pitchFamily="34" charset="0"/>
-              <a:buChar char="•"/>
-              <a:defRPr sz="1800"/>
-            </a:lvl5pPr>
-          </a:lstStyle>
-          <a:p>
-            <a:pPr lvl="0"/>
-            <a:r>
-              <a:rPr lang="en-US" dirty="0"/>
-              <a:t>Click to add content</a:t>
-            </a:r>
-          </a:p>
-          <a:p>
-            <a:pPr lvl="1"/>
-            <a:r>
-              <a:rPr lang="en-US" dirty="0"/>
-              <a:t>Second level</a:t>
-            </a:r>
-          </a:p>
-          <a:p>
-            <a:pPr lvl="2"/>
-            <a:r>
-              <a:rPr lang="en-US" dirty="0"/>
-              <a:t>Third level</a:t>
-            </a:r>
-          </a:p>
-          <a:p>
-            <a:pPr lvl="3"/>
-            <a:r>
-              <a:rPr lang="en-US" dirty="0"/>
-              <a:t>Fourth level</a:t>
-            </a:r>
-          </a:p>
-          <a:p>
-            <a:pPr lvl="4"/>
-            <a:r>
-              <a:rPr lang="en-US" dirty="0"/>
-              <a:t>Fifth level</a:t>
-            </a:r>
-          </a:p>
-        </p:txBody>
-      </p:sp>
-      <p:sp>
-        <p:nvSpPr>
-          <p:cNvPr id="5" name="Date Placeholder 4">
-            <a:extLst>
-              <a:ext uri="{FF2B5EF4-FFF2-40B4-BE49-F238E27FC236}">
-                <a16:creationId xmlns:a16="http://schemas.microsoft.com/office/drawing/2014/main" id="{C6CFCEB5-4092-FD13-478E-51CD74FDB82E}"/>
-              </a:ext>
-            </a:extLst>
-          </p:cNvPr>
-          <p:cNvSpPr>
-            <a:spLocks noGrp="1"/>
-          </p:cNvSpPr>
-          <p:nvPr>
-            <p:ph type="dt" sz="half" idx="10"/>
-          </p:nvPr>
-        </p:nvSpPr>
-        <p:spPr/>
-        <p:txBody>
-          <a:bodyPr/>
-          <a:lstStyle/>
-          <a:p>
-            <a:fld id="{D6D8061D-18C3-4F4F-85EF-561633F58754}" type="datetimeFigureOut">
-              <a:rPr lang="en-US" smtClean="0"/>
-              <a:t>7/22/2024</a:t>
-            </a:fld>
-            <a:endParaRPr lang="en-US" dirty="0"/>
-          </a:p>
-        </p:txBody>
-      </p:sp>
-      <p:sp>
-        <p:nvSpPr>
-          <p:cNvPr id="6" name="Footer Placeholder 5">
-            <a:extLst>
-              <a:ext uri="{FF2B5EF4-FFF2-40B4-BE49-F238E27FC236}">
-                <a16:creationId xmlns:a16="http://schemas.microsoft.com/office/drawing/2014/main" id="{5D077A4D-E7C0-912D-293F-D93F0CB5CA49}"/>
-              </a:ext>
-            </a:extLst>
-          </p:cNvPr>
-          <p:cNvSpPr>
-            <a:spLocks noGrp="1"/>
-          </p:cNvSpPr>
-          <p:nvPr>
-            <p:ph type="ftr" sz="quarter" idx="11"/>
-          </p:nvPr>
-        </p:nvSpPr>
-        <p:spPr/>
-        <p:txBody>
-          <a:bodyPr/>
-          <a:lstStyle/>
-          <a:p>
-            <a:endParaRPr lang="en-US" dirty="0"/>
-          </a:p>
-        </p:txBody>
-      </p:sp>
-      <p:sp>
-        <p:nvSpPr>
-          <p:cNvPr id="7" name="Slide Number Placeholder 6">
-            <a:extLst>
-              <a:ext uri="{FF2B5EF4-FFF2-40B4-BE49-F238E27FC236}">
-                <a16:creationId xmlns:a16="http://schemas.microsoft.com/office/drawing/2014/main" id="{CA6AA9E1-334B-5F8F-8A92-67DD095F7838}"/>
-              </a:ext>
-            </a:extLst>
-          </p:cNvPr>
-          <p:cNvSpPr>
-            <a:spLocks noGrp="1"/>
-          </p:cNvSpPr>
-          <p:nvPr>
-            <p:ph type="sldNum" sz="quarter" idx="12"/>
-          </p:nvPr>
-        </p:nvSpPr>
-        <p:spPr/>
-        <p:txBody>
-          <a:bodyPr/>
-          <a:lstStyle/>
-          <a:p>
-            <a:fld id="{CBD12358-51D2-46B3-9BDE-DF29528B9454}" type="slidenum">
-              <a:rPr lang="en-US" smtClean="0"/>
-              <a:t>‹#›</a:t>
-            </a:fld>
-            <a:endParaRPr lang="en-US" dirty="0"/>
-          </a:p>
-        </p:txBody>
-      </p:sp>
-      <p:sp>
-        <p:nvSpPr>
-          <p:cNvPr id="8" name="Freeform: Shape 11">
-            <a:extLst>
-              <a:ext uri="{FF2B5EF4-FFF2-40B4-BE49-F238E27FC236}">
-                <a16:creationId xmlns:a16="http://schemas.microsoft.com/office/drawing/2014/main" id="{1E75594D-82D2-74F6-56EC-46FCD28CBE68}"/>
-              </a:ext>
-              <a:ext uri="{C183D7F6-B498-43B3-948B-1728B52AA6E4}">
-                <adec:decorative xmlns:adec="http://schemas.microsoft.com/office/drawing/2017/decorative" val="1"/>
-              </a:ext>
-            </a:extLst>
-          </p:cNvPr>
-          <p:cNvSpPr/>
-          <p:nvPr userDrawn="1"/>
-        </p:nvSpPr>
-        <p:spPr>
-          <a:xfrm>
-            <a:off x="9994966" y="0"/>
-            <a:ext cx="1214656" cy="511514"/>
-          </a:xfrm>
-          <a:custGeom>
-            <a:avLst/>
-            <a:gdLst>
-              <a:gd name="connsiteX0" fmla="*/ 0 w 1135066"/>
-              <a:gd name="connsiteY0" fmla="*/ 0 h 477997"/>
-              <a:gd name="connsiteX1" fmla="*/ 1135066 w 1135066"/>
-              <a:gd name="connsiteY1" fmla="*/ 0 h 477997"/>
-              <a:gd name="connsiteX2" fmla="*/ 1133370 w 1135066"/>
-              <a:gd name="connsiteY2" fmla="*/ 16827 h 477997"/>
-              <a:gd name="connsiteX3" fmla="*/ 567533 w 1135066"/>
-              <a:gd name="connsiteY3" fmla="*/ 477997 h 477997"/>
-              <a:gd name="connsiteX4" fmla="*/ 1696 w 1135066"/>
-              <a:gd name="connsiteY4" fmla="*/ 16827 h 477997"/>
-            </a:gdLst>
-            <a:ahLst/>
-            <a:cxnLst>
-              <a:cxn ang="0">
-                <a:pos x="connsiteX0" y="connsiteY0"/>
-              </a:cxn>
-              <a:cxn ang="0">
-                <a:pos x="connsiteX1" y="connsiteY1"/>
-              </a:cxn>
-              <a:cxn ang="0">
-                <a:pos x="connsiteX2" y="connsiteY2"/>
-              </a:cxn>
-              <a:cxn ang="0">
-                <a:pos x="connsiteX3" y="connsiteY3"/>
-              </a:cxn>
-              <a:cxn ang="0">
-                <a:pos x="connsiteX4" y="connsiteY4"/>
-              </a:cxn>
-            </a:cxnLst>
-            <a:rect l="l" t="t" r="r" b="b"/>
-            <a:pathLst>
-              <a:path w="1135066" h="477997">
-                <a:moveTo>
-                  <a:pt x="0" y="0"/>
-                </a:moveTo>
-                <a:lnTo>
-                  <a:pt x="1135066" y="0"/>
-                </a:lnTo>
-                <a:lnTo>
-                  <a:pt x="1133370" y="16827"/>
-                </a:lnTo>
-                <a:cubicBezTo>
-                  <a:pt x="1079514" y="280016"/>
-                  <a:pt x="846644" y="477997"/>
-                  <a:pt x="567533" y="477997"/>
-                </a:cubicBezTo>
-                <a:cubicBezTo>
-                  <a:pt x="288422" y="477997"/>
-                  <a:pt x="55552" y="280016"/>
-                  <a:pt x="1696" y="16827"/>
-                </a:cubicBezTo>
-                <a:close/>
-              </a:path>
-            </a:pathLst>
-          </a:custGeom>
-          <a:solidFill>
-            <a:schemeClr val="accent2"/>
-          </a:solidFill>
-          <a:ln>
-            <a:noFill/>
-          </a:ln>
-        </p:spPr>
-        <p:style>
-          <a:lnRef idx="2">
-            <a:schemeClr val="accent1">
-              <a:shade val="50000"/>
-            </a:schemeClr>
-          </a:lnRef>
-          <a:fillRef idx="1">
-            <a:schemeClr val="accent1"/>
-          </a:fillRef>
-          <a:effectRef idx="0">
-            <a:schemeClr val="accent1"/>
-          </a:effectRef>
-          <a:fontRef idx="minor">
-            <a:schemeClr val="lt1"/>
-          </a:fontRef>
-        </p:style>
-        <p:txBody>
-          <a:bodyPr wrap="square" rtlCol="0" anchor="ctr">
-            <a:noAutofit/>
-          </a:bodyPr>
-          <a:lstStyle/>
-          <a:p>
-            <a:pPr marL="0" marR="0" lvl="0" indent="0" algn="ctr" defTabSz="914400" rtl="0" eaLnBrk="1" fontAlgn="auto" latinLnBrk="0" hangingPunct="1">
-              <a:lnSpc>
-                <a:spcPct val="100000"/>
-              </a:lnSpc>
-              <a:spcBef>
-                <a:spcPts val="0"/>
-              </a:spcBef>
-              <a:spcAft>
-                <a:spcPts val="0"/>
-              </a:spcAft>
-              <a:buClrTx/>
-              <a:buSzTx/>
-              <a:buFontTx/>
-              <a:buNone/>
-              <a:tabLst/>
-              <a:defRPr/>
-            </a:pPr>
-            <a:endParaRPr kumimoji="0" lang="en-US" sz="1800" b="0" i="0" u="none" strike="noStrike" kern="1200" cap="none" spc="0" normalizeH="0" baseline="0" noProof="0" dirty="0">
-              <a:ln>
-                <a:noFill/>
-              </a:ln>
-              <a:solidFill>
-                <a:prstClr val="white"/>
-              </a:solidFill>
-              <a:effectLst/>
-              <a:uLnTx/>
-              <a:uFillTx/>
-              <a:latin typeface="Calibri" panose="020F0502020204030204"/>
-              <a:ea typeface="+mn-ea"/>
-              <a:cs typeface="+mn-cs"/>
-            </a:endParaRPr>
-          </a:p>
-        </p:txBody>
-      </p:sp>
-      <p:sp>
-        <p:nvSpPr>
-          <p:cNvPr id="9" name="Freeform: Shape 13">
-            <a:extLst>
-              <a:ext uri="{FF2B5EF4-FFF2-40B4-BE49-F238E27FC236}">
-                <a16:creationId xmlns:a16="http://schemas.microsoft.com/office/drawing/2014/main" id="{FF4E0F5B-0892-2688-EFD3-284369DA50CD}"/>
-              </a:ext>
-              <a:ext uri="{C183D7F6-B498-43B3-948B-1728B52AA6E4}">
-                <adec:decorative xmlns:adec="http://schemas.microsoft.com/office/drawing/2017/decorative" val="1"/>
-              </a:ext>
-            </a:extLst>
-          </p:cNvPr>
-          <p:cNvSpPr/>
-          <p:nvPr userDrawn="1"/>
-        </p:nvSpPr>
-        <p:spPr>
-          <a:xfrm rot="10800000">
-            <a:off x="8097530" y="5590215"/>
-            <a:ext cx="2279742" cy="1267785"/>
-          </a:xfrm>
-          <a:custGeom>
-            <a:avLst/>
-            <a:gdLst>
-              <a:gd name="connsiteX0" fmla="*/ 0 w 2279742"/>
-              <a:gd name="connsiteY0" fmla="*/ 0 h 1267785"/>
-              <a:gd name="connsiteX1" fmla="*/ 138700 w 2279742"/>
-              <a:gd name="connsiteY1" fmla="*/ 0 h 1267785"/>
-              <a:gd name="connsiteX2" fmla="*/ 138700 w 2279742"/>
-              <a:gd name="connsiteY2" fmla="*/ 1078193 h 1267785"/>
-              <a:gd name="connsiteX3" fmla="*/ 2002733 w 2279742"/>
-              <a:gd name="connsiteY3" fmla="*/ 0 h 1267785"/>
-              <a:gd name="connsiteX4" fmla="*/ 2279742 w 2279742"/>
-              <a:gd name="connsiteY4" fmla="*/ 0 h 1267785"/>
-              <a:gd name="connsiteX5" fmla="*/ 104026 w 2279742"/>
-              <a:gd name="connsiteY5" fmla="*/ 1258503 h 1267785"/>
-              <a:gd name="connsiteX6" fmla="*/ 69351 w 2279742"/>
-              <a:gd name="connsiteY6" fmla="*/ 1267785 h 1267785"/>
-              <a:gd name="connsiteX7" fmla="*/ 0 w 2279742"/>
-              <a:gd name="connsiteY7" fmla="*/ 1198436 h 1267785"/>
-            </a:gdLst>
-            <a:ahLst/>
-            <a:cxnLst>
-              <a:cxn ang="0">
-                <a:pos x="connsiteX0" y="connsiteY0"/>
-              </a:cxn>
-              <a:cxn ang="0">
-                <a:pos x="connsiteX1" y="connsiteY1"/>
-              </a:cxn>
-              <a:cxn ang="0">
-                <a:pos x="connsiteX2" y="connsiteY2"/>
-              </a:cxn>
-              <a:cxn ang="0">
-                <a:pos x="connsiteX3" y="connsiteY3"/>
-              </a:cxn>
-              <a:cxn ang="0">
-                <a:pos x="connsiteX4" y="connsiteY4"/>
-              </a:cxn>
-              <a:cxn ang="0">
-                <a:pos x="connsiteX5" y="connsiteY5"/>
-              </a:cxn>
-              <a:cxn ang="0">
-                <a:pos x="connsiteX6" y="connsiteY6"/>
-              </a:cxn>
-              <a:cxn ang="0">
-                <a:pos x="connsiteX7" y="connsiteY7"/>
-              </a:cxn>
-            </a:cxnLst>
-            <a:rect l="l" t="t" r="r" b="b"/>
-            <a:pathLst>
-              <a:path w="2279742" h="1267785">
-                <a:moveTo>
-                  <a:pt x="0" y="0"/>
-                </a:moveTo>
-                <a:lnTo>
-                  <a:pt x="138700" y="0"/>
-                </a:lnTo>
-                <a:lnTo>
-                  <a:pt x="138700" y="1078193"/>
-                </a:lnTo>
-                <a:lnTo>
-                  <a:pt x="2002733" y="0"/>
-                </a:lnTo>
-                <a:lnTo>
-                  <a:pt x="2279742" y="0"/>
-                </a:lnTo>
-                <a:lnTo>
-                  <a:pt x="104026" y="1258503"/>
-                </a:lnTo>
-                <a:cubicBezTo>
-                  <a:pt x="93484" y="1264595"/>
-                  <a:pt x="81523" y="1267796"/>
-                  <a:pt x="69351" y="1267785"/>
-                </a:cubicBezTo>
-                <a:cubicBezTo>
-                  <a:pt x="31049" y="1267785"/>
-                  <a:pt x="0" y="1236737"/>
-                  <a:pt x="0" y="1198436"/>
-                </a:cubicBezTo>
-                <a:close/>
-              </a:path>
-            </a:pathLst>
-          </a:custGeom>
-          <a:solidFill>
-            <a:schemeClr val="accent6"/>
-          </a:solidFill>
-          <a:ln w="9525" cap="flat">
-            <a:noFill/>
-            <a:prstDash val="solid"/>
-            <a:miter/>
-          </a:ln>
-        </p:spPr>
-        <p:txBody>
-          <a:bodyPr rtlCol="0" anchor="ctr"/>
-          <a:lstStyle/>
-          <a:p>
-            <a:pPr marL="0" marR="0" lvl="0" indent="0" algn="l" defTabSz="914400" rtl="0" eaLnBrk="1" fontAlgn="auto" latinLnBrk="0" hangingPunct="1">
-              <a:lnSpc>
-                <a:spcPct val="100000"/>
-              </a:lnSpc>
-              <a:spcBef>
-                <a:spcPts val="0"/>
-              </a:spcBef>
-              <a:spcAft>
-                <a:spcPts val="0"/>
-              </a:spcAft>
-              <a:buClrTx/>
-              <a:buSzTx/>
-              <a:buFontTx/>
-              <a:buNone/>
-              <a:tabLst/>
-              <a:defRPr/>
-            </a:pPr>
-            <a:endParaRPr kumimoji="0" lang="en-US" sz="1800" b="0" i="0" u="none" strike="noStrike" kern="1200" cap="none" spc="0" normalizeH="0" baseline="0" noProof="0" dirty="0">
-              <a:ln>
-                <a:noFill/>
-              </a:ln>
-              <a:solidFill>
-                <a:prstClr val="black"/>
-              </a:solidFill>
-              <a:effectLst/>
-              <a:uLnTx/>
-              <a:uFillTx/>
-              <a:latin typeface="Calibri" panose="020F0502020204030204"/>
-              <a:ea typeface="+mn-ea"/>
-              <a:cs typeface="+mn-cs"/>
-            </a:endParaRPr>
-          </a:p>
-        </p:txBody>
-      </p:sp>
-      <p:cxnSp>
-        <p:nvCxnSpPr>
-          <p:cNvPr id="10" name="Straight Connector 9">
-            <a:extLst>
-              <a:ext uri="{FF2B5EF4-FFF2-40B4-BE49-F238E27FC236}">
-                <a16:creationId xmlns:a16="http://schemas.microsoft.com/office/drawing/2014/main" id="{71D8715A-3067-732D-C410-868C7CCCF750}"/>
-              </a:ext>
-              <a:ext uri="{C183D7F6-B498-43B3-948B-1728B52AA6E4}">
-                <adec:decorative xmlns:adec="http://schemas.microsoft.com/office/drawing/2017/decorative" val="1"/>
-              </a:ext>
-            </a:extLst>
-          </p:cNvPr>
-          <p:cNvCxnSpPr>
-            <a:cxnSpLocks/>
-          </p:cNvCxnSpPr>
-          <p:nvPr userDrawn="1"/>
-        </p:nvCxnSpPr>
-        <p:spPr>
-          <a:xfrm rot="16200000">
-            <a:off x="982378" y="5512123"/>
-            <a:ext cx="0" cy="1597708"/>
-          </a:xfrm>
-          <a:prstGeom prst="line">
-            <a:avLst/>
-          </a:prstGeom>
-          <a:ln w="127000" cap="rnd">
-            <a:solidFill>
-              <a:schemeClr val="accent4"/>
-            </a:solidFill>
-            <a:prstDash val="dash"/>
-          </a:ln>
-        </p:spPr>
-        <p:style>
-          <a:lnRef idx="1">
-            <a:schemeClr val="accent1"/>
-          </a:lnRef>
-          <a:fillRef idx="0">
-            <a:schemeClr val="accent1"/>
-          </a:fillRef>
-          <a:effectRef idx="0">
-            <a:schemeClr val="accent1"/>
-          </a:effectRef>
-          <a:fontRef idx="minor">
-            <a:schemeClr val="tx1"/>
-          </a:fontRef>
-        </p:style>
-      </p:cxnSp>
-    </p:spTree>
-    <p:extLst>
-      <p:ext uri="{BB962C8B-B14F-4D97-AF65-F5344CB8AC3E}">
-        <p14:creationId xmlns:p14="http://schemas.microsoft.com/office/powerpoint/2010/main" val="2116857213"/>
-      </p:ext>
-    </p:extLst>
-  </p:cSld>
-  <p:clrMapOvr>
-    <a:masterClrMapping/>
-  </p:clrMapOvr>
-</p:sldLayout>
-</file>
-
-<file path=ppt/slideLayouts/slideLayout26.xml><?xml version="1.0" encoding="utf-8"?>
-<p:sldLayout xmlns:a="http://schemas.openxmlformats.org/drawingml/2006/main" xmlns:r="http://schemas.openxmlformats.org/officeDocument/2006/relationships" xmlns:p="http://schemas.openxmlformats.org/presentationml/2006/main" userDrawn="1">
-  <p:cSld name="Content and Table">
-    <p:spTree>
-      <p:nvGrpSpPr>
-        <p:cNvPr id="1" name=""/>
-        <p:cNvGrpSpPr/>
-        <p:nvPr/>
-      </p:nvGrpSpPr>
-      <p:grpSpPr>
-        <a:xfrm>
-          <a:off x="0" y="0"/>
-          <a:ext cx="0" cy="0"/>
-          <a:chOff x="0" y="0"/>
-          <a:chExt cx="0" cy="0"/>
-        </a:xfrm>
-      </p:grpSpPr>
-      <p:grpSp>
-        <p:nvGrpSpPr>
-          <p:cNvPr id="11" name="Group 10">
-            <a:extLst>
-              <a:ext uri="{FF2B5EF4-FFF2-40B4-BE49-F238E27FC236}">
-                <a16:creationId xmlns:a16="http://schemas.microsoft.com/office/drawing/2014/main" id="{521BD3DB-6F51-C1AE-FF0E-D0BDCB55F30B}"/>
-              </a:ext>
-              <a:ext uri="{C183D7F6-B498-43B3-948B-1728B52AA6E4}">
-                <adec:decorative xmlns:adec="http://schemas.microsoft.com/office/drawing/2017/decorative" val="1"/>
-              </a:ext>
-            </a:extLst>
-          </p:cNvPr>
-          <p:cNvGrpSpPr/>
-          <p:nvPr userDrawn="1"/>
-        </p:nvGrpSpPr>
-        <p:grpSpPr>
-          <a:xfrm>
-            <a:off x="123536" y="2"/>
-            <a:ext cx="11220225" cy="6857998"/>
-            <a:chOff x="123536" y="2"/>
-            <a:chExt cx="11220225" cy="6857998"/>
-          </a:xfrm>
-        </p:grpSpPr>
-        <p:sp>
-          <p:nvSpPr>
-            <p:cNvPr id="12" name="Freeform: Shape 7">
-              <a:extLst>
-                <a:ext uri="{FF2B5EF4-FFF2-40B4-BE49-F238E27FC236}">
-                  <a16:creationId xmlns:a16="http://schemas.microsoft.com/office/drawing/2014/main" id="{59903C17-0733-BE0C-7392-283FEC2E98B0}"/>
-                </a:ext>
-              </a:extLst>
-            </p:cNvPr>
-            <p:cNvSpPr/>
-            <p:nvPr/>
-          </p:nvSpPr>
-          <p:spPr>
-            <a:xfrm flipH="1">
-              <a:off x="123536" y="5717905"/>
-              <a:ext cx="1771609" cy="1140095"/>
-            </a:xfrm>
-            <a:custGeom>
-              <a:avLst/>
-              <a:gdLst>
-                <a:gd name="connsiteX0" fmla="*/ 1561721 w 1771609"/>
-                <a:gd name="connsiteY0" fmla="*/ 763041 h 1140095"/>
-                <a:gd name="connsiteX1" fmla="*/ 1623024 w 1771609"/>
-                <a:gd name="connsiteY1" fmla="*/ 792810 h 1140095"/>
-                <a:gd name="connsiteX2" fmla="*/ 1711735 w 1771609"/>
-                <a:gd name="connsiteY2" fmla="*/ 970132 h 1140095"/>
-                <a:gd name="connsiteX3" fmla="*/ 1771609 w 1771609"/>
-                <a:gd name="connsiteY3" fmla="*/ 1140095 h 1140095"/>
-                <a:gd name="connsiteX4" fmla="*/ 1637225 w 1771609"/>
-                <a:gd name="connsiteY4" fmla="*/ 1140095 h 1140095"/>
-                <a:gd name="connsiteX5" fmla="*/ 1594820 w 1771609"/>
-                <a:gd name="connsiteY5" fmla="*/ 1019711 h 1140095"/>
-                <a:gd name="connsiteX6" fmla="*/ 1513200 w 1771609"/>
-                <a:gd name="connsiteY6" fmla="*/ 856627 h 1140095"/>
-                <a:gd name="connsiteX7" fmla="*/ 1538499 w 1771609"/>
-                <a:gd name="connsiteY7" fmla="*/ 770415 h 1140095"/>
-                <a:gd name="connsiteX8" fmla="*/ 1561721 w 1771609"/>
-                <a:gd name="connsiteY8" fmla="*/ 763041 h 1140095"/>
-                <a:gd name="connsiteX9" fmla="*/ 933455 w 1771609"/>
-                <a:gd name="connsiteY9" fmla="*/ 161309 h 1140095"/>
-                <a:gd name="connsiteX10" fmla="*/ 957797 w 1771609"/>
-                <a:gd name="connsiteY10" fmla="*/ 167970 h 1140095"/>
-                <a:gd name="connsiteX11" fmla="*/ 1286982 w 1771609"/>
-                <a:gd name="connsiteY11" fmla="*/ 387616 h 1140095"/>
-                <a:gd name="connsiteX12" fmla="*/ 1293725 w 1771609"/>
-                <a:gd name="connsiteY12" fmla="*/ 477075 h 1140095"/>
-                <a:gd name="connsiteX13" fmla="*/ 1245453 w 1771609"/>
-                <a:gd name="connsiteY13" fmla="*/ 499154 h 1140095"/>
-                <a:gd name="connsiteX14" fmla="*/ 1245167 w 1771609"/>
-                <a:gd name="connsiteY14" fmla="*/ 499154 h 1140095"/>
-                <a:gd name="connsiteX15" fmla="*/ 1203638 w 1771609"/>
-                <a:gd name="connsiteY15" fmla="*/ 484104 h 1140095"/>
-                <a:gd name="connsiteX16" fmla="*/ 900647 w 1771609"/>
-                <a:gd name="connsiteY16" fmla="*/ 281508 h 1140095"/>
-                <a:gd name="connsiteX17" fmla="*/ 872454 w 1771609"/>
-                <a:gd name="connsiteY17" fmla="*/ 196164 h 1140095"/>
-                <a:gd name="connsiteX18" fmla="*/ 933455 w 1771609"/>
-                <a:gd name="connsiteY18" fmla="*/ 161309 h 1140095"/>
-                <a:gd name="connsiteX19" fmla="*/ 256260 w 1771609"/>
-                <a:gd name="connsiteY19" fmla="*/ 29 h 1140095"/>
-                <a:gd name="connsiteX20" fmla="*/ 454020 w 1771609"/>
-                <a:gd name="connsiteY20" fmla="*/ 13474 h 1140095"/>
-                <a:gd name="connsiteX21" fmla="*/ 509236 w 1771609"/>
-                <a:gd name="connsiteY21" fmla="*/ 84182 h 1140095"/>
-                <a:gd name="connsiteX22" fmla="*/ 445829 w 1771609"/>
-                <a:gd name="connsiteY22" fmla="*/ 139871 h 1140095"/>
-                <a:gd name="connsiteX23" fmla="*/ 437447 w 1771609"/>
-                <a:gd name="connsiteY23" fmla="*/ 139395 h 1140095"/>
-                <a:gd name="connsiteX24" fmla="*/ 73211 w 1771609"/>
-                <a:gd name="connsiteY24" fmla="*/ 137204 h 1140095"/>
-                <a:gd name="connsiteX25" fmla="*/ 749 w 1771609"/>
-                <a:gd name="connsiteY25" fmla="*/ 84082 h 1140095"/>
-                <a:gd name="connsiteX26" fmla="*/ 53871 w 1771609"/>
-                <a:gd name="connsiteY26" fmla="*/ 11621 h 1140095"/>
-                <a:gd name="connsiteX27" fmla="*/ 58352 w 1771609"/>
-                <a:gd name="connsiteY27" fmla="*/ 11093 h 1140095"/>
-                <a:gd name="connsiteX28" fmla="*/ 256260 w 1771609"/>
-                <a:gd name="connsiteY28" fmla="*/ 29 h 1140095"/>
-              </a:gdLst>
-              <a:ahLst/>
-              <a:cxnLst>
-                <a:cxn ang="0">
-                  <a:pos x="connsiteX0" y="connsiteY0"/>
-                </a:cxn>
-                <a:cxn ang="0">
-                  <a:pos x="connsiteX1" y="connsiteY1"/>
-                </a:cxn>
-                <a:cxn ang="0">
-                  <a:pos x="connsiteX2" y="connsiteY2"/>
-                </a:cxn>
-                <a:cxn ang="0">
-                  <a:pos x="connsiteX3" y="connsiteY3"/>
-                </a:cxn>
-                <a:cxn ang="0">
-                  <a:pos x="connsiteX4" y="connsiteY4"/>
-                </a:cxn>
-                <a:cxn ang="0">
-                  <a:pos x="connsiteX5" y="connsiteY5"/>
-                </a:cxn>
-                <a:cxn ang="0">
-                  <a:pos x="connsiteX6" y="connsiteY6"/>
-                </a:cxn>
-                <a:cxn ang="0">
-                  <a:pos x="connsiteX7" y="connsiteY7"/>
-                </a:cxn>
-                <a:cxn ang="0">
-                  <a:pos x="connsiteX8" y="connsiteY8"/>
-                </a:cxn>
-                <a:cxn ang="0">
-                  <a:pos x="connsiteX9" y="connsiteY9"/>
-                </a:cxn>
-                <a:cxn ang="0">
-                  <a:pos x="connsiteX10" y="connsiteY10"/>
-                </a:cxn>
-                <a:cxn ang="0">
-                  <a:pos x="connsiteX11" y="connsiteY11"/>
-                </a:cxn>
-                <a:cxn ang="0">
-                  <a:pos x="connsiteX12" y="connsiteY12"/>
-                </a:cxn>
-                <a:cxn ang="0">
-                  <a:pos x="connsiteX13" y="connsiteY13"/>
-                </a:cxn>
-                <a:cxn ang="0">
-                  <a:pos x="connsiteX14" y="connsiteY14"/>
-                </a:cxn>
-                <a:cxn ang="0">
-                  <a:pos x="connsiteX15" y="connsiteY15"/>
-                </a:cxn>
-                <a:cxn ang="0">
-                  <a:pos x="connsiteX16" y="connsiteY16"/>
-                </a:cxn>
-                <a:cxn ang="0">
-                  <a:pos x="connsiteX17" y="connsiteY17"/>
-                </a:cxn>
-                <a:cxn ang="0">
-                  <a:pos x="connsiteX18" y="connsiteY18"/>
-                </a:cxn>
-                <a:cxn ang="0">
-                  <a:pos x="connsiteX19" y="connsiteY19"/>
-                </a:cxn>
-                <a:cxn ang="0">
-                  <a:pos x="connsiteX20" y="connsiteY20"/>
-                </a:cxn>
-                <a:cxn ang="0">
-                  <a:pos x="connsiteX21" y="connsiteY21"/>
-                </a:cxn>
-                <a:cxn ang="0">
-                  <a:pos x="connsiteX22" y="connsiteY22"/>
-                </a:cxn>
-                <a:cxn ang="0">
-                  <a:pos x="connsiteX23" y="connsiteY23"/>
-                </a:cxn>
-                <a:cxn ang="0">
-                  <a:pos x="connsiteX24" y="connsiteY24"/>
-                </a:cxn>
-                <a:cxn ang="0">
-                  <a:pos x="connsiteX25" y="connsiteY25"/>
-                </a:cxn>
-                <a:cxn ang="0">
-                  <a:pos x="connsiteX26" y="connsiteY26"/>
-                </a:cxn>
-                <a:cxn ang="0">
-                  <a:pos x="connsiteX27" y="connsiteY27"/>
-                </a:cxn>
-                <a:cxn ang="0">
-                  <a:pos x="connsiteX28" y="connsiteY28"/>
-                </a:cxn>
-              </a:cxnLst>
-              <a:rect l="l" t="t" r="r" b="b"/>
-              <a:pathLst>
-                <a:path w="1771609" h="1140095">
-                  <a:moveTo>
-                    <a:pt x="1561721" y="763041"/>
-                  </a:moveTo>
-                  <a:cubicBezTo>
-                    <a:pt x="1585506" y="760324"/>
-                    <a:pt x="1609722" y="771249"/>
-                    <a:pt x="1623024" y="792810"/>
-                  </a:cubicBezTo>
-                  <a:cubicBezTo>
-                    <a:pt x="1656300" y="850065"/>
-                    <a:pt x="1685920" y="909291"/>
-                    <a:pt x="1711735" y="970132"/>
-                  </a:cubicBezTo>
-                  <a:lnTo>
-                    <a:pt x="1771609" y="1140095"/>
-                  </a:lnTo>
-                  <a:lnTo>
-                    <a:pt x="1637225" y="1140095"/>
-                  </a:lnTo>
-                  <a:lnTo>
-                    <a:pt x="1594820" y="1019711"/>
-                  </a:lnTo>
-                  <a:cubicBezTo>
-                    <a:pt x="1571072" y="963753"/>
-                    <a:pt x="1543818" y="909282"/>
-                    <a:pt x="1513200" y="856627"/>
-                  </a:cubicBezTo>
-                  <a:cubicBezTo>
-                    <a:pt x="1496379" y="825834"/>
-                    <a:pt x="1507704" y="787236"/>
-                    <a:pt x="1538499" y="770415"/>
-                  </a:cubicBezTo>
-                  <a:cubicBezTo>
-                    <a:pt x="1545912" y="766367"/>
-                    <a:pt x="1553792" y="763946"/>
-                    <a:pt x="1561721" y="763041"/>
-                  </a:cubicBezTo>
-                  <a:close/>
-                  <a:moveTo>
-                    <a:pt x="933455" y="161309"/>
-                  </a:moveTo>
-                  <a:cubicBezTo>
-                    <a:pt x="941693" y="161855"/>
-                    <a:pt x="949959" y="164025"/>
-                    <a:pt x="957797" y="167970"/>
-                  </a:cubicBezTo>
-                  <a:cubicBezTo>
-                    <a:pt x="1076184" y="227289"/>
-                    <a:pt x="1186759" y="301068"/>
-                    <a:pt x="1286982" y="387616"/>
-                  </a:cubicBezTo>
-                  <a:cubicBezTo>
-                    <a:pt x="1313547" y="410457"/>
-                    <a:pt x="1316566" y="450510"/>
-                    <a:pt x="1293725" y="477075"/>
-                  </a:cubicBezTo>
-                  <a:cubicBezTo>
-                    <a:pt x="1281638" y="491137"/>
-                    <a:pt x="1263998" y="499204"/>
-                    <a:pt x="1245453" y="499154"/>
-                  </a:cubicBezTo>
-                  <a:lnTo>
-                    <a:pt x="1245167" y="499154"/>
-                  </a:lnTo>
-                  <a:cubicBezTo>
-                    <a:pt x="1229965" y="499301"/>
-                    <a:pt x="1215220" y="493956"/>
-                    <a:pt x="1203638" y="484104"/>
-                  </a:cubicBezTo>
-                  <a:cubicBezTo>
-                    <a:pt x="1111407" y="404300"/>
-                    <a:pt x="1009633" y="336248"/>
-                    <a:pt x="900647" y="281508"/>
-                  </a:cubicBezTo>
-                  <a:cubicBezTo>
-                    <a:pt x="869295" y="265726"/>
-                    <a:pt x="856672" y="227516"/>
-                    <a:pt x="872454" y="196164"/>
-                  </a:cubicBezTo>
-                  <a:cubicBezTo>
-                    <a:pt x="884290" y="172650"/>
-                    <a:pt x="908742" y="159670"/>
-                    <a:pt x="933455" y="161309"/>
-                  </a:cubicBezTo>
-                  <a:close/>
-                  <a:moveTo>
-                    <a:pt x="256260" y="29"/>
-                  </a:moveTo>
-                  <a:cubicBezTo>
-                    <a:pt x="322331" y="427"/>
-                    <a:pt x="388378" y="4909"/>
-                    <a:pt x="454020" y="13474"/>
-                  </a:cubicBezTo>
-                  <a:cubicBezTo>
-                    <a:pt x="488793" y="17752"/>
-                    <a:pt x="513514" y="49409"/>
-                    <a:pt x="509236" y="84182"/>
-                  </a:cubicBezTo>
-                  <a:cubicBezTo>
-                    <a:pt x="505303" y="116151"/>
-                    <a:pt x="478038" y="140098"/>
-                    <a:pt x="445829" y="139871"/>
-                  </a:cubicBezTo>
-                  <a:cubicBezTo>
-                    <a:pt x="443027" y="139899"/>
-                    <a:pt x="440227" y="139740"/>
-                    <a:pt x="437447" y="139395"/>
-                  </a:cubicBezTo>
-                  <a:cubicBezTo>
-                    <a:pt x="316592" y="123615"/>
-                    <a:pt x="194247" y="122878"/>
-                    <a:pt x="73211" y="137204"/>
-                  </a:cubicBezTo>
-                  <a:cubicBezTo>
-                    <a:pt x="38532" y="142545"/>
-                    <a:pt x="6090" y="118762"/>
-                    <a:pt x="749" y="84082"/>
-                  </a:cubicBezTo>
-                  <a:cubicBezTo>
-                    <a:pt x="-4591" y="49403"/>
-                    <a:pt x="19192" y="16961"/>
-                    <a:pt x="53871" y="11621"/>
-                  </a:cubicBezTo>
-                  <a:cubicBezTo>
-                    <a:pt x="55358" y="11392"/>
-                    <a:pt x="56852" y="11216"/>
-                    <a:pt x="58352" y="11093"/>
-                  </a:cubicBezTo>
-                  <a:cubicBezTo>
-                    <a:pt x="124093" y="3319"/>
-                    <a:pt x="190189" y="-369"/>
-                    <a:pt x="256260" y="29"/>
-                  </a:cubicBezTo>
-                  <a:close/>
-                </a:path>
-              </a:pathLst>
-            </a:custGeom>
-            <a:solidFill>
-              <a:schemeClr val="accent5"/>
-            </a:solidFill>
-            <a:ln w="9525" cap="flat">
-              <a:noFill/>
-              <a:prstDash val="solid"/>
-              <a:miter/>
-            </a:ln>
-          </p:spPr>
-          <p:txBody>
-            <a:bodyPr rtlCol="0" anchor="ctr"/>
-            <a:lstStyle/>
-            <a:p>
-              <a:pPr marL="0" marR="0" lvl="0" indent="0" algn="l" defTabSz="914400" rtl="0" eaLnBrk="1" fontAlgn="auto" latinLnBrk="0" hangingPunct="1">
-                <a:lnSpc>
-                  <a:spcPct val="100000"/>
-                </a:lnSpc>
-                <a:spcBef>
-                  <a:spcPts val="0"/>
-                </a:spcBef>
-                <a:spcAft>
-                  <a:spcPts val="0"/>
-                </a:spcAft>
-                <a:buClrTx/>
-                <a:buSzTx/>
-                <a:buFontTx/>
-                <a:buNone/>
-                <a:tabLst/>
-                <a:defRPr/>
-              </a:pPr>
-              <a:endParaRPr kumimoji="0" lang="en-US" sz="1800" b="0" i="0" u="none" strike="noStrike" kern="1200" cap="none" spc="0" normalizeH="0" baseline="0" noProof="0" dirty="0">
-                <a:ln>
-                  <a:noFill/>
-                </a:ln>
-                <a:solidFill>
-                  <a:prstClr val="black"/>
-                </a:solidFill>
-                <a:effectLst/>
-                <a:uLnTx/>
-                <a:uFillTx/>
-                <a:latin typeface="Calibri" panose="020F0502020204030204"/>
-                <a:ea typeface="+mn-ea"/>
-                <a:cs typeface="+mn-cs"/>
-              </a:endParaRPr>
-            </a:p>
-          </p:txBody>
-        </p:sp>
-        <p:sp>
-          <p:nvSpPr>
-            <p:cNvPr id="13" name="Freeform: Shape 1">
-              <a:extLst>
-                <a:ext uri="{FF2B5EF4-FFF2-40B4-BE49-F238E27FC236}">
-                  <a16:creationId xmlns:a16="http://schemas.microsoft.com/office/drawing/2014/main" id="{898A3450-9C87-13ED-79CC-F4F65D14FF72}"/>
-                </a:ext>
-              </a:extLst>
-            </p:cNvPr>
-            <p:cNvSpPr/>
-            <p:nvPr userDrawn="1"/>
-          </p:nvSpPr>
-          <p:spPr>
-            <a:xfrm>
-              <a:off x="10494433" y="2"/>
-              <a:ext cx="849328" cy="357668"/>
-            </a:xfrm>
-            <a:custGeom>
-              <a:avLst/>
-              <a:gdLst>
-                <a:gd name="connsiteX0" fmla="*/ 0 w 1135066"/>
-                <a:gd name="connsiteY0" fmla="*/ 0 h 477997"/>
-                <a:gd name="connsiteX1" fmla="*/ 1135066 w 1135066"/>
-                <a:gd name="connsiteY1" fmla="*/ 0 h 477997"/>
-                <a:gd name="connsiteX2" fmla="*/ 1133370 w 1135066"/>
-                <a:gd name="connsiteY2" fmla="*/ 16827 h 477997"/>
-                <a:gd name="connsiteX3" fmla="*/ 567533 w 1135066"/>
-                <a:gd name="connsiteY3" fmla="*/ 477997 h 477997"/>
-                <a:gd name="connsiteX4" fmla="*/ 1696 w 1135066"/>
-                <a:gd name="connsiteY4" fmla="*/ 16827 h 477997"/>
-              </a:gdLst>
-              <a:ahLst/>
-              <a:cxnLst>
-                <a:cxn ang="0">
-                  <a:pos x="connsiteX0" y="connsiteY0"/>
-                </a:cxn>
-                <a:cxn ang="0">
-                  <a:pos x="connsiteX1" y="connsiteY1"/>
-                </a:cxn>
-                <a:cxn ang="0">
-                  <a:pos x="connsiteX2" y="connsiteY2"/>
-                </a:cxn>
-                <a:cxn ang="0">
-                  <a:pos x="connsiteX3" y="connsiteY3"/>
-                </a:cxn>
-                <a:cxn ang="0">
-                  <a:pos x="connsiteX4" y="connsiteY4"/>
-                </a:cxn>
-              </a:cxnLst>
-              <a:rect l="l" t="t" r="r" b="b"/>
-              <a:pathLst>
-                <a:path w="1135066" h="477997">
-                  <a:moveTo>
-                    <a:pt x="0" y="0"/>
-                  </a:moveTo>
-                  <a:lnTo>
-                    <a:pt x="1135066" y="0"/>
-                  </a:lnTo>
-                  <a:lnTo>
-                    <a:pt x="1133370" y="16827"/>
-                  </a:lnTo>
-                  <a:cubicBezTo>
-                    <a:pt x="1079514" y="280016"/>
-                    <a:pt x="846644" y="477997"/>
-                    <a:pt x="567533" y="477997"/>
-                  </a:cubicBezTo>
-                  <a:cubicBezTo>
-                    <a:pt x="288422" y="477997"/>
-                    <a:pt x="55552" y="280016"/>
-                    <a:pt x="1696" y="16827"/>
-                  </a:cubicBezTo>
-                  <a:close/>
-                </a:path>
-              </a:pathLst>
-            </a:custGeom>
-            <a:solidFill>
-              <a:schemeClr val="accent4"/>
-            </a:solidFill>
-            <a:ln>
-              <a:noFill/>
-            </a:ln>
-          </p:spPr>
-          <p:style>
-            <a:lnRef idx="2">
-              <a:schemeClr val="accent1">
-                <a:shade val="50000"/>
-              </a:schemeClr>
-            </a:lnRef>
-            <a:fillRef idx="1">
-              <a:schemeClr val="accent1"/>
-            </a:fillRef>
-            <a:effectRef idx="0">
-              <a:schemeClr val="accent1"/>
-            </a:effectRef>
-            <a:fontRef idx="minor">
-              <a:schemeClr val="lt1"/>
-            </a:fontRef>
-          </p:style>
-          <p:txBody>
-            <a:bodyPr wrap="square" rtlCol="0" anchor="ctr">
-              <a:noAutofit/>
-            </a:bodyPr>
-            <a:lstStyle/>
-            <a:p>
-              <a:pPr marL="0" marR="0" lvl="0" indent="0" algn="ctr" defTabSz="914400" rtl="0" eaLnBrk="1" fontAlgn="auto" latinLnBrk="0" hangingPunct="1">
-                <a:lnSpc>
-                  <a:spcPct val="100000"/>
-                </a:lnSpc>
-                <a:spcBef>
-                  <a:spcPts val="0"/>
-                </a:spcBef>
-                <a:spcAft>
-                  <a:spcPts val="0"/>
-                </a:spcAft>
-                <a:buClrTx/>
-                <a:buSzTx/>
-                <a:buFontTx/>
-                <a:buNone/>
-                <a:tabLst/>
-                <a:defRPr/>
-              </a:pPr>
-              <a:endParaRPr kumimoji="0" lang="en-US" sz="1800" b="0" i="0" u="none" strike="noStrike" kern="1200" cap="none" spc="0" normalizeH="0" baseline="0" noProof="0" dirty="0">
-                <a:ln>
-                  <a:noFill/>
-                </a:ln>
-                <a:solidFill>
-                  <a:prstClr val="white"/>
-                </a:solidFill>
-                <a:effectLst/>
-                <a:uLnTx/>
-                <a:uFillTx/>
-                <a:latin typeface="Calibri" panose="020F0502020204030204"/>
-                <a:ea typeface="+mn-ea"/>
-                <a:cs typeface="+mn-cs"/>
-              </a:endParaRPr>
-            </a:p>
-          </p:txBody>
-        </p:sp>
-      </p:grpSp>
-      <p:sp>
-        <p:nvSpPr>
-          <p:cNvPr id="2" name="Title 1">
-            <a:extLst>
-              <a:ext uri="{FF2B5EF4-FFF2-40B4-BE49-F238E27FC236}">
-                <a16:creationId xmlns:a16="http://schemas.microsoft.com/office/drawing/2014/main" id="{0C40C44A-93E6-6C58-5E88-AFDC594EC27A}"/>
-              </a:ext>
-            </a:extLst>
-          </p:cNvPr>
-          <p:cNvSpPr>
-            <a:spLocks noGrp="1"/>
-          </p:cNvSpPr>
-          <p:nvPr>
-            <p:ph type="title" hasCustomPrompt="1"/>
-          </p:nvPr>
-        </p:nvSpPr>
-        <p:spPr/>
-        <p:txBody>
-          <a:bodyPr anchor="ctr" anchorCtr="0">
-            <a:noAutofit/>
-          </a:bodyPr>
-          <a:lstStyle>
-            <a:lvl1pPr>
-              <a:defRPr/>
-            </a:lvl1pPr>
-          </a:lstStyle>
-          <a:p>
-            <a:r>
-              <a:rPr lang="en-US" dirty="0"/>
-              <a:t>Click to add title</a:t>
-            </a:r>
-          </a:p>
-        </p:txBody>
-      </p:sp>
-      <p:sp>
-        <p:nvSpPr>
-          <p:cNvPr id="3" name="Content Placeholder 2">
-            <a:extLst>
-              <a:ext uri="{FF2B5EF4-FFF2-40B4-BE49-F238E27FC236}">
-                <a16:creationId xmlns:a16="http://schemas.microsoft.com/office/drawing/2014/main" id="{0C813049-5F46-053E-6279-8183259649A6}"/>
-              </a:ext>
-            </a:extLst>
-          </p:cNvPr>
-          <p:cNvSpPr>
-            <a:spLocks noGrp="1"/>
-          </p:cNvSpPr>
-          <p:nvPr>
-            <p:ph sz="half" idx="1" hasCustomPrompt="1"/>
-          </p:nvPr>
-        </p:nvSpPr>
-        <p:spPr>
-          <a:xfrm>
-            <a:off x="838200" y="1825625"/>
-            <a:ext cx="2882462" cy="4297678"/>
-          </a:xfrm>
-        </p:spPr>
-        <p:txBody>
-          <a:bodyPr>
-            <a:normAutofit/>
-          </a:bodyPr>
-          <a:lstStyle>
-            <a:lvl1pPr marL="0" indent="0">
-              <a:spcBef>
-                <a:spcPts val="1000"/>
-              </a:spcBef>
-              <a:spcAft>
-                <a:spcPts val="800"/>
-              </a:spcAft>
-              <a:buNone/>
-              <a:defRPr sz="1800"/>
-            </a:lvl1pPr>
-            <a:lvl2pPr marL="742950" indent="-285750">
-              <a:spcBef>
-                <a:spcPts val="1000"/>
-              </a:spcBef>
-              <a:spcAft>
-                <a:spcPts val="800"/>
-              </a:spcAft>
-              <a:buClr>
-                <a:schemeClr val="accent2"/>
-              </a:buClr>
-              <a:buFont typeface="Arial" panose="020B0604020202020204" pitchFamily="34" charset="0"/>
-              <a:buChar char="•"/>
-              <a:defRPr sz="1600"/>
-            </a:lvl2pPr>
-            <a:lvl3pPr marL="1200150" indent="-285750">
-              <a:spcBef>
-                <a:spcPts val="1000"/>
-              </a:spcBef>
-              <a:spcAft>
-                <a:spcPts val="800"/>
-              </a:spcAft>
-              <a:buClr>
-                <a:schemeClr val="accent2"/>
-              </a:buClr>
-              <a:buFont typeface="Arial" panose="020B0604020202020204" pitchFamily="34" charset="0"/>
-              <a:buChar char="•"/>
-              <a:defRPr sz="1400"/>
-            </a:lvl3pPr>
-            <a:lvl4pPr marL="1543050" indent="-171450">
-              <a:spcBef>
-                <a:spcPts val="1000"/>
-              </a:spcBef>
-              <a:spcAft>
-                <a:spcPts val="800"/>
-              </a:spcAft>
-              <a:buClr>
-                <a:schemeClr val="accent2"/>
-              </a:buClr>
-              <a:buFont typeface="Arial" panose="020B0604020202020204" pitchFamily="34" charset="0"/>
-              <a:buChar char="•"/>
-              <a:defRPr sz="1200"/>
-            </a:lvl4pPr>
-            <a:lvl5pPr marL="2000250" indent="-171450">
-              <a:spcBef>
-                <a:spcPts val="1000"/>
-              </a:spcBef>
-              <a:spcAft>
-                <a:spcPts val="800"/>
-              </a:spcAft>
-              <a:buClr>
-                <a:schemeClr val="accent2"/>
-              </a:buClr>
-              <a:buFont typeface="Arial" panose="020B0604020202020204" pitchFamily="34" charset="0"/>
-              <a:buChar char="•"/>
-              <a:defRPr sz="1200"/>
-            </a:lvl5pPr>
-          </a:lstStyle>
-          <a:p>
-            <a:pPr lvl="0"/>
-            <a:r>
-              <a:rPr lang="en-US" dirty="0"/>
-              <a:t>Click to add content</a:t>
-            </a:r>
-          </a:p>
-          <a:p>
-            <a:pPr lvl="1"/>
-            <a:r>
-              <a:rPr lang="en-US" dirty="0"/>
-              <a:t>Second level</a:t>
-            </a:r>
-          </a:p>
-          <a:p>
-            <a:pPr lvl="2"/>
-            <a:r>
-              <a:rPr lang="en-US" dirty="0"/>
-              <a:t>Third level</a:t>
-            </a:r>
-          </a:p>
-          <a:p>
-            <a:pPr lvl="3"/>
-            <a:r>
-              <a:rPr lang="en-US" dirty="0"/>
-              <a:t>Fourth level</a:t>
-            </a:r>
-          </a:p>
-          <a:p>
-            <a:pPr lvl="4"/>
-            <a:r>
-              <a:rPr lang="en-US" dirty="0"/>
-              <a:t>Fifth level</a:t>
-            </a:r>
-          </a:p>
-        </p:txBody>
-      </p:sp>
-      <p:sp>
-        <p:nvSpPr>
-          <p:cNvPr id="8" name="Table Placeholder 7">
-            <a:extLst>
-              <a:ext uri="{FF2B5EF4-FFF2-40B4-BE49-F238E27FC236}">
-                <a16:creationId xmlns:a16="http://schemas.microsoft.com/office/drawing/2014/main" id="{423FEB60-8FB5-7F10-EDD7-8AB4B3139EF6}"/>
-              </a:ext>
-            </a:extLst>
-          </p:cNvPr>
-          <p:cNvSpPr>
-            <a:spLocks noGrp="1"/>
-          </p:cNvSpPr>
-          <p:nvPr>
-            <p:ph type="tbl" sz="quarter" idx="13"/>
-          </p:nvPr>
-        </p:nvSpPr>
-        <p:spPr>
-          <a:xfrm>
-            <a:off x="4038599" y="1825625"/>
-            <a:ext cx="7315199" cy="4297680"/>
-          </a:xfrm>
-        </p:spPr>
-        <p:txBody>
-          <a:bodyPr>
-            <a:normAutofit/>
-          </a:bodyPr>
-          <a:lstStyle>
-            <a:lvl1pPr marL="0" indent="0">
-              <a:buNone/>
-              <a:defRPr sz="2400"/>
-            </a:lvl1pPr>
-          </a:lstStyle>
-          <a:p>
-            <a:r>
-              <a:rPr lang="en-US"/>
-              <a:t>Click icon to add table</a:t>
-            </a:r>
-            <a:endParaRPr lang="en-US" dirty="0"/>
-          </a:p>
-        </p:txBody>
-      </p:sp>
-      <p:sp>
-        <p:nvSpPr>
-          <p:cNvPr id="5" name="Date Placeholder 4">
-            <a:extLst>
-              <a:ext uri="{FF2B5EF4-FFF2-40B4-BE49-F238E27FC236}">
-                <a16:creationId xmlns:a16="http://schemas.microsoft.com/office/drawing/2014/main" id="{C6CFCEB5-4092-FD13-478E-51CD74FDB82E}"/>
-              </a:ext>
-            </a:extLst>
-          </p:cNvPr>
-          <p:cNvSpPr>
-            <a:spLocks noGrp="1"/>
-          </p:cNvSpPr>
-          <p:nvPr>
-            <p:ph type="dt" sz="half" idx="10"/>
-          </p:nvPr>
-        </p:nvSpPr>
-        <p:spPr/>
-        <p:txBody>
-          <a:bodyPr/>
-          <a:lstStyle/>
-          <a:p>
-            <a:fld id="{D6D8061D-18C3-4F4F-85EF-561633F58754}" type="datetimeFigureOut">
-              <a:rPr lang="en-US" smtClean="0"/>
-              <a:t>7/22/2024</a:t>
-            </a:fld>
-            <a:endParaRPr lang="en-US" dirty="0"/>
-          </a:p>
-        </p:txBody>
-      </p:sp>
-      <p:sp>
-        <p:nvSpPr>
-          <p:cNvPr id="6" name="Footer Placeholder 5">
-            <a:extLst>
-              <a:ext uri="{FF2B5EF4-FFF2-40B4-BE49-F238E27FC236}">
-                <a16:creationId xmlns:a16="http://schemas.microsoft.com/office/drawing/2014/main" id="{5D077A4D-E7C0-912D-293F-D93F0CB5CA49}"/>
-              </a:ext>
-            </a:extLst>
-          </p:cNvPr>
-          <p:cNvSpPr>
-            <a:spLocks noGrp="1"/>
-          </p:cNvSpPr>
-          <p:nvPr>
-            <p:ph type="ftr" sz="quarter" idx="11"/>
-          </p:nvPr>
-        </p:nvSpPr>
-        <p:spPr/>
-        <p:txBody>
-          <a:bodyPr/>
-          <a:lstStyle/>
-          <a:p>
-            <a:endParaRPr lang="en-US" dirty="0"/>
-          </a:p>
-        </p:txBody>
-      </p:sp>
-      <p:sp>
-        <p:nvSpPr>
-          <p:cNvPr id="7" name="Slide Number Placeholder 6">
-            <a:extLst>
-              <a:ext uri="{FF2B5EF4-FFF2-40B4-BE49-F238E27FC236}">
-                <a16:creationId xmlns:a16="http://schemas.microsoft.com/office/drawing/2014/main" id="{CA6AA9E1-334B-5F8F-8A92-67DD095F7838}"/>
-              </a:ext>
-            </a:extLst>
-          </p:cNvPr>
-          <p:cNvSpPr>
-            <a:spLocks noGrp="1"/>
-          </p:cNvSpPr>
-          <p:nvPr>
-            <p:ph type="sldNum" sz="quarter" idx="12"/>
-          </p:nvPr>
-        </p:nvSpPr>
-        <p:spPr/>
-        <p:txBody>
-          <a:bodyPr/>
-          <a:lstStyle/>
-          <a:p>
-            <a:fld id="{CBD12358-51D2-46B3-9BDE-DF29528B9454}" type="slidenum">
-              <a:rPr lang="en-US" smtClean="0"/>
-              <a:t>‹#›</a:t>
-            </a:fld>
-            <a:endParaRPr lang="en-US" dirty="0"/>
-          </a:p>
-        </p:txBody>
-      </p:sp>
-    </p:spTree>
-    <p:extLst>
-      <p:ext uri="{BB962C8B-B14F-4D97-AF65-F5344CB8AC3E}">
-        <p14:creationId xmlns:p14="http://schemas.microsoft.com/office/powerpoint/2010/main" val="495194988"/>
-      </p:ext>
-    </p:extLst>
-  </p:cSld>
-  <p:clrMapOvr>
-    <a:masterClrMapping/>
-  </p:clrMapOvr>
-</p:sldLayout>
-</file>
-
-<file path=ppt/slideLayouts/slideLayout27.xml><?xml version="1.0" encoding="utf-8"?>
-<p:sldLayout xmlns:a="http://schemas.openxmlformats.org/drawingml/2006/main" xmlns:r="http://schemas.openxmlformats.org/officeDocument/2006/relationships" xmlns:p="http://schemas.openxmlformats.org/presentationml/2006/main" userDrawn="1">
-  <p:cSld name="Two Content 3">
-    <p:spTree>
-      <p:nvGrpSpPr>
-        <p:cNvPr id="1" name=""/>
-        <p:cNvGrpSpPr/>
-        <p:nvPr/>
-      </p:nvGrpSpPr>
-      <p:grpSpPr>
-        <a:xfrm>
-          <a:off x="0" y="0"/>
-          <a:ext cx="0" cy="0"/>
-          <a:chOff x="0" y="0"/>
-          <a:chExt cx="0" cy="0"/>
-        </a:xfrm>
-      </p:grpSpPr>
-      <p:sp>
-        <p:nvSpPr>
-          <p:cNvPr id="11" name="Rectangle 10">
-            <a:extLst>
-              <a:ext uri="{FF2B5EF4-FFF2-40B4-BE49-F238E27FC236}">
-                <a16:creationId xmlns:a16="http://schemas.microsoft.com/office/drawing/2014/main" id="{D9FE4C84-13A1-72EA-6541-7C8FDDEA71C0}"/>
-              </a:ext>
-              <a:ext uri="{C183D7F6-B498-43B3-948B-1728B52AA6E4}">
-                <adec:decorative xmlns:adec="http://schemas.microsoft.com/office/drawing/2017/decorative" val="1"/>
-              </a:ext>
-            </a:extLst>
-          </p:cNvPr>
-          <p:cNvSpPr/>
-          <p:nvPr userDrawn="1"/>
-        </p:nvSpPr>
-        <p:spPr>
-          <a:xfrm>
-            <a:off x="361563" y="5800859"/>
-            <a:ext cx="692016" cy="692016"/>
-          </a:xfrm>
-          <a:prstGeom prst="rect">
-            <a:avLst/>
-          </a:prstGeom>
-          <a:noFill/>
-          <a:ln w="127000">
-            <a:solidFill>
-              <a:schemeClr val="accent6"/>
-            </a:solidFill>
-            <a:round/>
-          </a:ln>
-        </p:spPr>
-        <p:style>
-          <a:lnRef idx="2">
-            <a:schemeClr val="accent1">
-              <a:shade val="50000"/>
-            </a:schemeClr>
-          </a:lnRef>
-          <a:fillRef idx="1">
-            <a:schemeClr val="accent1"/>
-          </a:fillRef>
-          <a:effectRef idx="0">
-            <a:schemeClr val="accent1"/>
-          </a:effectRef>
-          <a:fontRef idx="minor">
-            <a:schemeClr val="lt1"/>
-          </a:fontRef>
-        </p:style>
-        <p:txBody>
-          <a:bodyPr rtlCol="0" anchor="ctr"/>
-          <a:lstStyle/>
-          <a:p>
-            <a:pPr marL="0" marR="0" lvl="0" indent="0" algn="ctr" defTabSz="914400" rtl="0" eaLnBrk="1" fontAlgn="auto" latinLnBrk="0" hangingPunct="1">
-              <a:lnSpc>
-                <a:spcPct val="100000"/>
-              </a:lnSpc>
-              <a:spcBef>
-                <a:spcPts val="0"/>
-              </a:spcBef>
-              <a:spcAft>
-                <a:spcPts val="0"/>
-              </a:spcAft>
-              <a:buClrTx/>
-              <a:buSzTx/>
-              <a:buFontTx/>
-              <a:buNone/>
-              <a:tabLst/>
-              <a:defRPr/>
-            </a:pPr>
-            <a:endParaRPr kumimoji="0" lang="en-US" sz="1800" b="0" i="0" u="none" strike="noStrike" kern="1200" cap="none" spc="0" normalizeH="0" baseline="0" noProof="0" dirty="0">
-              <a:ln>
-                <a:noFill/>
-              </a:ln>
-              <a:solidFill>
-                <a:srgbClr val="FFFFFF"/>
-              </a:solidFill>
-              <a:effectLst/>
-              <a:uLnTx/>
-              <a:uFillTx/>
-              <a:latin typeface="Calibri" panose="020F0502020204030204"/>
-              <a:ea typeface="+mn-ea"/>
-              <a:cs typeface="+mn-cs"/>
-            </a:endParaRPr>
-          </a:p>
-        </p:txBody>
-      </p:sp>
-      <p:sp>
-        <p:nvSpPr>
-          <p:cNvPr id="12" name="Arc 11">
-            <a:extLst>
-              <a:ext uri="{FF2B5EF4-FFF2-40B4-BE49-F238E27FC236}">
-                <a16:creationId xmlns:a16="http://schemas.microsoft.com/office/drawing/2014/main" id="{30468883-4E51-D3BD-E1C6-601ED9B6EF0E}"/>
-              </a:ext>
-              <a:ext uri="{C183D7F6-B498-43B3-948B-1728B52AA6E4}">
-                <adec:decorative xmlns:adec="http://schemas.microsoft.com/office/drawing/2017/decorative" val="1"/>
-              </a:ext>
-            </a:extLst>
-          </p:cNvPr>
-          <p:cNvSpPr/>
-          <p:nvPr userDrawn="1"/>
-        </p:nvSpPr>
-        <p:spPr>
-          <a:xfrm rot="21438747" flipV="1">
-            <a:off x="7967025" y="2530995"/>
-            <a:ext cx="4021193" cy="4021193"/>
-          </a:xfrm>
-          <a:prstGeom prst="arc">
-            <a:avLst>
-              <a:gd name="adj1" fmla="val 16200000"/>
-              <a:gd name="adj2" fmla="val 20093138"/>
-            </a:avLst>
-          </a:prstGeom>
-          <a:ln w="127000" cap="rnd">
-            <a:solidFill>
-              <a:schemeClr val="accent4"/>
-            </a:solidFill>
-            <a:prstDash val="dash"/>
-          </a:ln>
-        </p:spPr>
-        <p:style>
-          <a:lnRef idx="1">
-            <a:schemeClr val="accent1"/>
-          </a:lnRef>
-          <a:fillRef idx="0">
-            <a:schemeClr val="accent1"/>
-          </a:fillRef>
-          <a:effectRef idx="0">
-            <a:schemeClr val="accent1"/>
-          </a:effectRef>
-          <a:fontRef idx="minor">
-            <a:schemeClr val="tx1"/>
-          </a:fontRef>
-        </p:style>
-        <p:txBody>
-          <a:bodyPr rtlCol="0" anchor="ctr"/>
-          <a:lstStyle/>
-          <a:p>
-            <a:pPr marL="0" marR="0" lvl="0" indent="0" algn="ctr" defTabSz="914400" rtl="0" eaLnBrk="1" fontAlgn="auto" latinLnBrk="0" hangingPunct="1">
-              <a:lnSpc>
-                <a:spcPct val="100000"/>
-              </a:lnSpc>
-              <a:spcBef>
-                <a:spcPts val="0"/>
-              </a:spcBef>
-              <a:spcAft>
-                <a:spcPts val="0"/>
-              </a:spcAft>
-              <a:buClrTx/>
-              <a:buSzTx/>
-              <a:buFontTx/>
-              <a:buNone/>
-              <a:tabLst/>
-              <a:defRPr/>
-            </a:pPr>
-            <a:endParaRPr kumimoji="0" lang="en-US" sz="1800" b="0" i="0" u="none" strike="noStrike" kern="1200" cap="none" spc="0" normalizeH="0" baseline="0" noProof="0" dirty="0">
-              <a:ln>
-                <a:noFill/>
-              </a:ln>
-              <a:solidFill>
-                <a:prstClr val="black"/>
-              </a:solidFill>
-              <a:effectLst/>
-              <a:uLnTx/>
-              <a:uFillTx/>
-              <a:latin typeface="Calibri" panose="020F0502020204030204"/>
-              <a:ea typeface="+mn-ea"/>
-              <a:cs typeface="+mn-cs"/>
-            </a:endParaRPr>
-          </a:p>
-        </p:txBody>
-      </p:sp>
-      <p:sp>
-        <p:nvSpPr>
-          <p:cNvPr id="13" name="Freeform 9">
-            <a:extLst>
-              <a:ext uri="{FF2B5EF4-FFF2-40B4-BE49-F238E27FC236}">
-                <a16:creationId xmlns:a16="http://schemas.microsoft.com/office/drawing/2014/main" id="{111AEF3F-9A86-45CE-4817-E3E6863DC09A}"/>
-              </a:ext>
-              <a:ext uri="{C183D7F6-B498-43B3-948B-1728B52AA6E4}">
-                <adec:decorative xmlns:adec="http://schemas.microsoft.com/office/drawing/2017/decorative" val="1"/>
-              </a:ext>
-            </a:extLst>
-          </p:cNvPr>
-          <p:cNvSpPr/>
-          <p:nvPr userDrawn="1"/>
-        </p:nvSpPr>
-        <p:spPr>
-          <a:xfrm flipH="1">
-            <a:off x="11764789" y="390570"/>
-            <a:ext cx="437721" cy="797078"/>
-          </a:xfrm>
-          <a:custGeom>
-            <a:avLst/>
-            <a:gdLst>
-              <a:gd name="connsiteX0" fmla="*/ 28069 w 437721"/>
-              <a:gd name="connsiteY0" fmla="*/ 0 h 797078"/>
-              <a:gd name="connsiteX1" fmla="*/ 437721 w 437721"/>
-              <a:gd name="connsiteY1" fmla="*/ 398539 h 797078"/>
-              <a:gd name="connsiteX2" fmla="*/ 28069 w 437721"/>
-              <a:gd name="connsiteY2" fmla="*/ 797078 h 797078"/>
-              <a:gd name="connsiteX3" fmla="*/ 0 w 437721"/>
-              <a:gd name="connsiteY3" fmla="*/ 794325 h 797078"/>
-              <a:gd name="connsiteX4" fmla="*/ 0 w 437721"/>
-              <a:gd name="connsiteY4" fmla="*/ 2753 h 797078"/>
-              <a:gd name="connsiteX5" fmla="*/ 28069 w 437721"/>
-              <a:gd name="connsiteY5" fmla="*/ 0 h 797078"/>
-            </a:gdLst>
-            <a:ahLst/>
-            <a:cxnLst>
-              <a:cxn ang="0">
-                <a:pos x="connsiteX0" y="connsiteY0"/>
-              </a:cxn>
-              <a:cxn ang="0">
-                <a:pos x="connsiteX1" y="connsiteY1"/>
-              </a:cxn>
-              <a:cxn ang="0">
-                <a:pos x="connsiteX2" y="connsiteY2"/>
-              </a:cxn>
-              <a:cxn ang="0">
-                <a:pos x="connsiteX3" y="connsiteY3"/>
-              </a:cxn>
-              <a:cxn ang="0">
-                <a:pos x="connsiteX4" y="connsiteY4"/>
-              </a:cxn>
-              <a:cxn ang="0">
-                <a:pos x="connsiteX5" y="connsiteY5"/>
-              </a:cxn>
-            </a:cxnLst>
-            <a:rect l="l" t="t" r="r" b="b"/>
-            <a:pathLst>
-              <a:path w="437721" h="797078">
-                <a:moveTo>
-                  <a:pt x="28069" y="0"/>
-                </a:moveTo>
-                <a:cubicBezTo>
-                  <a:pt x="254314" y="0"/>
-                  <a:pt x="437721" y="178432"/>
-                  <a:pt x="437721" y="398539"/>
-                </a:cubicBezTo>
-                <a:cubicBezTo>
-                  <a:pt x="437721" y="618646"/>
-                  <a:pt x="254314" y="797078"/>
-                  <a:pt x="28069" y="797078"/>
-                </a:cubicBezTo>
-                <a:lnTo>
-                  <a:pt x="0" y="794325"/>
-                </a:lnTo>
-                <a:lnTo>
-                  <a:pt x="0" y="2753"/>
-                </a:lnTo>
-                <a:lnTo>
-                  <a:pt x="28069" y="0"/>
-                </a:lnTo>
-                <a:close/>
-              </a:path>
-            </a:pathLst>
-          </a:custGeom>
-          <a:solidFill>
-            <a:schemeClr val="accent5"/>
-          </a:solidFill>
-          <a:ln>
-            <a:noFill/>
-          </a:ln>
-        </p:spPr>
-        <p:style>
-          <a:lnRef idx="2">
-            <a:schemeClr val="accent1">
-              <a:shade val="15000"/>
-            </a:schemeClr>
-          </a:lnRef>
-          <a:fillRef idx="1">
-            <a:schemeClr val="accent1"/>
-          </a:fillRef>
-          <a:effectRef idx="0">
-            <a:schemeClr val="accent1"/>
-          </a:effectRef>
-          <a:fontRef idx="minor">
-            <a:schemeClr val="lt1"/>
-          </a:fontRef>
-        </p:style>
-        <p:txBody>
-          <a:bodyPr wrap="square" rtlCol="0" anchor="ctr">
-            <a:noAutofit/>
-          </a:bodyPr>
-          <a:lstStyle/>
-          <a:p>
-            <a:pPr algn="ctr"/>
-            <a:endParaRPr lang="en-US" dirty="0"/>
-          </a:p>
-        </p:txBody>
-      </p:sp>
-      <p:sp>
-        <p:nvSpPr>
-          <p:cNvPr id="2" name="Title 1">
-            <a:extLst>
-              <a:ext uri="{FF2B5EF4-FFF2-40B4-BE49-F238E27FC236}">
-                <a16:creationId xmlns:a16="http://schemas.microsoft.com/office/drawing/2014/main" id="{0C40C44A-93E6-6C58-5E88-AFDC594EC27A}"/>
-              </a:ext>
-            </a:extLst>
-          </p:cNvPr>
-          <p:cNvSpPr>
-            <a:spLocks noGrp="1"/>
-          </p:cNvSpPr>
-          <p:nvPr>
-            <p:ph type="title" hasCustomPrompt="1"/>
-          </p:nvPr>
-        </p:nvSpPr>
-        <p:spPr/>
-        <p:txBody>
-          <a:bodyPr anchor="ctr" anchorCtr="0">
-            <a:noAutofit/>
-          </a:bodyPr>
-          <a:lstStyle>
-            <a:lvl1pPr>
-              <a:defRPr/>
-            </a:lvl1pPr>
-          </a:lstStyle>
-          <a:p>
-            <a:r>
-              <a:rPr lang="en-US" dirty="0"/>
-              <a:t>Click to add title</a:t>
-            </a:r>
-          </a:p>
-        </p:txBody>
-      </p:sp>
-      <p:sp>
-        <p:nvSpPr>
-          <p:cNvPr id="9" name="Content Placeholder 2">
-            <a:extLst>
-              <a:ext uri="{FF2B5EF4-FFF2-40B4-BE49-F238E27FC236}">
-                <a16:creationId xmlns:a16="http://schemas.microsoft.com/office/drawing/2014/main" id="{F5A792C8-BB21-CDAF-668C-C1EFF45540C6}"/>
-              </a:ext>
-            </a:extLst>
-          </p:cNvPr>
-          <p:cNvSpPr>
-            <a:spLocks noGrp="1"/>
-          </p:cNvSpPr>
-          <p:nvPr>
-            <p:ph sz="half" idx="13" hasCustomPrompt="1"/>
-          </p:nvPr>
-        </p:nvSpPr>
-        <p:spPr>
-          <a:xfrm>
-            <a:off x="838200" y="1825625"/>
-            <a:ext cx="6934200" cy="4297680"/>
-          </a:xfrm>
-          <a:noFill/>
-        </p:spPr>
-        <p:txBody>
-          <a:bodyPr vert="horz" lIns="91440" tIns="45720" rIns="91440" bIns="45720" rtlCol="0" anchor="t">
-            <a:normAutofit/>
-          </a:bodyPr>
-          <a:lstStyle>
-            <a:lvl1pPr marL="0" indent="0">
-              <a:spcBef>
-                <a:spcPts val="1000"/>
-              </a:spcBef>
-              <a:spcAft>
-                <a:spcPts val="800"/>
-              </a:spcAft>
-              <a:buNone/>
-              <a:defRPr sz="1800"/>
-            </a:lvl1pPr>
-            <a:lvl2pPr>
-              <a:spcBef>
-                <a:spcPts val="500"/>
-              </a:spcBef>
-              <a:spcAft>
-                <a:spcPts val="800"/>
-              </a:spcAft>
-              <a:buClr>
-                <a:schemeClr val="accent2"/>
-              </a:buClr>
-              <a:defRPr sz="1800"/>
-            </a:lvl2pPr>
-            <a:lvl3pPr>
-              <a:spcBef>
-                <a:spcPts val="1000"/>
-              </a:spcBef>
-              <a:buClr>
-                <a:schemeClr val="accent2"/>
-              </a:buClr>
-              <a:defRPr sz="1800"/>
-            </a:lvl3pPr>
-            <a:lvl4pPr>
-              <a:spcBef>
-                <a:spcPts val="1000"/>
-              </a:spcBef>
-              <a:buClr>
-                <a:schemeClr val="accent2"/>
-              </a:buClr>
-              <a:defRPr sz="1800"/>
-            </a:lvl4pPr>
-            <a:lvl5pPr>
-              <a:spcBef>
-                <a:spcPts val="1000"/>
-              </a:spcBef>
-              <a:buClr>
-                <a:schemeClr val="accent2"/>
-              </a:buClr>
-              <a:defRPr sz="1800"/>
-            </a:lvl5pPr>
-          </a:lstStyle>
-          <a:p>
-            <a:pPr lvl="0"/>
-            <a:r>
-              <a:rPr lang="en-US" dirty="0"/>
-              <a:t>Click to add content</a:t>
-            </a:r>
-          </a:p>
-          <a:p>
-            <a:pPr lvl="1"/>
-            <a:r>
-              <a:rPr lang="en-US" dirty="0"/>
-              <a:t>Second level</a:t>
-            </a:r>
-          </a:p>
-          <a:p>
-            <a:pPr lvl="2"/>
-            <a:r>
-              <a:rPr lang="en-US" dirty="0"/>
-              <a:t>Third level</a:t>
-            </a:r>
-          </a:p>
-          <a:p>
-            <a:pPr lvl="3"/>
-            <a:r>
-              <a:rPr lang="en-US" dirty="0"/>
-              <a:t>Fourth level</a:t>
-            </a:r>
-          </a:p>
-          <a:p>
-            <a:pPr lvl="4"/>
-            <a:r>
-              <a:rPr lang="en-US" dirty="0"/>
-              <a:t>Fifth level</a:t>
-            </a:r>
-            <a:endParaRPr lang="en-US" sz="1800" dirty="0">
-              <a:latin typeface="Avenir Next LT Pro" panose="020B0504020202020204" pitchFamily="34" charset="77"/>
-            </a:endParaRPr>
-          </a:p>
-        </p:txBody>
-      </p:sp>
-      <p:sp>
-        <p:nvSpPr>
-          <p:cNvPr id="4" name="Content Placeholder 3">
-            <a:extLst>
-              <a:ext uri="{FF2B5EF4-FFF2-40B4-BE49-F238E27FC236}">
-                <a16:creationId xmlns:a16="http://schemas.microsoft.com/office/drawing/2014/main" id="{72DFB03A-367B-9ADA-8071-E22871EC115F}"/>
-              </a:ext>
-            </a:extLst>
-          </p:cNvPr>
-          <p:cNvSpPr>
-            <a:spLocks noGrp="1"/>
-          </p:cNvSpPr>
-          <p:nvPr>
-            <p:ph sz="half" idx="2" hasCustomPrompt="1"/>
-          </p:nvPr>
-        </p:nvSpPr>
-        <p:spPr>
-          <a:xfrm>
-            <a:off x="7903029" y="1825625"/>
-            <a:ext cx="3450771" cy="4297680"/>
-          </a:xfrm>
-        </p:spPr>
-        <p:txBody>
-          <a:bodyPr>
-            <a:normAutofit/>
-          </a:bodyPr>
-          <a:lstStyle>
-            <a:lvl1pPr marL="0" indent="0">
-              <a:spcBef>
-                <a:spcPts val="1000"/>
-              </a:spcBef>
-              <a:spcAft>
-                <a:spcPts val="800"/>
-              </a:spcAft>
-              <a:buNone/>
-              <a:defRPr sz="1800"/>
-            </a:lvl1pPr>
-            <a:lvl2pPr marL="742950" indent="-285750">
-              <a:spcBef>
-                <a:spcPts val="1000"/>
-              </a:spcBef>
-              <a:spcAft>
-                <a:spcPts val="800"/>
-              </a:spcAft>
-              <a:buClr>
-                <a:schemeClr val="accent2"/>
-              </a:buClr>
-              <a:buFont typeface="Arial" panose="020B0604020202020204" pitchFamily="34" charset="0"/>
-              <a:buChar char="•"/>
-              <a:defRPr sz="1600"/>
-            </a:lvl2pPr>
-            <a:lvl3pPr marL="1200150" indent="-285750">
-              <a:spcBef>
-                <a:spcPts val="1000"/>
-              </a:spcBef>
-              <a:spcAft>
-                <a:spcPts val="800"/>
-              </a:spcAft>
-              <a:buClr>
-                <a:schemeClr val="accent2"/>
-              </a:buClr>
-              <a:buFont typeface="Arial" panose="020B0604020202020204" pitchFamily="34" charset="0"/>
-              <a:buChar char="•"/>
-              <a:defRPr sz="1400"/>
-            </a:lvl3pPr>
-            <a:lvl4pPr marL="1543050" indent="-171450">
-              <a:spcBef>
-                <a:spcPts val="1000"/>
-              </a:spcBef>
-              <a:spcAft>
-                <a:spcPts val="800"/>
-              </a:spcAft>
-              <a:buClr>
-                <a:schemeClr val="accent2"/>
-              </a:buClr>
-              <a:buFont typeface="Arial" panose="020B0604020202020204" pitchFamily="34" charset="0"/>
-              <a:buChar char="•"/>
-              <a:defRPr sz="1200"/>
-            </a:lvl4pPr>
-            <a:lvl5pPr marL="2000250" indent="-171450">
-              <a:spcBef>
-                <a:spcPts val="1000"/>
-              </a:spcBef>
-              <a:spcAft>
-                <a:spcPts val="800"/>
-              </a:spcAft>
-              <a:buClr>
-                <a:schemeClr val="accent2"/>
-              </a:buClr>
-              <a:buFont typeface="Arial" panose="020B0604020202020204" pitchFamily="34" charset="0"/>
-              <a:buChar char="•"/>
-              <a:defRPr sz="1200"/>
-            </a:lvl5pPr>
-          </a:lstStyle>
-          <a:p>
-            <a:pPr lvl="0"/>
-            <a:r>
-              <a:rPr lang="en-US" dirty="0"/>
-              <a:t>Click to add content</a:t>
-            </a:r>
-          </a:p>
-          <a:p>
-            <a:pPr lvl="1"/>
-            <a:r>
-              <a:rPr lang="en-US" dirty="0"/>
-              <a:t>Second level</a:t>
-            </a:r>
-          </a:p>
-          <a:p>
-            <a:pPr lvl="2"/>
-            <a:r>
-              <a:rPr lang="en-US" dirty="0"/>
-              <a:t>Third level</a:t>
-            </a:r>
-          </a:p>
-          <a:p>
-            <a:pPr lvl="3"/>
-            <a:r>
-              <a:rPr lang="en-US" dirty="0"/>
-              <a:t>Fourth level</a:t>
-            </a:r>
-          </a:p>
-          <a:p>
-            <a:pPr lvl="4"/>
-            <a:r>
-              <a:rPr lang="en-US" dirty="0"/>
-              <a:t>Fifth level</a:t>
-            </a:r>
-          </a:p>
-        </p:txBody>
-      </p:sp>
-      <p:sp>
-        <p:nvSpPr>
-          <p:cNvPr id="5" name="Date Placeholder 4">
-            <a:extLst>
-              <a:ext uri="{FF2B5EF4-FFF2-40B4-BE49-F238E27FC236}">
-                <a16:creationId xmlns:a16="http://schemas.microsoft.com/office/drawing/2014/main" id="{C6CFCEB5-4092-FD13-478E-51CD74FDB82E}"/>
-              </a:ext>
-            </a:extLst>
-          </p:cNvPr>
-          <p:cNvSpPr>
-            <a:spLocks noGrp="1"/>
-          </p:cNvSpPr>
-          <p:nvPr>
-            <p:ph type="dt" sz="half" idx="10"/>
-          </p:nvPr>
-        </p:nvSpPr>
-        <p:spPr/>
-        <p:txBody>
-          <a:bodyPr/>
-          <a:lstStyle/>
-          <a:p>
-            <a:fld id="{D6D8061D-18C3-4F4F-85EF-561633F58754}" type="datetimeFigureOut">
-              <a:rPr lang="en-US" smtClean="0"/>
-              <a:t>7/22/2024</a:t>
-            </a:fld>
-            <a:endParaRPr lang="en-US" dirty="0"/>
-          </a:p>
-        </p:txBody>
-      </p:sp>
-      <p:sp>
-        <p:nvSpPr>
-          <p:cNvPr id="6" name="Footer Placeholder 5">
-            <a:extLst>
-              <a:ext uri="{FF2B5EF4-FFF2-40B4-BE49-F238E27FC236}">
-                <a16:creationId xmlns:a16="http://schemas.microsoft.com/office/drawing/2014/main" id="{5D077A4D-E7C0-912D-293F-D93F0CB5CA49}"/>
-              </a:ext>
-            </a:extLst>
-          </p:cNvPr>
-          <p:cNvSpPr>
-            <a:spLocks noGrp="1"/>
-          </p:cNvSpPr>
-          <p:nvPr>
-            <p:ph type="ftr" sz="quarter" idx="11"/>
-          </p:nvPr>
-        </p:nvSpPr>
-        <p:spPr/>
-        <p:txBody>
-          <a:bodyPr/>
-          <a:lstStyle/>
-          <a:p>
-            <a:endParaRPr lang="en-US" dirty="0"/>
-          </a:p>
-        </p:txBody>
-      </p:sp>
-      <p:sp>
-        <p:nvSpPr>
-          <p:cNvPr id="7" name="Slide Number Placeholder 6">
-            <a:extLst>
-              <a:ext uri="{FF2B5EF4-FFF2-40B4-BE49-F238E27FC236}">
-                <a16:creationId xmlns:a16="http://schemas.microsoft.com/office/drawing/2014/main" id="{CA6AA9E1-334B-5F8F-8A92-67DD095F7838}"/>
-              </a:ext>
-            </a:extLst>
-          </p:cNvPr>
-          <p:cNvSpPr>
-            <a:spLocks noGrp="1"/>
-          </p:cNvSpPr>
-          <p:nvPr>
-            <p:ph type="sldNum" sz="quarter" idx="12"/>
-          </p:nvPr>
-        </p:nvSpPr>
-        <p:spPr/>
-        <p:txBody>
-          <a:bodyPr/>
-          <a:lstStyle/>
-          <a:p>
-            <a:fld id="{CBD12358-51D2-46B3-9BDE-DF29528B9454}" type="slidenum">
-              <a:rPr lang="en-US" smtClean="0"/>
-              <a:t>‹#›</a:t>
-            </a:fld>
-            <a:endParaRPr lang="en-US" dirty="0"/>
-          </a:p>
-        </p:txBody>
-      </p:sp>
-    </p:spTree>
-    <p:extLst>
-      <p:ext uri="{BB962C8B-B14F-4D97-AF65-F5344CB8AC3E}">
-        <p14:creationId xmlns:p14="http://schemas.microsoft.com/office/powerpoint/2010/main" val="348245894"/>
-      </p:ext>
-    </p:extLst>
-  </p:cSld>
-  <p:clrMapOvr>
-    <a:masterClrMapping/>
-  </p:clrMapOvr>
-</p:sldLayout>
-</file>
-
-<file path=ppt/slideLayouts/slideLayout28.xml><?xml version="1.0" encoding="utf-8"?>
-<p:sldLayout xmlns:a="http://schemas.openxmlformats.org/drawingml/2006/main" xmlns:r="http://schemas.openxmlformats.org/officeDocument/2006/relationships" xmlns:p="http://schemas.openxmlformats.org/presentationml/2006/main" userDrawn="1">
-  <p:cSld name="Table">
-    <p:spTree>
-      <p:nvGrpSpPr>
-        <p:cNvPr id="1" name=""/>
-        <p:cNvGrpSpPr/>
-        <p:nvPr/>
-      </p:nvGrpSpPr>
-      <p:grpSpPr>
-        <a:xfrm>
-          <a:off x="0" y="0"/>
-          <a:ext cx="0" cy="0"/>
-          <a:chOff x="0" y="0"/>
-          <a:chExt cx="0" cy="0"/>
-        </a:xfrm>
-      </p:grpSpPr>
-      <p:sp>
-        <p:nvSpPr>
-          <p:cNvPr id="2" name="Title 1">
-            <a:extLst>
-              <a:ext uri="{FF2B5EF4-FFF2-40B4-BE49-F238E27FC236}">
-                <a16:creationId xmlns:a16="http://schemas.microsoft.com/office/drawing/2014/main" id="{F657BD59-35CC-9BB3-8621-6FA3356F81AA}"/>
-              </a:ext>
-            </a:extLst>
-          </p:cNvPr>
-          <p:cNvSpPr>
-            <a:spLocks noGrp="1"/>
-          </p:cNvSpPr>
-          <p:nvPr>
-            <p:ph type="title" hasCustomPrompt="1"/>
-          </p:nvPr>
-        </p:nvSpPr>
-        <p:spPr/>
-        <p:txBody>
-          <a:bodyPr anchor="ctr" anchorCtr="0">
-            <a:noAutofit/>
-          </a:bodyPr>
-          <a:lstStyle/>
-          <a:p>
-            <a:r>
-              <a:rPr lang="en-US" dirty="0"/>
-              <a:t>Click to add title</a:t>
-            </a:r>
-          </a:p>
-        </p:txBody>
-      </p:sp>
-      <p:sp>
-        <p:nvSpPr>
-          <p:cNvPr id="4" name="Date Placeholder 3">
-            <a:extLst>
-              <a:ext uri="{FF2B5EF4-FFF2-40B4-BE49-F238E27FC236}">
-                <a16:creationId xmlns:a16="http://schemas.microsoft.com/office/drawing/2014/main" id="{8C56EB0F-63C8-5F75-A333-3413A9DC6F76}"/>
-              </a:ext>
-            </a:extLst>
-          </p:cNvPr>
-          <p:cNvSpPr>
-            <a:spLocks noGrp="1"/>
-          </p:cNvSpPr>
-          <p:nvPr>
-            <p:ph type="dt" sz="half" idx="10"/>
-          </p:nvPr>
-        </p:nvSpPr>
-        <p:spPr/>
-        <p:txBody>
-          <a:bodyPr/>
-          <a:lstStyle/>
-          <a:p>
-            <a:fld id="{D6D8061D-18C3-4F4F-85EF-561633F58754}" type="datetimeFigureOut">
-              <a:rPr lang="en-US" smtClean="0"/>
-              <a:t>7/22/2024</a:t>
-            </a:fld>
-            <a:endParaRPr lang="en-US" dirty="0"/>
-          </a:p>
-        </p:txBody>
-      </p:sp>
-      <p:sp>
-        <p:nvSpPr>
-          <p:cNvPr id="5" name="Footer Placeholder 4">
-            <a:extLst>
-              <a:ext uri="{FF2B5EF4-FFF2-40B4-BE49-F238E27FC236}">
-                <a16:creationId xmlns:a16="http://schemas.microsoft.com/office/drawing/2014/main" id="{4D4DE333-25B4-E092-1CC4-C3D20BA25168}"/>
-              </a:ext>
-            </a:extLst>
-          </p:cNvPr>
-          <p:cNvSpPr>
-            <a:spLocks noGrp="1"/>
-          </p:cNvSpPr>
-          <p:nvPr>
-            <p:ph type="ftr" sz="quarter" idx="11"/>
-          </p:nvPr>
-        </p:nvSpPr>
-        <p:spPr/>
-        <p:txBody>
-          <a:bodyPr/>
-          <a:lstStyle/>
-          <a:p>
-            <a:endParaRPr lang="en-US" dirty="0"/>
-          </a:p>
-        </p:txBody>
-      </p:sp>
-      <p:sp>
-        <p:nvSpPr>
-          <p:cNvPr id="6" name="Slide Number Placeholder 5">
-            <a:extLst>
-              <a:ext uri="{FF2B5EF4-FFF2-40B4-BE49-F238E27FC236}">
-                <a16:creationId xmlns:a16="http://schemas.microsoft.com/office/drawing/2014/main" id="{8F1AF200-E81F-A326-0EDB-4B93C71D9BF4}"/>
-              </a:ext>
-            </a:extLst>
-          </p:cNvPr>
-          <p:cNvSpPr>
-            <a:spLocks noGrp="1"/>
-          </p:cNvSpPr>
-          <p:nvPr>
-            <p:ph type="sldNum" sz="quarter" idx="12"/>
-          </p:nvPr>
-        </p:nvSpPr>
-        <p:spPr/>
-        <p:txBody>
-          <a:bodyPr/>
-          <a:lstStyle/>
-          <a:p>
-            <a:fld id="{CBD12358-51D2-46B3-9BDE-DF29528B9454}" type="slidenum">
-              <a:rPr lang="en-US" smtClean="0"/>
-              <a:t>‹#›</a:t>
-            </a:fld>
-            <a:endParaRPr lang="en-US" dirty="0"/>
-          </a:p>
-        </p:txBody>
-      </p:sp>
-      <p:sp>
-        <p:nvSpPr>
-          <p:cNvPr id="8" name="Table Placeholder 7">
-            <a:extLst>
-              <a:ext uri="{FF2B5EF4-FFF2-40B4-BE49-F238E27FC236}">
-                <a16:creationId xmlns:a16="http://schemas.microsoft.com/office/drawing/2014/main" id="{0CEAFE70-86D3-8690-31CA-F9A1FBA494D0}"/>
-              </a:ext>
-            </a:extLst>
-          </p:cNvPr>
-          <p:cNvSpPr>
-            <a:spLocks noGrp="1"/>
-          </p:cNvSpPr>
-          <p:nvPr>
-            <p:ph type="tbl" sz="quarter" idx="13"/>
-          </p:nvPr>
-        </p:nvSpPr>
-        <p:spPr>
-          <a:xfrm>
-            <a:off x="838199" y="1825625"/>
-            <a:ext cx="10515600" cy="4297680"/>
-          </a:xfrm>
-        </p:spPr>
-        <p:txBody>
-          <a:bodyPr>
-            <a:normAutofit/>
-          </a:bodyPr>
-          <a:lstStyle>
-            <a:lvl1pPr>
-              <a:defRPr sz="2400"/>
-            </a:lvl1pPr>
-          </a:lstStyle>
-          <a:p>
-            <a:r>
-              <a:rPr lang="en-US"/>
-              <a:t>Click icon to add table</a:t>
-            </a:r>
-            <a:endParaRPr lang="en-US" dirty="0"/>
-          </a:p>
-        </p:txBody>
-      </p:sp>
-    </p:spTree>
-    <p:extLst>
-      <p:ext uri="{BB962C8B-B14F-4D97-AF65-F5344CB8AC3E}">
-        <p14:creationId xmlns:p14="http://schemas.microsoft.com/office/powerpoint/2010/main" val="1580084947"/>
-      </p:ext>
-    </p:extLst>
-  </p:cSld>
-  <p:clrMapOvr>
-    <a:masterClrMapping/>
-  </p:clrMapOvr>
-</p:sldLayout>
-</file>
-
-<file path=ppt/slideLayouts/slideLayout29.xml><?xml version="1.0" encoding="utf-8"?>
-<p:sldLayout xmlns:a="http://schemas.openxmlformats.org/drawingml/2006/main" xmlns:r="http://schemas.openxmlformats.org/officeDocument/2006/relationships" xmlns:p="http://schemas.openxmlformats.org/presentationml/2006/main" userDrawn="1">
-  <p:cSld name="Content 3">
-    <p:spTree>
-      <p:nvGrpSpPr>
-        <p:cNvPr id="1" name=""/>
-        <p:cNvGrpSpPr/>
-        <p:nvPr/>
-      </p:nvGrpSpPr>
-      <p:grpSpPr>
-        <a:xfrm>
-          <a:off x="0" y="0"/>
-          <a:ext cx="0" cy="0"/>
-          <a:chOff x="0" y="0"/>
-          <a:chExt cx="0" cy="0"/>
-        </a:xfrm>
-      </p:grpSpPr>
-      <p:grpSp>
-        <p:nvGrpSpPr>
-          <p:cNvPr id="7" name="Group 6">
-            <a:extLst>
-              <a:ext uri="{FF2B5EF4-FFF2-40B4-BE49-F238E27FC236}">
-                <a16:creationId xmlns:a16="http://schemas.microsoft.com/office/drawing/2014/main" id="{D7B7232D-F1A6-B6C3-3BBF-E834CC7CDC8E}"/>
-              </a:ext>
-              <a:ext uri="{C183D7F6-B498-43B3-948B-1728B52AA6E4}">
-                <adec:decorative xmlns:adec="http://schemas.microsoft.com/office/drawing/2017/decorative" val="1"/>
-              </a:ext>
-            </a:extLst>
-          </p:cNvPr>
-          <p:cNvGrpSpPr/>
-          <p:nvPr userDrawn="1"/>
-        </p:nvGrpSpPr>
-        <p:grpSpPr>
-          <a:xfrm>
-            <a:off x="0" y="0"/>
-            <a:ext cx="5930138" cy="6858001"/>
-            <a:chOff x="0" y="-1"/>
-            <a:chExt cx="5930138" cy="6858001"/>
-          </a:xfrm>
-        </p:grpSpPr>
-        <p:sp>
-          <p:nvSpPr>
-            <p:cNvPr id="8" name="Oval 7">
-              <a:extLst>
-                <a:ext uri="{FF2B5EF4-FFF2-40B4-BE49-F238E27FC236}">
-                  <a16:creationId xmlns:a16="http://schemas.microsoft.com/office/drawing/2014/main" id="{0D306340-6BFD-FE3D-535B-B59C1C44EDDA}"/>
-                </a:ext>
-              </a:extLst>
-            </p:cNvPr>
-            <p:cNvSpPr/>
-            <p:nvPr userDrawn="1"/>
-          </p:nvSpPr>
-          <p:spPr>
-            <a:xfrm>
-              <a:off x="383877" y="778462"/>
-              <a:ext cx="5315035" cy="5315035"/>
-            </a:xfrm>
-            <a:prstGeom prst="ellipse">
-              <a:avLst/>
-            </a:prstGeom>
-            <a:solidFill>
-              <a:schemeClr val="accent2"/>
-            </a:solidFill>
-            <a:ln>
-              <a:noFill/>
-            </a:ln>
-          </p:spPr>
-          <p:style>
-            <a:lnRef idx="2">
-              <a:schemeClr val="accent1">
-                <a:shade val="50000"/>
-              </a:schemeClr>
-            </a:lnRef>
-            <a:fillRef idx="1">
-              <a:schemeClr val="accent1"/>
-            </a:fillRef>
-            <a:effectRef idx="0">
-              <a:schemeClr val="accent1"/>
-            </a:effectRef>
-            <a:fontRef idx="minor">
-              <a:schemeClr val="lt1"/>
-            </a:fontRef>
-          </p:style>
-          <p:txBody>
-            <a:bodyPr rtlCol="0" anchor="ctr"/>
-            <a:lstStyle/>
-            <a:p>
-              <a:pPr marL="0" marR="0" lvl="0" indent="0" algn="ctr" defTabSz="914400" rtl="0" eaLnBrk="1" fontAlgn="auto" latinLnBrk="0" hangingPunct="1">
-                <a:lnSpc>
-                  <a:spcPct val="100000"/>
-                </a:lnSpc>
-                <a:spcBef>
-                  <a:spcPts val="0"/>
-                </a:spcBef>
-                <a:spcAft>
-                  <a:spcPts val="0"/>
-                </a:spcAft>
-                <a:buClrTx/>
-                <a:buSzTx/>
-                <a:buFontTx/>
-                <a:buNone/>
-                <a:tabLst/>
-                <a:defRPr/>
-              </a:pPr>
-              <a:endParaRPr kumimoji="0" lang="en-US" sz="1800" b="0" i="0" u="none" strike="noStrike" kern="1200" cap="none" spc="0" normalizeH="0" baseline="0" noProof="0" dirty="0">
-                <a:ln>
-                  <a:noFill/>
-                </a:ln>
-                <a:solidFill>
-                  <a:prstClr val="white"/>
-                </a:solidFill>
-                <a:effectLst/>
-                <a:uLnTx/>
-                <a:uFillTx/>
-                <a:latin typeface="Calibri" panose="020F0502020204030204"/>
-                <a:ea typeface="+mn-ea"/>
-                <a:cs typeface="+mn-cs"/>
-              </a:endParaRPr>
-            </a:p>
-          </p:txBody>
-        </p:sp>
-        <p:sp>
-          <p:nvSpPr>
-            <p:cNvPr id="9" name="Freeform: Shape 11">
-              <a:extLst>
-                <a:ext uri="{FF2B5EF4-FFF2-40B4-BE49-F238E27FC236}">
-                  <a16:creationId xmlns:a16="http://schemas.microsoft.com/office/drawing/2014/main" id="{338E6C4B-ABF3-8B7E-8DCF-A93F69C712B1}"/>
-                </a:ext>
-              </a:extLst>
-            </p:cNvPr>
-            <p:cNvSpPr/>
-            <p:nvPr userDrawn="1"/>
-          </p:nvSpPr>
-          <p:spPr>
-            <a:xfrm flipH="1">
-              <a:off x="530529" y="0"/>
-              <a:ext cx="1155142" cy="591009"/>
-            </a:xfrm>
-            <a:custGeom>
-              <a:avLst/>
-              <a:gdLst>
-                <a:gd name="connsiteX0" fmla="*/ 1355 w 1155142"/>
-                <a:gd name="connsiteY0" fmla="*/ 0 h 591009"/>
-                <a:gd name="connsiteX1" fmla="*/ 1153787 w 1155142"/>
-                <a:gd name="connsiteY1" fmla="*/ 0 h 591009"/>
-                <a:gd name="connsiteX2" fmla="*/ 1155142 w 1155142"/>
-                <a:gd name="connsiteY2" fmla="*/ 13438 h 591009"/>
-                <a:gd name="connsiteX3" fmla="*/ 577571 w 1155142"/>
-                <a:gd name="connsiteY3" fmla="*/ 591009 h 591009"/>
-                <a:gd name="connsiteX4" fmla="*/ 0 w 1155142"/>
-                <a:gd name="connsiteY4" fmla="*/ 13438 h 591009"/>
-              </a:gdLst>
-              <a:ahLst/>
-              <a:cxnLst>
-                <a:cxn ang="0">
-                  <a:pos x="connsiteX0" y="connsiteY0"/>
-                </a:cxn>
-                <a:cxn ang="0">
-                  <a:pos x="connsiteX1" y="connsiteY1"/>
-                </a:cxn>
-                <a:cxn ang="0">
-                  <a:pos x="connsiteX2" y="connsiteY2"/>
-                </a:cxn>
-                <a:cxn ang="0">
-                  <a:pos x="connsiteX3" y="connsiteY3"/>
-                </a:cxn>
-                <a:cxn ang="0">
-                  <a:pos x="connsiteX4" y="connsiteY4"/>
-                </a:cxn>
-              </a:cxnLst>
-              <a:rect l="l" t="t" r="r" b="b"/>
-              <a:pathLst>
-                <a:path w="1155142" h="591009">
-                  <a:moveTo>
-                    <a:pt x="1355" y="0"/>
-                  </a:moveTo>
-                  <a:lnTo>
-                    <a:pt x="1153787" y="0"/>
-                  </a:lnTo>
-                  <a:lnTo>
-                    <a:pt x="1155142" y="13438"/>
-                  </a:lnTo>
-                  <a:cubicBezTo>
-                    <a:pt x="1155142" y="332422"/>
-                    <a:pt x="896555" y="591009"/>
-                    <a:pt x="577571" y="591009"/>
-                  </a:cubicBezTo>
-                  <a:cubicBezTo>
-                    <a:pt x="258587" y="591009"/>
-                    <a:pt x="0" y="332422"/>
-                    <a:pt x="0" y="13438"/>
-                  </a:cubicBezTo>
-                  <a:close/>
-                </a:path>
-              </a:pathLst>
-            </a:custGeom>
-            <a:solidFill>
-              <a:schemeClr val="accent5"/>
-            </a:solidFill>
-            <a:ln>
-              <a:noFill/>
-            </a:ln>
-          </p:spPr>
-          <p:style>
-            <a:lnRef idx="2">
-              <a:schemeClr val="accent1">
-                <a:shade val="50000"/>
-              </a:schemeClr>
-            </a:lnRef>
-            <a:fillRef idx="1">
-              <a:schemeClr val="accent1"/>
-            </a:fillRef>
-            <a:effectRef idx="0">
-              <a:schemeClr val="accent1"/>
-            </a:effectRef>
-            <a:fontRef idx="minor">
-              <a:schemeClr val="lt1"/>
-            </a:fontRef>
-          </p:style>
-          <p:txBody>
-            <a:bodyPr wrap="square" rtlCol="0" anchor="ctr">
-              <a:noAutofit/>
-            </a:bodyPr>
-            <a:lstStyle/>
-            <a:p>
-              <a:pPr marL="0" marR="0" lvl="0" indent="0" algn="ctr" defTabSz="914400" rtl="0" eaLnBrk="1" fontAlgn="auto" latinLnBrk="0" hangingPunct="1">
-                <a:lnSpc>
-                  <a:spcPct val="100000"/>
-                </a:lnSpc>
-                <a:spcBef>
-                  <a:spcPts val="0"/>
-                </a:spcBef>
-                <a:spcAft>
-                  <a:spcPts val="0"/>
-                </a:spcAft>
-                <a:buClrTx/>
-                <a:buSzTx/>
-                <a:buFontTx/>
-                <a:buNone/>
-                <a:tabLst/>
-                <a:defRPr/>
-              </a:pPr>
-              <a:endParaRPr kumimoji="0" lang="en-US" sz="1800" b="0" i="0" u="none" strike="noStrike" kern="1200" cap="none" spc="0" normalizeH="0" baseline="0" noProof="0" dirty="0">
-                <a:ln>
-                  <a:noFill/>
-                </a:ln>
-                <a:solidFill>
-                  <a:prstClr val="white"/>
-                </a:solidFill>
-                <a:effectLst/>
-                <a:uLnTx/>
-                <a:uFillTx/>
-                <a:latin typeface="Calibri" panose="020F0502020204030204"/>
-                <a:ea typeface="+mn-ea"/>
-                <a:cs typeface="+mn-cs"/>
-              </a:endParaRPr>
-            </a:p>
-          </p:txBody>
-        </p:sp>
-        <p:sp>
-          <p:nvSpPr>
-            <p:cNvPr id="10" name="Freeform: Shape 13">
-              <a:extLst>
-                <a:ext uri="{FF2B5EF4-FFF2-40B4-BE49-F238E27FC236}">
-                  <a16:creationId xmlns:a16="http://schemas.microsoft.com/office/drawing/2014/main" id="{6F90F99F-B12A-E8F9-5A86-D76B201D6308}"/>
-                </a:ext>
-              </a:extLst>
-            </p:cNvPr>
-            <p:cNvSpPr/>
-            <p:nvPr userDrawn="1"/>
-          </p:nvSpPr>
-          <p:spPr>
-            <a:xfrm flipH="1">
-              <a:off x="3961511" y="-1"/>
-              <a:ext cx="1737401" cy="959536"/>
-            </a:xfrm>
-            <a:custGeom>
-              <a:avLst/>
-              <a:gdLst>
-                <a:gd name="connsiteX0" fmla="*/ 0 w 1737401"/>
-                <a:gd name="connsiteY0" fmla="*/ 0 h 959536"/>
-                <a:gd name="connsiteX1" fmla="*/ 123825 w 1737401"/>
-                <a:gd name="connsiteY1" fmla="*/ 0 h 959536"/>
-                <a:gd name="connsiteX2" fmla="*/ 123825 w 1737401"/>
-                <a:gd name="connsiteY2" fmla="*/ 790277 h 959536"/>
-                <a:gd name="connsiteX3" fmla="*/ 1490095 w 1737401"/>
-                <a:gd name="connsiteY3" fmla="*/ 0 h 959536"/>
-                <a:gd name="connsiteX4" fmla="*/ 1737401 w 1737401"/>
-                <a:gd name="connsiteY4" fmla="*/ 0 h 959536"/>
-                <a:gd name="connsiteX5" fmla="*/ 92869 w 1737401"/>
-                <a:gd name="connsiteY5" fmla="*/ 951249 h 959536"/>
-                <a:gd name="connsiteX6" fmla="*/ 61913 w 1737401"/>
-                <a:gd name="connsiteY6" fmla="*/ 959536 h 959536"/>
-                <a:gd name="connsiteX7" fmla="*/ 0 w 1737401"/>
-                <a:gd name="connsiteY7" fmla="*/ 897624 h 959536"/>
-              </a:gdLst>
-              <a:ahLst/>
-              <a:cxnLst>
-                <a:cxn ang="0">
-                  <a:pos x="connsiteX0" y="connsiteY0"/>
-                </a:cxn>
-                <a:cxn ang="0">
-                  <a:pos x="connsiteX1" y="connsiteY1"/>
-                </a:cxn>
-                <a:cxn ang="0">
-                  <a:pos x="connsiteX2" y="connsiteY2"/>
-                </a:cxn>
-                <a:cxn ang="0">
-                  <a:pos x="connsiteX3" y="connsiteY3"/>
-                </a:cxn>
-                <a:cxn ang="0">
-                  <a:pos x="connsiteX4" y="connsiteY4"/>
-                </a:cxn>
-                <a:cxn ang="0">
-                  <a:pos x="connsiteX5" y="connsiteY5"/>
-                </a:cxn>
-                <a:cxn ang="0">
-                  <a:pos x="connsiteX6" y="connsiteY6"/>
-                </a:cxn>
-                <a:cxn ang="0">
-                  <a:pos x="connsiteX7" y="connsiteY7"/>
-                </a:cxn>
-              </a:cxnLst>
-              <a:rect l="l" t="t" r="r" b="b"/>
-              <a:pathLst>
-                <a:path w="1737401" h="959536">
-                  <a:moveTo>
-                    <a:pt x="0" y="0"/>
-                  </a:moveTo>
-                  <a:lnTo>
-                    <a:pt x="123825" y="0"/>
-                  </a:lnTo>
-                  <a:lnTo>
-                    <a:pt x="123825" y="790277"/>
-                  </a:lnTo>
-                  <a:lnTo>
-                    <a:pt x="1490095" y="0"/>
-                  </a:lnTo>
-                  <a:lnTo>
-                    <a:pt x="1737401" y="0"/>
-                  </a:lnTo>
-                  <a:lnTo>
-                    <a:pt x="92869" y="951249"/>
-                  </a:lnTo>
-                  <a:cubicBezTo>
-                    <a:pt x="83458" y="956688"/>
-                    <a:pt x="72780" y="959546"/>
-                    <a:pt x="61913" y="959536"/>
-                  </a:cubicBezTo>
-                  <a:cubicBezTo>
-                    <a:pt x="27719" y="959536"/>
-                    <a:pt x="0" y="931818"/>
-                    <a:pt x="0" y="897624"/>
-                  </a:cubicBezTo>
-                  <a:close/>
-                </a:path>
-              </a:pathLst>
-            </a:custGeom>
-            <a:solidFill>
-              <a:schemeClr val="accent6"/>
-            </a:solidFill>
-            <a:ln w="9525" cap="flat">
-              <a:noFill/>
-              <a:prstDash val="solid"/>
-              <a:miter/>
-            </a:ln>
-          </p:spPr>
-          <p:txBody>
-            <a:bodyPr rtlCol="0" anchor="ctr"/>
-            <a:lstStyle/>
-            <a:p>
-              <a:pPr marL="0" marR="0" lvl="0" indent="0" algn="l" defTabSz="914400" rtl="0" eaLnBrk="1" fontAlgn="auto" latinLnBrk="0" hangingPunct="1">
-                <a:lnSpc>
-                  <a:spcPct val="100000"/>
-                </a:lnSpc>
-                <a:spcBef>
-                  <a:spcPts val="0"/>
-                </a:spcBef>
-                <a:spcAft>
-                  <a:spcPts val="0"/>
-                </a:spcAft>
-                <a:buClrTx/>
-                <a:buSzTx/>
-                <a:buFontTx/>
-                <a:buNone/>
-                <a:tabLst/>
-                <a:defRPr/>
-              </a:pPr>
-              <a:endParaRPr kumimoji="0" lang="en-US" sz="1800" b="0" i="0" u="none" strike="noStrike" kern="1200" cap="none" spc="0" normalizeH="0" baseline="0" noProof="0" dirty="0">
-                <a:ln>
-                  <a:noFill/>
-                </a:ln>
-                <a:solidFill>
-                  <a:prstClr val="black"/>
-                </a:solidFill>
-                <a:effectLst/>
-                <a:uLnTx/>
-                <a:uFillTx/>
-                <a:latin typeface="Calibri" panose="020F0502020204030204"/>
-                <a:ea typeface="+mn-ea"/>
-                <a:cs typeface="+mn-cs"/>
-              </a:endParaRPr>
-            </a:p>
-          </p:txBody>
-        </p:sp>
-        <p:sp>
-          <p:nvSpPr>
-            <p:cNvPr id="11" name="Freeform: Shape 15">
-              <a:extLst>
-                <a:ext uri="{FF2B5EF4-FFF2-40B4-BE49-F238E27FC236}">
-                  <a16:creationId xmlns:a16="http://schemas.microsoft.com/office/drawing/2014/main" id="{BFA99EFE-81BC-95EA-FA61-B7199AD98A74}"/>
-                </a:ext>
-              </a:extLst>
-            </p:cNvPr>
-            <p:cNvSpPr/>
-            <p:nvPr userDrawn="1"/>
-          </p:nvSpPr>
-          <p:spPr>
-            <a:xfrm flipH="1">
-              <a:off x="0" y="2936831"/>
-              <a:ext cx="159741" cy="552996"/>
-            </a:xfrm>
-            <a:custGeom>
-              <a:avLst/>
-              <a:gdLst>
-                <a:gd name="connsiteX0" fmla="*/ 159741 w 159741"/>
-                <a:gd name="connsiteY0" fmla="*/ 0 h 552996"/>
-                <a:gd name="connsiteX1" fmla="*/ 159741 w 159741"/>
-                <a:gd name="connsiteY1" fmla="*/ 552996 h 552996"/>
-                <a:gd name="connsiteX2" fmla="*/ 141849 w 159741"/>
-                <a:gd name="connsiteY2" fmla="*/ 543285 h 552996"/>
-                <a:gd name="connsiteX3" fmla="*/ 0 w 159741"/>
-                <a:gd name="connsiteY3" fmla="*/ 276498 h 552996"/>
-                <a:gd name="connsiteX4" fmla="*/ 141849 w 159741"/>
-                <a:gd name="connsiteY4" fmla="*/ 9711 h 552996"/>
-              </a:gdLst>
-              <a:ahLst/>
-              <a:cxnLst>
-                <a:cxn ang="0">
-                  <a:pos x="connsiteX0" y="connsiteY0"/>
-                </a:cxn>
-                <a:cxn ang="0">
-                  <a:pos x="connsiteX1" y="connsiteY1"/>
-                </a:cxn>
-                <a:cxn ang="0">
-                  <a:pos x="connsiteX2" y="connsiteY2"/>
-                </a:cxn>
-                <a:cxn ang="0">
-                  <a:pos x="connsiteX3" y="connsiteY3"/>
-                </a:cxn>
-                <a:cxn ang="0">
-                  <a:pos x="connsiteX4" y="connsiteY4"/>
-                </a:cxn>
-              </a:cxnLst>
-              <a:rect l="l" t="t" r="r" b="b"/>
-              <a:pathLst>
-                <a:path w="159741" h="552996">
-                  <a:moveTo>
-                    <a:pt x="159741" y="0"/>
-                  </a:moveTo>
-                  <a:lnTo>
-                    <a:pt x="159741" y="552996"/>
-                  </a:lnTo>
-                  <a:lnTo>
-                    <a:pt x="141849" y="543285"/>
-                  </a:lnTo>
-                  <a:cubicBezTo>
-                    <a:pt x="56268" y="485467"/>
-                    <a:pt x="0" y="387554"/>
-                    <a:pt x="0" y="276498"/>
-                  </a:cubicBezTo>
-                  <a:cubicBezTo>
-                    <a:pt x="0" y="165443"/>
-                    <a:pt x="56268" y="67529"/>
-                    <a:pt x="141849" y="9711"/>
-                  </a:cubicBezTo>
-                  <a:close/>
-                </a:path>
-              </a:pathLst>
-            </a:custGeom>
-            <a:solidFill>
-              <a:schemeClr val="accent4"/>
-            </a:solidFill>
-            <a:ln w="127000">
-              <a:noFill/>
-            </a:ln>
-          </p:spPr>
-          <p:style>
-            <a:lnRef idx="2">
-              <a:schemeClr val="accent1">
-                <a:shade val="50000"/>
-              </a:schemeClr>
-            </a:lnRef>
-            <a:fillRef idx="1">
-              <a:schemeClr val="accent1"/>
-            </a:fillRef>
-            <a:effectRef idx="0">
-              <a:schemeClr val="accent1"/>
-            </a:effectRef>
-            <a:fontRef idx="minor">
-              <a:schemeClr val="lt1"/>
-            </a:fontRef>
-          </p:style>
-          <p:txBody>
-            <a:bodyPr wrap="square" rtlCol="0" anchor="ctr">
-              <a:noAutofit/>
-            </a:bodyPr>
-            <a:lstStyle/>
-            <a:p>
-              <a:pPr marL="0" marR="0" lvl="0" indent="0" algn="ctr" defTabSz="914400" rtl="0" eaLnBrk="1" fontAlgn="auto" latinLnBrk="0" hangingPunct="1">
-                <a:lnSpc>
-                  <a:spcPct val="100000"/>
-                </a:lnSpc>
-                <a:spcBef>
-                  <a:spcPts val="0"/>
-                </a:spcBef>
-                <a:spcAft>
-                  <a:spcPts val="0"/>
-                </a:spcAft>
-                <a:buClrTx/>
-                <a:buSzTx/>
-                <a:buFontTx/>
-                <a:buNone/>
-                <a:tabLst/>
-                <a:defRPr/>
-              </a:pPr>
-              <a:endParaRPr kumimoji="0" lang="en-US" sz="1800" b="0" i="0" u="none" strike="noStrike" kern="1200" cap="none" spc="0" normalizeH="0" baseline="0" noProof="0" dirty="0">
-                <a:ln>
-                  <a:noFill/>
-                </a:ln>
-                <a:solidFill>
-                  <a:prstClr val="white"/>
-                </a:solidFill>
-                <a:effectLst/>
-                <a:uLnTx/>
-                <a:uFillTx/>
-                <a:latin typeface="Calibri" panose="020F0502020204030204"/>
-                <a:ea typeface="+mn-ea"/>
-                <a:cs typeface="+mn-cs"/>
-              </a:endParaRPr>
-            </a:p>
-          </p:txBody>
-        </p:sp>
-        <p:sp>
-          <p:nvSpPr>
-            <p:cNvPr id="12" name="Freeform: Shape 17">
-              <a:extLst>
-                <a:ext uri="{FF2B5EF4-FFF2-40B4-BE49-F238E27FC236}">
-                  <a16:creationId xmlns:a16="http://schemas.microsoft.com/office/drawing/2014/main" id="{DD9FC028-D877-28FE-C646-DBD85D932641}"/>
-                </a:ext>
-              </a:extLst>
-            </p:cNvPr>
-            <p:cNvSpPr/>
-            <p:nvPr userDrawn="1"/>
-          </p:nvSpPr>
-          <p:spPr>
-            <a:xfrm flipH="1">
-              <a:off x="0" y="5835649"/>
-              <a:ext cx="1548180" cy="1022351"/>
-            </a:xfrm>
-            <a:custGeom>
-              <a:avLst/>
-              <a:gdLst>
-                <a:gd name="connsiteX0" fmla="*/ 61913 w 1548180"/>
-                <a:gd name="connsiteY0" fmla="*/ 0 h 1022351"/>
-                <a:gd name="connsiteX1" fmla="*/ 1548180 w 1548180"/>
-                <a:gd name="connsiteY1" fmla="*/ 0 h 1022351"/>
-                <a:gd name="connsiteX2" fmla="*/ 1548180 w 1548180"/>
-                <a:gd name="connsiteY2" fmla="*/ 123825 h 1022351"/>
-                <a:gd name="connsiteX3" fmla="*/ 123825 w 1548180"/>
-                <a:gd name="connsiteY3" fmla="*/ 123825 h 1022351"/>
-                <a:gd name="connsiteX4" fmla="*/ 123825 w 1548180"/>
-                <a:gd name="connsiteY4" fmla="*/ 1022351 h 1022351"/>
-                <a:gd name="connsiteX5" fmla="*/ 0 w 1548180"/>
-                <a:gd name="connsiteY5" fmla="*/ 1022351 h 1022351"/>
-                <a:gd name="connsiteX6" fmla="*/ 0 w 1548180"/>
-                <a:gd name="connsiteY6" fmla="*/ 61913 h 1022351"/>
-                <a:gd name="connsiteX7" fmla="*/ 61913 w 1548180"/>
-                <a:gd name="connsiteY7" fmla="*/ 0 h 1022351"/>
-              </a:gdLst>
-              <a:ahLst/>
-              <a:cxnLst>
-                <a:cxn ang="0">
-                  <a:pos x="connsiteX0" y="connsiteY0"/>
-                </a:cxn>
-                <a:cxn ang="0">
-                  <a:pos x="connsiteX1" y="connsiteY1"/>
-                </a:cxn>
-                <a:cxn ang="0">
-                  <a:pos x="connsiteX2" y="connsiteY2"/>
-                </a:cxn>
-                <a:cxn ang="0">
-                  <a:pos x="connsiteX3" y="connsiteY3"/>
-                </a:cxn>
-                <a:cxn ang="0">
-                  <a:pos x="connsiteX4" y="connsiteY4"/>
-                </a:cxn>
-                <a:cxn ang="0">
-                  <a:pos x="connsiteX5" y="connsiteY5"/>
-                </a:cxn>
-                <a:cxn ang="0">
-                  <a:pos x="connsiteX6" y="connsiteY6"/>
-                </a:cxn>
-                <a:cxn ang="0">
-                  <a:pos x="connsiteX7" y="connsiteY7"/>
-                </a:cxn>
-              </a:cxnLst>
-              <a:rect l="l" t="t" r="r" b="b"/>
-              <a:pathLst>
-                <a:path w="1548180" h="1022351">
-                  <a:moveTo>
-                    <a:pt x="61913" y="0"/>
-                  </a:moveTo>
-                  <a:lnTo>
-                    <a:pt x="1548180" y="0"/>
-                  </a:lnTo>
-                  <a:lnTo>
-                    <a:pt x="1548180" y="123825"/>
-                  </a:lnTo>
-                  <a:lnTo>
-                    <a:pt x="123825" y="123825"/>
-                  </a:lnTo>
-                  <a:lnTo>
-                    <a:pt x="123825" y="1022351"/>
-                  </a:lnTo>
-                  <a:lnTo>
-                    <a:pt x="0" y="1022351"/>
-                  </a:lnTo>
-                  <a:lnTo>
-                    <a:pt x="0" y="61913"/>
-                  </a:lnTo>
-                  <a:cubicBezTo>
-                    <a:pt x="0" y="27719"/>
-                    <a:pt x="27719" y="0"/>
-                    <a:pt x="61913" y="0"/>
-                  </a:cubicBezTo>
-                  <a:close/>
-                </a:path>
-              </a:pathLst>
-            </a:custGeom>
-            <a:solidFill>
-              <a:schemeClr val="accent6"/>
-            </a:solidFill>
-            <a:ln w="9525" cap="flat">
-              <a:noFill/>
-              <a:prstDash val="solid"/>
-              <a:miter/>
-            </a:ln>
-          </p:spPr>
-          <p:txBody>
-            <a:bodyPr rtlCol="0" anchor="ctr"/>
-            <a:lstStyle/>
-            <a:p>
-              <a:pPr marL="0" marR="0" lvl="0" indent="0" algn="l" defTabSz="914400" rtl="0" eaLnBrk="1" fontAlgn="auto" latinLnBrk="0" hangingPunct="1">
-                <a:lnSpc>
-                  <a:spcPct val="100000"/>
-                </a:lnSpc>
-                <a:spcBef>
-                  <a:spcPts val="0"/>
-                </a:spcBef>
-                <a:spcAft>
-                  <a:spcPts val="0"/>
-                </a:spcAft>
-                <a:buClrTx/>
-                <a:buSzTx/>
-                <a:buFontTx/>
-                <a:buNone/>
-                <a:tabLst/>
-                <a:defRPr/>
-              </a:pPr>
-              <a:endParaRPr kumimoji="0" lang="en-US" sz="1800" b="0" i="0" u="none" strike="noStrike" kern="1200" cap="none" spc="0" normalizeH="0" baseline="0" noProof="0" dirty="0">
-                <a:ln>
-                  <a:noFill/>
-                </a:ln>
-                <a:solidFill>
-                  <a:prstClr val="black"/>
-                </a:solidFill>
-                <a:effectLst/>
-                <a:uLnTx/>
-                <a:uFillTx/>
-                <a:latin typeface="Calibri" panose="020F0502020204030204"/>
-                <a:ea typeface="+mn-ea"/>
-                <a:cs typeface="+mn-cs"/>
-              </a:endParaRPr>
-            </a:p>
-          </p:txBody>
-        </p:sp>
-        <p:sp>
-          <p:nvSpPr>
-            <p:cNvPr id="13" name="Freeform: Shape 21">
-              <a:extLst>
-                <a:ext uri="{FF2B5EF4-FFF2-40B4-BE49-F238E27FC236}">
-                  <a16:creationId xmlns:a16="http://schemas.microsoft.com/office/drawing/2014/main" id="{AA0AFFE9-F0C2-BDA0-BF87-9977706AB6A8}"/>
-                </a:ext>
-              </a:extLst>
-            </p:cNvPr>
-            <p:cNvSpPr/>
-            <p:nvPr userDrawn="1"/>
-          </p:nvSpPr>
-          <p:spPr>
-            <a:xfrm flipH="1">
-              <a:off x="4364198" y="6258755"/>
-              <a:ext cx="1565940" cy="599245"/>
-            </a:xfrm>
-            <a:custGeom>
-              <a:avLst/>
-              <a:gdLst>
-                <a:gd name="connsiteX0" fmla="*/ 782970 w 1565940"/>
-                <a:gd name="connsiteY0" fmla="*/ 0 h 599245"/>
-                <a:gd name="connsiteX1" fmla="*/ 1528042 w 1565940"/>
-                <a:gd name="connsiteY1" fmla="*/ 480469 h 599245"/>
-                <a:gd name="connsiteX2" fmla="*/ 1565940 w 1565940"/>
-                <a:gd name="connsiteY2" fmla="*/ 599245 h 599245"/>
-                <a:gd name="connsiteX3" fmla="*/ 0 w 1565940"/>
-                <a:gd name="connsiteY3" fmla="*/ 599245 h 599245"/>
-                <a:gd name="connsiteX4" fmla="*/ 37898 w 1565940"/>
-                <a:gd name="connsiteY4" fmla="*/ 480469 h 599245"/>
-                <a:gd name="connsiteX5" fmla="*/ 782970 w 1565940"/>
-                <a:gd name="connsiteY5" fmla="*/ 0 h 599245"/>
-              </a:gdLst>
-              <a:ahLst/>
-              <a:cxnLst>
-                <a:cxn ang="0">
-                  <a:pos x="connsiteX0" y="connsiteY0"/>
-                </a:cxn>
-                <a:cxn ang="0">
-                  <a:pos x="connsiteX1" y="connsiteY1"/>
-                </a:cxn>
-                <a:cxn ang="0">
-                  <a:pos x="connsiteX2" y="connsiteY2"/>
-                </a:cxn>
-                <a:cxn ang="0">
-                  <a:pos x="connsiteX3" y="connsiteY3"/>
-                </a:cxn>
-                <a:cxn ang="0">
-                  <a:pos x="connsiteX4" y="connsiteY4"/>
-                </a:cxn>
-                <a:cxn ang="0">
-                  <a:pos x="connsiteX5" y="connsiteY5"/>
-                </a:cxn>
-              </a:cxnLst>
-              <a:rect l="l" t="t" r="r" b="b"/>
-              <a:pathLst>
-                <a:path w="1565940" h="599245">
-                  <a:moveTo>
-                    <a:pt x="782970" y="0"/>
-                  </a:moveTo>
-                  <a:cubicBezTo>
-                    <a:pt x="1117910" y="0"/>
-                    <a:pt x="1405287" y="198118"/>
-                    <a:pt x="1528042" y="480469"/>
-                  </a:cubicBezTo>
-                  <a:lnTo>
-                    <a:pt x="1565940" y="599245"/>
-                  </a:lnTo>
-                  <a:lnTo>
-                    <a:pt x="0" y="599245"/>
-                  </a:lnTo>
-                  <a:lnTo>
-                    <a:pt x="37898" y="480469"/>
-                  </a:lnTo>
-                  <a:cubicBezTo>
-                    <a:pt x="160653" y="198118"/>
-                    <a:pt x="448030" y="0"/>
-                    <a:pt x="782970" y="0"/>
-                  </a:cubicBezTo>
-                  <a:close/>
-                </a:path>
-              </a:pathLst>
-            </a:custGeom>
-            <a:solidFill>
-              <a:schemeClr val="accent2"/>
-            </a:solidFill>
-            <a:ln>
-              <a:noFill/>
-            </a:ln>
-          </p:spPr>
-          <p:style>
-            <a:lnRef idx="2">
-              <a:schemeClr val="accent1">
-                <a:shade val="50000"/>
-              </a:schemeClr>
-            </a:lnRef>
-            <a:fillRef idx="1">
-              <a:schemeClr val="accent1"/>
-            </a:fillRef>
-            <a:effectRef idx="0">
-              <a:schemeClr val="accent1"/>
-            </a:effectRef>
-            <a:fontRef idx="minor">
-              <a:schemeClr val="lt1"/>
-            </a:fontRef>
-          </p:style>
-          <p:txBody>
-            <a:bodyPr wrap="square" rtlCol="0" anchor="ctr">
-              <a:noAutofit/>
-            </a:bodyPr>
-            <a:lstStyle/>
-            <a:p>
-              <a:pPr marL="0" marR="0" lvl="0" indent="0" algn="ctr" defTabSz="914400" rtl="0" eaLnBrk="1" fontAlgn="auto" latinLnBrk="0" hangingPunct="1">
-                <a:lnSpc>
-                  <a:spcPct val="100000"/>
-                </a:lnSpc>
-                <a:spcBef>
-                  <a:spcPts val="0"/>
-                </a:spcBef>
-                <a:spcAft>
-                  <a:spcPts val="0"/>
-                </a:spcAft>
-                <a:buClrTx/>
-                <a:buSzTx/>
-                <a:buFontTx/>
-                <a:buNone/>
-                <a:tabLst/>
-                <a:defRPr/>
-              </a:pPr>
-              <a:endParaRPr kumimoji="0" lang="en-US" sz="1800" b="0" i="0" u="none" strike="noStrike" kern="1200" cap="none" spc="0" normalizeH="0" baseline="0" noProof="0" dirty="0">
-                <a:ln>
-                  <a:noFill/>
-                </a:ln>
-                <a:solidFill>
-                  <a:prstClr val="white"/>
-                </a:solidFill>
-                <a:effectLst/>
-                <a:uLnTx/>
-                <a:uFillTx/>
-                <a:latin typeface="Calibri" panose="020F0502020204030204"/>
-                <a:ea typeface="+mn-ea"/>
-                <a:cs typeface="+mn-cs"/>
-              </a:endParaRPr>
-            </a:p>
-          </p:txBody>
-        </p:sp>
-      </p:grpSp>
-      <p:sp>
-        <p:nvSpPr>
-          <p:cNvPr id="2" name="Title 1">
-            <a:extLst>
-              <a:ext uri="{FF2B5EF4-FFF2-40B4-BE49-F238E27FC236}">
-                <a16:creationId xmlns:a16="http://schemas.microsoft.com/office/drawing/2014/main" id="{F657BD59-35CC-9BB3-8621-6FA3356F81AA}"/>
-              </a:ext>
-            </a:extLst>
-          </p:cNvPr>
-          <p:cNvSpPr>
-            <a:spLocks noGrp="1"/>
-          </p:cNvSpPr>
-          <p:nvPr>
-            <p:ph type="title"/>
-          </p:nvPr>
-        </p:nvSpPr>
-        <p:spPr>
-          <a:xfrm>
-            <a:off x="383876" y="764502"/>
-            <a:ext cx="5315035" cy="5328996"/>
-          </a:xfrm>
-        </p:spPr>
-        <p:txBody>
-          <a:bodyPr>
-            <a:noAutofit/>
-          </a:bodyPr>
-          <a:lstStyle>
-            <a:lvl1pPr algn="ctr">
-              <a:defRPr sz="4400">
-                <a:solidFill>
-                  <a:schemeClr val="bg1"/>
-                </a:solidFill>
-              </a:defRPr>
-            </a:lvl1pPr>
-          </a:lstStyle>
-          <a:p>
-            <a:r>
-              <a:rPr lang="en-US"/>
-              <a:t>Click to edit Master title style</a:t>
-            </a:r>
-            <a:endParaRPr lang="en-US" dirty="0"/>
-          </a:p>
-        </p:txBody>
-      </p:sp>
-      <p:sp>
-        <p:nvSpPr>
-          <p:cNvPr id="3" name="Content Placeholder 2">
-            <a:extLst>
-              <a:ext uri="{FF2B5EF4-FFF2-40B4-BE49-F238E27FC236}">
-                <a16:creationId xmlns:a16="http://schemas.microsoft.com/office/drawing/2014/main" id="{A772710C-A212-1B12-06CD-FA2A14F89D68}"/>
-              </a:ext>
-            </a:extLst>
-          </p:cNvPr>
-          <p:cNvSpPr>
-            <a:spLocks noGrp="1"/>
-          </p:cNvSpPr>
-          <p:nvPr>
-            <p:ph idx="1" hasCustomPrompt="1"/>
-          </p:nvPr>
-        </p:nvSpPr>
-        <p:spPr>
-          <a:xfrm>
-            <a:off x="6605455" y="755171"/>
-            <a:ext cx="4619937" cy="5315035"/>
-          </a:xfrm>
-        </p:spPr>
-        <p:txBody>
-          <a:bodyPr anchor="ctr" anchorCtr="0">
-            <a:normAutofit/>
-          </a:bodyPr>
-          <a:lstStyle>
-            <a:lvl1pPr marL="0" indent="0">
-              <a:spcBef>
-                <a:spcPts val="1000"/>
-              </a:spcBef>
-              <a:spcAft>
-                <a:spcPts val="800"/>
-              </a:spcAft>
-              <a:buNone/>
-              <a:defRPr sz="2400"/>
-            </a:lvl1pPr>
-            <a:lvl2pPr marL="800100" indent="-342900">
-              <a:spcBef>
-                <a:spcPts val="1000"/>
-              </a:spcBef>
-              <a:spcAft>
-                <a:spcPts val="800"/>
-              </a:spcAft>
-              <a:buClr>
-                <a:schemeClr val="accent2"/>
-              </a:buClr>
-              <a:buFont typeface="Arial" panose="020B0604020202020204" pitchFamily="34" charset="0"/>
-              <a:buChar char="•"/>
-              <a:defRPr sz="2000"/>
-            </a:lvl2pPr>
-            <a:lvl3pPr marL="1200150" indent="-285750">
-              <a:spcBef>
-                <a:spcPts val="1000"/>
-              </a:spcBef>
-              <a:spcAft>
-                <a:spcPts val="800"/>
-              </a:spcAft>
-              <a:buClr>
-                <a:schemeClr val="accent2"/>
-              </a:buClr>
-              <a:buFont typeface="Arial" panose="020B0604020202020204" pitchFamily="34" charset="0"/>
-              <a:buChar char="•"/>
-              <a:defRPr sz="1800"/>
-            </a:lvl3pPr>
-            <a:lvl4pPr marL="1657350" indent="-285750">
-              <a:spcBef>
-                <a:spcPts val="1000"/>
-              </a:spcBef>
-              <a:spcAft>
-                <a:spcPts val="800"/>
-              </a:spcAft>
-              <a:buClr>
-                <a:schemeClr val="accent2"/>
-              </a:buClr>
-              <a:buFont typeface="Arial" panose="020B0604020202020204" pitchFamily="34" charset="0"/>
-              <a:buChar char="•"/>
-              <a:defRPr sz="1600"/>
-            </a:lvl4pPr>
-            <a:lvl5pPr marL="2114550" indent="-285750">
-              <a:spcBef>
-                <a:spcPts val="1000"/>
-              </a:spcBef>
-              <a:spcAft>
-                <a:spcPts val="800"/>
-              </a:spcAft>
-              <a:buClr>
-                <a:schemeClr val="accent2"/>
-              </a:buClr>
-              <a:buFont typeface="Arial" panose="020B0604020202020204" pitchFamily="34" charset="0"/>
-              <a:buChar char="•"/>
-              <a:defRPr sz="1600"/>
-            </a:lvl5pPr>
-          </a:lstStyle>
-          <a:p>
-            <a:pPr lvl="0"/>
-            <a:r>
-              <a:rPr lang="en-US" dirty="0"/>
-              <a:t>Click to add content</a:t>
-            </a:r>
-          </a:p>
-          <a:p>
-            <a:pPr lvl="1"/>
-            <a:r>
-              <a:rPr lang="en-US" dirty="0"/>
-              <a:t>Second level</a:t>
-            </a:r>
-          </a:p>
-          <a:p>
-            <a:pPr lvl="2"/>
-            <a:r>
-              <a:rPr lang="en-US" dirty="0"/>
-              <a:t>Third level</a:t>
-            </a:r>
-          </a:p>
-          <a:p>
-            <a:pPr lvl="3"/>
-            <a:r>
-              <a:rPr lang="en-US" dirty="0"/>
-              <a:t>Fourth level</a:t>
-            </a:r>
-          </a:p>
-          <a:p>
-            <a:pPr lvl="4"/>
-            <a:r>
-              <a:rPr lang="en-US" dirty="0"/>
-              <a:t>Fifth level</a:t>
-            </a:r>
-          </a:p>
-        </p:txBody>
-      </p:sp>
-      <p:sp>
-        <p:nvSpPr>
-          <p:cNvPr id="4" name="Date Placeholder 3">
-            <a:extLst>
-              <a:ext uri="{FF2B5EF4-FFF2-40B4-BE49-F238E27FC236}">
-                <a16:creationId xmlns:a16="http://schemas.microsoft.com/office/drawing/2014/main" id="{8C56EB0F-63C8-5F75-A333-3413A9DC6F76}"/>
-              </a:ext>
-            </a:extLst>
-          </p:cNvPr>
-          <p:cNvSpPr>
-            <a:spLocks noGrp="1"/>
-          </p:cNvSpPr>
-          <p:nvPr>
-            <p:ph type="dt" sz="half" idx="10"/>
-          </p:nvPr>
-        </p:nvSpPr>
-        <p:spPr/>
-        <p:txBody>
-          <a:bodyPr/>
-          <a:lstStyle/>
-          <a:p>
-            <a:fld id="{D6D8061D-18C3-4F4F-85EF-561633F58754}" type="datetimeFigureOut">
-              <a:rPr lang="en-US" smtClean="0"/>
-              <a:t>7/22/2024</a:t>
-            </a:fld>
-            <a:endParaRPr lang="en-US" dirty="0"/>
-          </a:p>
-        </p:txBody>
-      </p:sp>
-      <p:sp>
-        <p:nvSpPr>
-          <p:cNvPr id="5" name="Footer Placeholder 4">
-            <a:extLst>
-              <a:ext uri="{FF2B5EF4-FFF2-40B4-BE49-F238E27FC236}">
-                <a16:creationId xmlns:a16="http://schemas.microsoft.com/office/drawing/2014/main" id="{4D4DE333-25B4-E092-1CC4-C3D20BA25168}"/>
-              </a:ext>
-            </a:extLst>
-          </p:cNvPr>
-          <p:cNvSpPr>
-            <a:spLocks noGrp="1"/>
-          </p:cNvSpPr>
-          <p:nvPr>
-            <p:ph type="ftr" sz="quarter" idx="11"/>
-          </p:nvPr>
-        </p:nvSpPr>
-        <p:spPr/>
-        <p:txBody>
-          <a:bodyPr/>
-          <a:lstStyle/>
-          <a:p>
-            <a:endParaRPr lang="en-US" dirty="0"/>
-          </a:p>
-        </p:txBody>
-      </p:sp>
-      <p:sp>
-        <p:nvSpPr>
-          <p:cNvPr id="6" name="Slide Number Placeholder 5">
-            <a:extLst>
-              <a:ext uri="{FF2B5EF4-FFF2-40B4-BE49-F238E27FC236}">
-                <a16:creationId xmlns:a16="http://schemas.microsoft.com/office/drawing/2014/main" id="{8F1AF200-E81F-A326-0EDB-4B93C71D9BF4}"/>
-              </a:ext>
-            </a:extLst>
-          </p:cNvPr>
-          <p:cNvSpPr>
-            <a:spLocks noGrp="1"/>
-          </p:cNvSpPr>
-          <p:nvPr>
-            <p:ph type="sldNum" sz="quarter" idx="12"/>
-          </p:nvPr>
-        </p:nvSpPr>
-        <p:spPr/>
-        <p:txBody>
-          <a:bodyPr/>
-          <a:lstStyle/>
-          <a:p>
-            <a:fld id="{CBD12358-51D2-46B3-9BDE-DF29528B9454}" type="slidenum">
-              <a:rPr lang="en-US" smtClean="0"/>
-              <a:t>‹#›</a:t>
-            </a:fld>
-            <a:endParaRPr lang="en-US" dirty="0"/>
-          </a:p>
-        </p:txBody>
-      </p:sp>
-    </p:spTree>
-    <p:extLst>
-      <p:ext uri="{BB962C8B-B14F-4D97-AF65-F5344CB8AC3E}">
-        <p14:creationId xmlns:p14="http://schemas.microsoft.com/office/powerpoint/2010/main" val="1565622947"/>
-      </p:ext>
-    </p:extLst>
-  </p:cSld>
-  <p:clrMapOvr>
-    <a:masterClrMapping/>
-  </p:clrMapOvr>
-</p:sldLayout>
-</file>
-
-<file path=ppt/slideLayouts/slideLayout3.xml><?xml version="1.0" encoding="utf-8"?>
-<p:sldLayout xmlns:a="http://schemas.openxmlformats.org/drawingml/2006/main" xmlns:r="http://schemas.openxmlformats.org/officeDocument/2006/relationships" xmlns:p="http://schemas.openxmlformats.org/presentationml/2006/main" type="secHead" preserve="1">
-  <p:cSld name="Section Header">
-    <p:spTree>
-      <p:nvGrpSpPr>
-        <p:cNvPr id="1" name=""/>
-        <p:cNvGrpSpPr/>
-        <p:nvPr/>
-      </p:nvGrpSpPr>
-      <p:grpSpPr>
-        <a:xfrm>
-          <a:off x="0" y="0"/>
-          <a:ext cx="0" cy="0"/>
-          <a:chOff x="0" y="0"/>
-          <a:chExt cx="0" cy="0"/>
-        </a:xfrm>
-      </p:grpSpPr>
-      <p:sp>
-        <p:nvSpPr>
-          <p:cNvPr id="2" name="Title 1"/>
-          <p:cNvSpPr>
-            <a:spLocks noGrp="1"/>
-          </p:cNvSpPr>
-          <p:nvPr>
-            <p:ph type="title"/>
-          </p:nvPr>
-        </p:nvSpPr>
-        <p:spPr>
-          <a:xfrm>
-            <a:off x="1751013" y="3308581"/>
-            <a:ext cx="8686800" cy="1468800"/>
-          </a:xfrm>
-        </p:spPr>
-        <p:txBody>
-          <a:bodyPr anchor="b"/>
-          <a:lstStyle>
-            <a:lvl1pPr algn="r">
-              <a:defRPr sz="4000" b="0" cap="all"/>
-            </a:lvl1pPr>
-          </a:lstStyle>
-          <a:p>
-            <a:r>
-              <a:rPr lang="en-US"/>
-              <a:t>Click to edit Master title style</a:t>
-            </a:r>
-            <a:endParaRPr lang="en-US" dirty="0"/>
-          </a:p>
-        </p:txBody>
-      </p:sp>
-      <p:sp>
-        <p:nvSpPr>
-          <p:cNvPr id="3" name="Text Placeholder 2"/>
-          <p:cNvSpPr>
-            <a:spLocks noGrp="1"/>
-          </p:cNvSpPr>
-          <p:nvPr>
-            <p:ph type="body" idx="1"/>
-          </p:nvPr>
-        </p:nvSpPr>
-        <p:spPr>
-          <a:xfrm>
-            <a:off x="1751011" y="4777381"/>
-            <a:ext cx="8686801" cy="860400"/>
-          </a:xfrm>
-        </p:spPr>
-        <p:txBody>
-          <a:bodyPr anchor="t">
-            <a:normAutofit/>
-          </a:bodyPr>
-          <a:lstStyle>
-            <a:lvl1pPr marL="0" indent="0" algn="r">
-              <a:buNone/>
-              <a:defRPr sz="2000">
-                <a:gradFill flip="none" rotWithShape="1">
-                  <a:gsLst>
-                    <a:gs pos="0">
-                      <a:schemeClr val="tx1"/>
-                    </a:gs>
-                    <a:gs pos="100000">
-                      <a:schemeClr val="tx1">
-                        <a:lumMod val="75000"/>
-                      </a:schemeClr>
-                    </a:gs>
-                  </a:gsLst>
-                  <a:lin ang="5400000" scaled="0"/>
-                  <a:tileRect/>
-                </a:gradFill>
-              </a:defRPr>
-            </a:lvl1pPr>
-            <a:lvl2pPr marL="457200" indent="0">
-              <a:buNone/>
-              <a:defRPr sz="1800">
-                <a:solidFill>
-                  <a:schemeClr val="tx1">
-                    <a:tint val="75000"/>
-                  </a:schemeClr>
-                </a:solidFill>
-              </a:defRPr>
-            </a:lvl2pPr>
-            <a:lvl3pPr marL="914400" indent="0">
-              <a:buNone/>
-              <a:defRPr sz="1600">
-                <a:solidFill>
-                  <a:schemeClr val="tx1">
-                    <a:tint val="75000"/>
-                  </a:schemeClr>
-                </a:solidFill>
-              </a:defRPr>
-            </a:lvl3pPr>
-            <a:lvl4pPr marL="1371600" indent="0">
-              <a:buNone/>
-              <a:defRPr sz="1400">
-                <a:solidFill>
-                  <a:schemeClr val="tx1">
-                    <a:tint val="75000"/>
-                  </a:schemeClr>
-                </a:solidFill>
-              </a:defRPr>
-            </a:lvl4pPr>
-            <a:lvl5pPr marL="1828800" indent="0">
-              <a:buNone/>
-              <a:defRPr sz="1400">
-                <a:solidFill>
-                  <a:schemeClr val="tx1">
-                    <a:tint val="75000"/>
-                  </a:schemeClr>
-                </a:solidFill>
-              </a:defRPr>
-            </a:lvl5pPr>
-            <a:lvl6pPr marL="2286000" indent="0">
-              <a:buNone/>
-              <a:defRPr sz="1400">
-                <a:solidFill>
-                  <a:schemeClr val="tx1">
-                    <a:tint val="75000"/>
-                  </a:schemeClr>
-                </a:solidFill>
-              </a:defRPr>
-            </a:lvl6pPr>
-            <a:lvl7pPr marL="2743200" indent="0">
-              <a:buNone/>
-              <a:defRPr sz="1400">
-                <a:solidFill>
-                  <a:schemeClr val="tx1">
-                    <a:tint val="75000"/>
-                  </a:schemeClr>
-                </a:solidFill>
-              </a:defRPr>
-            </a:lvl7pPr>
-            <a:lvl8pPr marL="3200400" indent="0">
-              <a:buNone/>
-              <a:defRPr sz="1400">
-                <a:solidFill>
-                  <a:schemeClr val="tx1">
-                    <a:tint val="75000"/>
-                  </a:schemeClr>
-                </a:solidFill>
-              </a:defRPr>
-            </a:lvl8pPr>
-            <a:lvl9pPr marL="3657600" indent="0">
-              <a:buNone/>
-              <a:defRPr sz="1400">
-                <a:solidFill>
-                  <a:schemeClr val="tx1">
-                    <a:tint val="75000"/>
-                  </a:schemeClr>
-                </a:solidFill>
-              </a:defRPr>
-            </a:lvl9pPr>
-          </a:lstStyle>
-          <a:p>
-            <a:pPr lvl="0"/>
-            <a:r>
-              <a:rPr lang="en-US"/>
-              <a:t>Click to edit Master text styles</a:t>
-            </a:r>
-          </a:p>
-        </p:txBody>
-      </p:sp>
-      <p:sp>
-        <p:nvSpPr>
-          <p:cNvPr id="4" name="Date Placeholder 3"/>
-          <p:cNvSpPr>
-            <a:spLocks noGrp="1"/>
-          </p:cNvSpPr>
-          <p:nvPr>
-            <p:ph type="dt" sz="half" idx="10"/>
-          </p:nvPr>
-        </p:nvSpPr>
-        <p:spPr/>
-        <p:txBody>
-          <a:bodyPr/>
-          <a:lstStyle/>
-          <a:p>
-            <a:fld id="{D6D8061D-18C3-4F4F-85EF-561633F58754}" type="datetimeFigureOut">
-              <a:rPr lang="en-US" smtClean="0"/>
-              <a:t>7/22/2024</a:t>
-            </a:fld>
-            <a:endParaRPr lang="en-US" dirty="0"/>
-          </a:p>
-        </p:txBody>
-      </p:sp>
-      <p:sp>
-        <p:nvSpPr>
-          <p:cNvPr id="5" name="Footer Placeholder 4"/>
-          <p:cNvSpPr>
-            <a:spLocks noGrp="1"/>
-          </p:cNvSpPr>
-          <p:nvPr>
-            <p:ph type="ftr" sz="quarter" idx="11"/>
-          </p:nvPr>
-        </p:nvSpPr>
-        <p:spPr/>
-        <p:txBody>
-          <a:bodyPr/>
-          <a:lstStyle/>
-          <a:p>
-            <a:endParaRPr lang="en-US" dirty="0"/>
-          </a:p>
-        </p:txBody>
-      </p:sp>
-      <p:sp>
-        <p:nvSpPr>
-          <p:cNvPr id="6" name="Slide Number Placeholder 5"/>
-          <p:cNvSpPr>
-            <a:spLocks noGrp="1"/>
-          </p:cNvSpPr>
-          <p:nvPr>
-            <p:ph type="sldNum" sz="quarter" idx="12"/>
-          </p:nvPr>
-        </p:nvSpPr>
-        <p:spPr/>
-        <p:txBody>
-          <a:bodyPr/>
-          <a:lstStyle/>
-          <a:p>
-            <a:fld id="{CBD12358-51D2-46B3-9BDE-DF29528B9454}" type="slidenum">
-              <a:rPr lang="en-US" smtClean="0"/>
-              <a:t>‹#›</a:t>
-            </a:fld>
-            <a:endParaRPr lang="en-US" dirty="0"/>
-          </a:p>
-        </p:txBody>
-      </p:sp>
-    </p:spTree>
-    <p:extLst>
-      <p:ext uri="{BB962C8B-B14F-4D97-AF65-F5344CB8AC3E}">
-        <p14:creationId xmlns:p14="http://schemas.microsoft.com/office/powerpoint/2010/main" val="1713608063"/>
-      </p:ext>
-    </p:extLst>
-  </p:cSld>
-  <p:clrMapOvr>
-    <a:masterClrMapping/>
-  </p:clrMapOvr>
-</p:sldLayout>
-</file>
-
-<file path=ppt/slideLayouts/slideLayout30.xml><?xml version="1.0" encoding="utf-8"?>
+<file path=ppt/slideLayouts/slideLayout23.xml><?xml version="1.0" encoding="utf-8"?>
 <p:sldLayout xmlns:a="http://schemas.openxmlformats.org/drawingml/2006/main" xmlns:r="http://schemas.openxmlformats.org/officeDocument/2006/relationships" xmlns:p="http://schemas.openxmlformats.org/presentationml/2006/main" preserve="1" userDrawn="1">
   <p:cSld name="1_Title Only">
     <p:spTree>
@@ -16722,6 +11136,263 @@
 </p:sldLayout>
 </file>
 
+<file path=ppt/slideLayouts/slideLayout3.xml><?xml version="1.0" encoding="utf-8"?>
+<p:sldLayout xmlns:a="http://schemas.openxmlformats.org/drawingml/2006/main" xmlns:r="http://schemas.openxmlformats.org/officeDocument/2006/relationships" xmlns:p="http://schemas.openxmlformats.org/presentationml/2006/main" type="secHead" preserve="1">
+  <p:cSld name="Section Header">
+    <p:spTree>
+      <p:nvGrpSpPr>
+        <p:cNvPr id="1" name=""/>
+        <p:cNvGrpSpPr/>
+        <p:nvPr/>
+      </p:nvGrpSpPr>
+      <p:grpSpPr>
+        <a:xfrm>
+          <a:off x="0" y="0"/>
+          <a:ext cx="0" cy="0"/>
+          <a:chOff x="0" y="0"/>
+          <a:chExt cx="0" cy="0"/>
+        </a:xfrm>
+      </p:grpSpPr>
+      <p:sp>
+        <p:nvSpPr>
+          <p:cNvPr id="2" name="Title 1"/>
+          <p:cNvSpPr>
+            <a:spLocks noGrp="1"/>
+          </p:cNvSpPr>
+          <p:nvPr>
+            <p:ph type="title"/>
+          </p:nvPr>
+        </p:nvSpPr>
+        <p:spPr>
+          <a:xfrm>
+            <a:off x="1751013" y="3308581"/>
+            <a:ext cx="8686800" cy="1468800"/>
+          </a:xfrm>
+        </p:spPr>
+        <p:txBody>
+          <a:bodyPr anchor="b"/>
+          <a:lstStyle>
+            <a:lvl1pPr algn="r">
+              <a:defRPr sz="4000" b="0" cap="all"/>
+            </a:lvl1pPr>
+          </a:lstStyle>
+          <a:p>
+            <a:r>
+              <a:rPr lang="en-US"/>
+              <a:t>Click to edit Master title style</a:t>
+            </a:r>
+            <a:endParaRPr lang="en-US" dirty="0"/>
+          </a:p>
+        </p:txBody>
+      </p:sp>
+      <p:sp>
+        <p:nvSpPr>
+          <p:cNvPr id="3" name="Text Placeholder 2"/>
+          <p:cNvSpPr>
+            <a:spLocks noGrp="1"/>
+          </p:cNvSpPr>
+          <p:nvPr>
+            <p:ph type="body" idx="1"/>
+          </p:nvPr>
+        </p:nvSpPr>
+        <p:spPr>
+          <a:xfrm>
+            <a:off x="1751011" y="4777381"/>
+            <a:ext cx="8686801" cy="860400"/>
+          </a:xfrm>
+        </p:spPr>
+        <p:txBody>
+          <a:bodyPr anchor="t">
+            <a:normAutofit/>
+          </a:bodyPr>
+          <a:lstStyle>
+            <a:lvl1pPr marL="0" indent="0" algn="r">
+              <a:buNone/>
+              <a:defRPr sz="2000">
+                <a:gradFill flip="none" rotWithShape="1">
+                  <a:gsLst>
+                    <a:gs pos="0">
+                      <a:schemeClr val="tx1"/>
+                    </a:gs>
+                    <a:gs pos="100000">
+                      <a:schemeClr val="tx1">
+                        <a:lumMod val="75000"/>
+                      </a:schemeClr>
+                    </a:gs>
+                  </a:gsLst>
+                  <a:lin ang="5400000" scaled="0"/>
+                  <a:tileRect/>
+                </a:gradFill>
+              </a:defRPr>
+            </a:lvl1pPr>
+            <a:lvl2pPr marL="457200" indent="0">
+              <a:buNone/>
+              <a:defRPr sz="1800">
+                <a:solidFill>
+                  <a:schemeClr val="tx1">
+                    <a:tint val="75000"/>
+                  </a:schemeClr>
+                </a:solidFill>
+              </a:defRPr>
+            </a:lvl2pPr>
+            <a:lvl3pPr marL="914400" indent="0">
+              <a:buNone/>
+              <a:defRPr sz="1600">
+                <a:solidFill>
+                  <a:schemeClr val="tx1">
+                    <a:tint val="75000"/>
+                  </a:schemeClr>
+                </a:solidFill>
+              </a:defRPr>
+            </a:lvl3pPr>
+            <a:lvl4pPr marL="1371600" indent="0">
+              <a:buNone/>
+              <a:defRPr sz="1400">
+                <a:solidFill>
+                  <a:schemeClr val="tx1">
+                    <a:tint val="75000"/>
+                  </a:schemeClr>
+                </a:solidFill>
+              </a:defRPr>
+            </a:lvl4pPr>
+            <a:lvl5pPr marL="1828800" indent="0">
+              <a:buNone/>
+              <a:defRPr sz="1400">
+                <a:solidFill>
+                  <a:schemeClr val="tx1">
+                    <a:tint val="75000"/>
+                  </a:schemeClr>
+                </a:solidFill>
+              </a:defRPr>
+            </a:lvl5pPr>
+            <a:lvl6pPr marL="2286000" indent="0">
+              <a:buNone/>
+              <a:defRPr sz="1400">
+                <a:solidFill>
+                  <a:schemeClr val="tx1">
+                    <a:tint val="75000"/>
+                  </a:schemeClr>
+                </a:solidFill>
+              </a:defRPr>
+            </a:lvl6pPr>
+            <a:lvl7pPr marL="2743200" indent="0">
+              <a:buNone/>
+              <a:defRPr sz="1400">
+                <a:solidFill>
+                  <a:schemeClr val="tx1">
+                    <a:tint val="75000"/>
+                  </a:schemeClr>
+                </a:solidFill>
+              </a:defRPr>
+            </a:lvl7pPr>
+            <a:lvl8pPr marL="3200400" indent="0">
+              <a:buNone/>
+              <a:defRPr sz="1400">
+                <a:solidFill>
+                  <a:schemeClr val="tx1">
+                    <a:tint val="75000"/>
+                  </a:schemeClr>
+                </a:solidFill>
+              </a:defRPr>
+            </a:lvl8pPr>
+            <a:lvl9pPr marL="3657600" indent="0">
+              <a:buNone/>
+              <a:defRPr sz="1400">
+                <a:solidFill>
+                  <a:schemeClr val="tx1">
+                    <a:tint val="75000"/>
+                  </a:schemeClr>
+                </a:solidFill>
+              </a:defRPr>
+            </a:lvl9pPr>
+          </a:lstStyle>
+          <a:p>
+            <a:pPr lvl="0"/>
+            <a:r>
+              <a:rPr lang="en-US"/>
+              <a:t>Click to edit Master text styles</a:t>
+            </a:r>
+          </a:p>
+        </p:txBody>
+      </p:sp>
+      <p:sp>
+        <p:nvSpPr>
+          <p:cNvPr id="4" name="Date Placeholder 3"/>
+          <p:cNvSpPr>
+            <a:spLocks noGrp="1"/>
+          </p:cNvSpPr>
+          <p:nvPr>
+            <p:ph type="dt" sz="half" idx="10"/>
+          </p:nvPr>
+        </p:nvSpPr>
+        <p:spPr/>
+        <p:txBody>
+          <a:bodyPr/>
+          <a:lstStyle/>
+          <a:p>
+            <a:fld id="{D6D8061D-18C3-4F4F-85EF-561633F58754}" type="datetimeFigureOut">
+              <a:rPr lang="en-US" smtClean="0"/>
+              <a:t>7/23/2024</a:t>
+            </a:fld>
+            <a:endParaRPr lang="en-US" dirty="0"/>
+          </a:p>
+        </p:txBody>
+      </p:sp>
+      <p:sp>
+        <p:nvSpPr>
+          <p:cNvPr id="5" name="Footer Placeholder 4"/>
+          <p:cNvSpPr>
+            <a:spLocks noGrp="1"/>
+          </p:cNvSpPr>
+          <p:nvPr>
+            <p:ph type="ftr" sz="quarter" idx="11"/>
+          </p:nvPr>
+        </p:nvSpPr>
+        <p:spPr/>
+        <p:txBody>
+          <a:bodyPr/>
+          <a:lstStyle/>
+          <a:p>
+            <a:endParaRPr lang="en-US" dirty="0"/>
+          </a:p>
+        </p:txBody>
+      </p:sp>
+      <p:sp>
+        <p:nvSpPr>
+          <p:cNvPr id="6" name="Slide Number Placeholder 5"/>
+          <p:cNvSpPr>
+            <a:spLocks noGrp="1"/>
+          </p:cNvSpPr>
+          <p:nvPr>
+            <p:ph type="sldNum" sz="quarter" idx="12"/>
+          </p:nvPr>
+        </p:nvSpPr>
+        <p:spPr/>
+        <p:txBody>
+          <a:bodyPr/>
+          <a:lstStyle/>
+          <a:p>
+            <a:fld id="{CBD12358-51D2-46B3-9BDE-DF29528B9454}" type="slidenum">
+              <a:rPr lang="en-US" smtClean="0"/>
+              <a:t>‹#›</a:t>
+            </a:fld>
+            <a:endParaRPr lang="en-US" dirty="0"/>
+          </a:p>
+        </p:txBody>
+      </p:sp>
+    </p:spTree>
+    <p:extLst>
+      <p:ext uri="{BB962C8B-B14F-4D97-AF65-F5344CB8AC3E}">
+        <p14:creationId xmlns:p14="http://schemas.microsoft.com/office/powerpoint/2010/main" val="1713608063"/>
+      </p:ext>
+    </p:extLst>
+  </p:cSld>
+  <p:clrMapOvr>
+    <a:masterClrMapping/>
+  </p:clrMapOvr>
+</p:sldLayout>
+</file>
+
 <file path=ppt/slideLayouts/slideLayout4.xml><?xml version="1.0" encoding="utf-8"?>
 <p:sldLayout xmlns:a="http://schemas.openxmlformats.org/drawingml/2006/main" xmlns:r="http://schemas.openxmlformats.org/officeDocument/2006/relationships" xmlns:p="http://schemas.openxmlformats.org/presentationml/2006/main" type="twoObj" preserve="1">
   <p:cSld name="Two Content">
@@ -16953,7 +11624,7 @@
           <a:p>
             <a:fld id="{D6D8061D-18C3-4F4F-85EF-561633F58754}" type="datetimeFigureOut">
               <a:rPr lang="en-US" smtClean="0"/>
-              <a:t>7/22/2024</a:t>
+              <a:t>7/23/2024</a:t>
             </a:fld>
             <a:endParaRPr lang="en-US" dirty="0"/>
           </a:p>
@@ -17383,7 +12054,7 @@
           <a:p>
             <a:fld id="{D6D8061D-18C3-4F4F-85EF-561633F58754}" type="datetimeFigureOut">
               <a:rPr lang="en-US" smtClean="0"/>
-              <a:t>7/22/2024</a:t>
+              <a:t>7/23/2024</a:t>
             </a:fld>
             <a:endParaRPr lang="en-US" dirty="0"/>
           </a:p>
@@ -17502,7 +12173,7 @@
             <a:fld id="{B61BEF0D-F0BB-DE4B-95CE-6DB70DBA9567}" type="datetimeFigureOut">
               <a:rPr lang="en-US" dirty="0"/>
               <a:pPr/>
-              <a:t>7/22/2024</a:t>
+              <a:t>7/23/2024</a:t>
             </a:fld>
             <a:endParaRPr lang="en-US" dirty="0"/>
           </a:p>
@@ -18444,7 +13115,7 @@
           <a:p>
             <a:fld id="{D6D8061D-18C3-4F4F-85EF-561633F58754}" type="datetimeFigureOut">
               <a:rPr lang="en-US" smtClean="0"/>
-              <a:t>7/22/2024</a:t>
+              <a:t>7/23/2024</a:t>
             </a:fld>
             <a:endParaRPr lang="en-US" dirty="0"/>
           </a:p>
@@ -18727,7 +13398,7 @@
           <a:p>
             <a:fld id="{D6D8061D-18C3-4F4F-85EF-561633F58754}" type="datetimeFigureOut">
               <a:rPr lang="en-US" smtClean="0"/>
-              <a:t>7/22/2024</a:t>
+              <a:t>7/23/2024</a:t>
             </a:fld>
             <a:endParaRPr lang="en-US" dirty="0"/>
           </a:p>
@@ -19018,7 +13689,7 @@
           <a:p>
             <a:fld id="{D6D8061D-18C3-4F4F-85EF-561633F58754}" type="datetimeFigureOut">
               <a:rPr lang="en-US" smtClean="0"/>
-              <a:t>7/22/2024</a:t>
+              <a:t>7/23/2024</a:t>
             </a:fld>
             <a:endParaRPr lang="en-US" dirty="0"/>
           </a:p>
@@ -19249,7 +13920,7 @@
           <a:p>
             <a:fld id="{D6D8061D-18C3-4F4F-85EF-561633F58754}" type="datetimeFigureOut">
               <a:rPr lang="en-US" smtClean="0"/>
-              <a:t>7/22/2024</a:t>
+              <a:t>7/23/2024</a:t>
             </a:fld>
             <a:endParaRPr lang="en-US" dirty="0"/>
           </a:p>
@@ -19379,15 +14050,8 @@
     <p:sldLayoutId id="2147483687" r:id="rId19"/>
     <p:sldLayoutId id="2147483688" r:id="rId20"/>
     <p:sldLayoutId id="2147483689" r:id="rId21"/>
-    <p:sldLayoutId id="2147483690" r:id="rId22"/>
-    <p:sldLayoutId id="2147483691" r:id="rId23"/>
-    <p:sldLayoutId id="2147483692" r:id="rId24"/>
-    <p:sldLayoutId id="2147483693" r:id="rId25"/>
-    <p:sldLayoutId id="2147483694" r:id="rId26"/>
-    <p:sldLayoutId id="2147483695" r:id="rId27"/>
-    <p:sldLayoutId id="2147483696" r:id="rId28"/>
-    <p:sldLayoutId id="2147483697" r:id="rId29"/>
-    <p:sldLayoutId id="2147483654" r:id="rId30"/>
+    <p:sldLayoutId id="2147483692" r:id="rId22"/>
+    <p:sldLayoutId id="2147483654" r:id="rId23"/>
   </p:sldLayoutIdLst>
   <p:txStyles>
     <p:titleStyle>
@@ -22153,10 +16817,10 @@
       </p:grpSpPr>
       <p:sp>
         <p:nvSpPr>
-          <p:cNvPr id="4" name="Title 3">
+          <p:cNvPr id="2" name="Title 1">
             <a:extLst>
               <a:ext uri="{FF2B5EF4-FFF2-40B4-BE49-F238E27FC236}">
-                <a16:creationId xmlns:a16="http://schemas.microsoft.com/office/drawing/2014/main" id="{82513E45-4F5C-9394-1D42-7FB6C0170D83}"/>
+                <a16:creationId xmlns:a16="http://schemas.microsoft.com/office/drawing/2014/main" id="{47A9874B-BCA9-8420-1595-EDD1865A099A}"/>
               </a:ext>
             </a:extLst>
           </p:cNvPr>
@@ -22167,88 +16831,90 @@
             <p:ph type="title"/>
           </p:nvPr>
         </p:nvSpPr>
-        <p:spPr/>
-        <p:txBody>
-          <a:bodyPr anchor="b">
+        <p:spPr>
+          <a:xfrm>
+            <a:off x="800364" y="353568"/>
+            <a:ext cx="9905998" cy="1905000"/>
+          </a:xfrm>
+          <a:noFill/>
+        </p:spPr>
+        <p:txBody>
+          <a:bodyPr anchor="ctr"/>
+          <a:lstStyle/>
+          <a:p>
+            <a:r>
+              <a:rPr lang="en-US" b="1" dirty="0"/>
+              <a:t>NBA ANALYTICS BACKGROUND</a:t>
+            </a:r>
+          </a:p>
+        </p:txBody>
+      </p:sp>
+      <p:sp>
+        <p:nvSpPr>
+          <p:cNvPr id="3" name="Content Placeholder 2">
+            <a:extLst>
+              <a:ext uri="{FF2B5EF4-FFF2-40B4-BE49-F238E27FC236}">
+                <a16:creationId xmlns:a16="http://schemas.microsoft.com/office/drawing/2014/main" id="{68A5FD2B-E3E5-1C2B-0151-21F216B14A33}"/>
+              </a:ext>
+            </a:extLst>
+          </p:cNvPr>
+          <p:cNvSpPr>
+            <a:spLocks noGrp="1"/>
+          </p:cNvSpPr>
+          <p:nvPr>
+            <p:ph sz="half" idx="1"/>
+          </p:nvPr>
+        </p:nvSpPr>
+        <p:spPr>
+          <a:xfrm>
+            <a:off x="838200" y="1825625"/>
+            <a:ext cx="10553436" cy="4297680"/>
+          </a:xfrm>
+          <a:noFill/>
+        </p:spPr>
+        <p:txBody>
+          <a:bodyPr anchor="t">
             <a:normAutofit/>
           </a:bodyPr>
           <a:lstStyle/>
           <a:p>
+            <a:pPr marL="342900" indent="-342900">
+              <a:buFont typeface="Arial" panose="020B0604020202020204" pitchFamily="34" charset="0"/>
+              <a:buChar char="•"/>
+            </a:pPr>
             <a:r>
               <a:rPr lang="en-US" dirty="0"/>
-              <a:t>Overcoming</a:t>
-            </a:r>
-            <a:br>
+              <a:t>There has been a revolution in the past 10 years in basketball as to how teams play and evaluate players</a:t>
+            </a:r>
+          </a:p>
+          <a:p>
+            <a:pPr marL="342900" indent="-342900">
+              <a:buFont typeface="Arial" panose="020B0604020202020204" pitchFamily="34" charset="0"/>
+              <a:buChar char="•"/>
+            </a:pPr>
+            <a:r>
               <a:rPr lang="en-US" dirty="0"/>
-            </a:br>
+              <a:t>Shooting has been placed at a premium i.e. Steph Curry</a:t>
+            </a:r>
+          </a:p>
+          <a:p>
+            <a:pPr marL="342900" indent="-342900">
+              <a:buFont typeface="Arial" panose="020B0604020202020204" pitchFamily="34" charset="0"/>
+              <a:buChar char="•"/>
+            </a:pPr>
             <a:r>
               <a:rPr lang="en-US" dirty="0"/>
-              <a:t>nervousness</a:t>
-            </a:r>
-          </a:p>
-        </p:txBody>
-      </p:sp>
-      <p:pic>
-        <p:nvPicPr>
-          <p:cNvPr id="10" name="Content Placeholder 10" descr="Child looking at a world map">
-            <a:extLst>
-              <a:ext uri="{FF2B5EF4-FFF2-40B4-BE49-F238E27FC236}">
-                <a16:creationId xmlns:a16="http://schemas.microsoft.com/office/drawing/2014/main" id="{BDDFC830-574D-79C7-544E-026A2E301E99}"/>
-              </a:ext>
-            </a:extLst>
-          </p:cNvPr>
-          <p:cNvPicPr>
-            <a:picLocks noGrp="1" noChangeAspect="1"/>
-          </p:cNvPicPr>
-          <p:nvPr>
-            <p:ph type="pic" sz="quarter" idx="14"/>
-          </p:nvPr>
-        </p:nvPicPr>
-        <p:blipFill rotWithShape="1">
-          <a:blip r:embed="rId3" cstate="screen">
-            <a:extLst>
-              <a:ext uri="{28A0092B-C50C-407E-A947-70E740481C1C}">
-                <a14:useLocalDpi xmlns:a14="http://schemas.microsoft.com/office/drawing/2010/main"/>
-              </a:ext>
-            </a:extLst>
-          </a:blip>
-          <a:srcRect/>
-          <a:stretch/>
-        </p:blipFill>
-        <p:spPr/>
-      </p:pic>
-      <p:sp>
-        <p:nvSpPr>
-          <p:cNvPr id="5" name="Content Placeholder 4">
-            <a:extLst>
-              <a:ext uri="{FF2B5EF4-FFF2-40B4-BE49-F238E27FC236}">
-                <a16:creationId xmlns:a16="http://schemas.microsoft.com/office/drawing/2014/main" id="{55C37F52-5C08-7C02-C9CA-E2AD930A95FB}"/>
-              </a:ext>
-            </a:extLst>
-          </p:cNvPr>
-          <p:cNvSpPr>
-            <a:spLocks noGrp="1"/>
-          </p:cNvSpPr>
-          <p:nvPr>
-            <p:ph idx="1"/>
-          </p:nvPr>
-        </p:nvSpPr>
-        <p:spPr/>
-        <p:txBody>
-          <a:bodyPr>
-            <a:normAutofit/>
-          </a:bodyPr>
-          <a:lstStyle/>
-          <a:p>
+              <a:t>“Shoot a Three or Get a Layup”, “Spacing”, “Pts PER Possession”</a:t>
+            </a:r>
+          </a:p>
+          <a:p>
+            <a:pPr marL="342900" indent="-342900">
+              <a:buFont typeface="Arial" panose="020B0604020202020204" pitchFamily="34" charset="0"/>
+              <a:buChar char="•"/>
+            </a:pPr>
             <a:r>
               <a:rPr lang="en-US" dirty="0"/>
-              <a:t>Confidence-building</a:t>
-            </a:r>
-          </a:p>
-          <a:p>
-            <a:r>
-              <a:rPr lang="en-US" dirty="0"/>
-              <a:t>strategies</a:t>
+              <a:t>Players are evaluated through an analytics framework – shooting, defense and taking care of the Ball</a:t>
             </a:r>
           </a:p>
         </p:txBody>
@@ -22256,7 +16922,7 @@
     </p:spTree>
     <p:extLst>
       <p:ext uri="{BB962C8B-B14F-4D97-AF65-F5344CB8AC3E}">
-        <p14:creationId xmlns:p14="http://schemas.microsoft.com/office/powerpoint/2010/main" val="3293924303"/>
+        <p14:creationId xmlns:p14="http://schemas.microsoft.com/office/powerpoint/2010/main" val="1127649784"/>
       </p:ext>
     </p:extLst>
   </p:cSld>
@@ -22420,7 +17086,7 @@
           <p:cNvPr id="2" name="Title 1">
             <a:extLst>
               <a:ext uri="{FF2B5EF4-FFF2-40B4-BE49-F238E27FC236}">
-                <a16:creationId xmlns:a16="http://schemas.microsoft.com/office/drawing/2014/main" id="{BF463CB3-2956-E8D2-C23D-A3BAA7295DEC}"/>
+                <a16:creationId xmlns:a16="http://schemas.microsoft.com/office/drawing/2014/main" id="{47A9874B-BCA9-8420-1595-EDD1865A099A}"/>
               </a:ext>
             </a:extLst>
           </p:cNvPr>
@@ -22428,36 +17094,33 @@
             <a:spLocks noGrp="1"/>
           </p:cNvSpPr>
           <p:nvPr>
-            <p:ph type="ctrTitle"/>
+            <p:ph type="title"/>
           </p:nvPr>
         </p:nvSpPr>
         <p:spPr>
+          <a:xfrm>
+            <a:off x="800364" y="353568"/>
+            <a:ext cx="9905998" cy="1905000"/>
+          </a:xfrm>
           <a:noFill/>
         </p:spPr>
         <p:txBody>
-          <a:bodyPr/>
+          <a:bodyPr anchor="ctr"/>
           <a:lstStyle/>
           <a:p>
             <a:r>
-              <a:rPr lang="en-US" dirty="0"/>
-              <a:t>Selecting</a:t>
-            </a:r>
-            <a:br>
-              <a:rPr lang="en-US" dirty="0"/>
-            </a:br>
-            <a:r>
-              <a:rPr lang="en-US" dirty="0"/>
-              <a:t>visual aids </a:t>
-            </a:r>
-          </a:p>
-        </p:txBody>
-      </p:sp>
-      <p:sp>
-        <p:nvSpPr>
-          <p:cNvPr id="3" name="Subtitle 2">
+              <a:rPr lang="en-US" b="1" dirty="0"/>
+              <a:t>What does this project do?</a:t>
+            </a:r>
+          </a:p>
+        </p:txBody>
+      </p:sp>
+      <p:sp>
+        <p:nvSpPr>
+          <p:cNvPr id="3" name="Content Placeholder 2">
             <a:extLst>
               <a:ext uri="{FF2B5EF4-FFF2-40B4-BE49-F238E27FC236}">
-                <a16:creationId xmlns:a16="http://schemas.microsoft.com/office/drawing/2014/main" id="{FEECEBD4-35BF-26BB-D438-DA43EBD5EE89}"/>
+                <a16:creationId xmlns:a16="http://schemas.microsoft.com/office/drawing/2014/main" id="{68A5FD2B-E3E5-1C2B-0151-21F216B14A33}"/>
               </a:ext>
             </a:extLst>
           </p:cNvPr>
@@ -22465,33 +17128,83 @@
             <a:spLocks noGrp="1"/>
           </p:cNvSpPr>
           <p:nvPr>
-            <p:ph type="subTitle" idx="1"/>
+            <p:ph sz="half" idx="1"/>
           </p:nvPr>
         </p:nvSpPr>
         <p:spPr>
+          <a:xfrm>
+            <a:off x="838200" y="1825625"/>
+            <a:ext cx="10553436" cy="4297680"/>
+          </a:xfrm>
           <a:noFill/>
         </p:spPr>
         <p:txBody>
-          <a:bodyPr/>
+          <a:bodyPr anchor="t">
+            <a:normAutofit/>
+          </a:bodyPr>
           <a:lstStyle/>
           <a:p>
+            <a:pPr marL="342900" indent="-342900">
+              <a:buFont typeface="Arial" panose="020B0604020202020204" pitchFamily="34" charset="0"/>
+              <a:buChar char="•"/>
+            </a:pPr>
             <a:r>
               <a:rPr lang="en-US" dirty="0"/>
-              <a:t>Enhancing your</a:t>
-            </a:r>
-          </a:p>
-          <a:p>
+              <a:t>Attempted to identify the primary drivers to winning margin and which team wins</a:t>
+            </a:r>
+          </a:p>
+          <a:p>
+            <a:pPr marL="342900" indent="-342900">
+              <a:buFont typeface="Arial" panose="020B0604020202020204" pitchFamily="34" charset="0"/>
+              <a:buChar char="•"/>
+            </a:pPr>
             <a:r>
               <a:rPr lang="en-US" dirty="0"/>
-              <a:t>presentation</a:t>
-            </a:r>
+              <a:t>Does this by:</a:t>
+            </a:r>
+          </a:p>
+          <a:p>
+            <a:pPr marL="571500" lvl="1" indent="-342900"/>
+            <a:r>
+              <a:rPr lang="en-US" dirty="0"/>
+              <a:t>Converting metrics in the dataset to the advanced analytics data</a:t>
+            </a:r>
+          </a:p>
+          <a:p>
+            <a:pPr marL="571500" lvl="1" indent="-342900"/>
+            <a:r>
+              <a:rPr lang="en-US" dirty="0"/>
+              <a:t>Data Cleaning – use only data from 2004 </a:t>
+            </a:r>
+          </a:p>
+          <a:p>
+            <a:pPr marL="571500" lvl="1" indent="-342900"/>
+            <a:r>
+              <a:rPr lang="en-US" dirty="0" err="1"/>
+              <a:t>Kmeans</a:t>
+            </a:r>
+            <a:r>
+              <a:rPr lang="en-US" dirty="0"/>
+              <a:t> and PCA Analysis </a:t>
+            </a:r>
+          </a:p>
+          <a:p>
+            <a:pPr marL="571500" lvl="1" indent="-342900"/>
+            <a:r>
+              <a:rPr lang="en-US" dirty="0"/>
+              <a:t>Apply Linear Regression, Logistic Regression and Random Forest Classifier to identify the metrics that are the Key Drivers</a:t>
+            </a:r>
+          </a:p>
+          <a:p>
+            <a:pPr marL="571500" lvl="1" indent="-342900"/>
+            <a:endParaRPr lang="en-US" dirty="0"/>
           </a:p>
         </p:txBody>
       </p:sp>
     </p:spTree>
     <p:extLst>
       <p:ext uri="{BB962C8B-B14F-4D97-AF65-F5344CB8AC3E}">
-        <p14:creationId xmlns:p14="http://schemas.microsoft.com/office/powerpoint/2010/main" val="363098972"/>
+        <p14:creationId xmlns:p14="http://schemas.microsoft.com/office/powerpoint/2010/main" val="1875146028"/>
       </p:ext>
     </p:extLst>
   </p:cSld>
@@ -22535,6 +17248,10 @@
           </p:nvPr>
         </p:nvSpPr>
         <p:spPr>
+          <a:xfrm>
+            <a:off x="800364" y="353568"/>
+            <a:ext cx="9905998" cy="1905000"/>
+          </a:xfrm>
           <a:noFill/>
         </p:spPr>
         <p:txBody>
@@ -22542,8 +17259,8 @@
           <a:lstStyle/>
           <a:p>
             <a:r>
-              <a:rPr lang="en-US" dirty="0"/>
-              <a:t>Effective delivery techniques</a:t>
+              <a:rPr lang="en-US" b="1" dirty="0"/>
+              <a:t>Data preparation</a:t>
             </a:r>
           </a:p>
         </p:txBody>
@@ -22565,106 +17282,106 @@
           </p:nvPr>
         </p:nvSpPr>
         <p:spPr>
+          <a:xfrm>
+            <a:off x="838200" y="1825625"/>
+            <a:ext cx="10553436" cy="4297680"/>
+          </a:xfrm>
           <a:noFill/>
         </p:spPr>
         <p:txBody>
-          <a:bodyPr>
-            <a:normAutofit/>
+          <a:bodyPr anchor="t">
+            <a:normAutofit fontScale="92500" lnSpcReduction="20000"/>
           </a:bodyPr>
           <a:lstStyle/>
           <a:p>
+            <a:pPr marL="571500" lvl="1" indent="-342900"/>
             <a:r>
               <a:rPr lang="en-US" dirty="0"/>
-              <a:t>This is a powerful tool in public speaking. It involves varying pitch, tone, and volume to convey emotion, emphasize points, and maintain interest. </a:t>
-            </a:r>
-          </a:p>
-          <a:p>
-            <a:pPr lvl="1"/>
+              <a:t>Found a dataset on Kaggle that contains data for every NBA game since 1946</a:t>
+            </a:r>
+          </a:p>
+          <a:p>
+            <a:pPr marL="571500" lvl="1" indent="-342900"/>
             <a:r>
               <a:rPr lang="en-US" dirty="0"/>
-              <a:t>Pitch variation</a:t>
-            </a:r>
-          </a:p>
-          <a:p>
-            <a:pPr lvl="1"/>
+              <a:t>Only use data from 2004 – the year the NBA took its current form</a:t>
+            </a:r>
+          </a:p>
+          <a:p>
+            <a:pPr marL="571500" lvl="1" indent="-342900"/>
             <a:r>
               <a:rPr lang="en-US" dirty="0"/>
-              <a:t>Tone inflection</a:t>
-            </a:r>
-          </a:p>
-          <a:p>
-            <a:pPr lvl="1"/>
+              <a:t>Remove All-Star Games and Pre-Season Games</a:t>
+            </a:r>
+          </a:p>
+          <a:p>
+            <a:pPr marL="571500" lvl="1" indent="-342900"/>
             <a:r>
               <a:rPr lang="en-US" dirty="0"/>
-              <a:t>Volume control</a:t>
-            </a:r>
-          </a:p>
-        </p:txBody>
-      </p:sp>
-      <p:sp>
-        <p:nvSpPr>
-          <p:cNvPr id="4" name="Content Placeholder 3">
-            <a:extLst>
-              <a:ext uri="{FF2B5EF4-FFF2-40B4-BE49-F238E27FC236}">
-                <a16:creationId xmlns:a16="http://schemas.microsoft.com/office/drawing/2014/main" id="{ACFBB810-3430-2C29-1AA0-9744AA0A1AA3}"/>
-              </a:ext>
-            </a:extLst>
-          </p:cNvPr>
-          <p:cNvSpPr>
-            <a:spLocks noGrp="1"/>
-          </p:cNvSpPr>
-          <p:nvPr>
-            <p:ph sz="half" idx="15"/>
-          </p:nvPr>
-        </p:nvSpPr>
-        <p:spPr>
-          <a:noFill/>
-        </p:spPr>
-        <p:txBody>
-          <a:bodyPr>
-            <a:normAutofit/>
-          </a:bodyPr>
-          <a:lstStyle/>
-          <a:p>
+              <a:t>Create 2 Data frames – one for Playoff Games and one for In-Season</a:t>
+            </a:r>
+          </a:p>
+          <a:p>
+            <a:pPr marL="571500" lvl="1" indent="-342900"/>
             <a:r>
               <a:rPr lang="en-US" dirty="0"/>
-              <a:t>Effective body language enhances your message, making it more impactful and memorable.</a:t>
-            </a:r>
-          </a:p>
-          <a:p>
-            <a:pPr lvl="1"/>
+              <a:t>Advanced Data Metrics:</a:t>
+            </a:r>
+          </a:p>
+          <a:p>
+            <a:pPr marL="937260" lvl="2" indent="-342900"/>
             <a:r>
               <a:rPr lang="en-US" dirty="0"/>
-              <a:t>Meaningful eye contact</a:t>
-            </a:r>
-          </a:p>
-          <a:p>
-            <a:pPr lvl="1"/>
+              <a:t>Calculate these metrics:</a:t>
+            </a:r>
+          </a:p>
+          <a:p>
+            <a:pPr marL="1211580" lvl="3" indent="-342900"/>
             <a:r>
               <a:rPr lang="en-US" dirty="0"/>
-              <a:t>Purposeful gestures</a:t>
-            </a:r>
-          </a:p>
-          <a:p>
-            <a:pPr lvl="1"/>
+              <a:t>True Shooting Percentage: 	Total Points /((2* 2PT FGA) + (3PT FGA) +.44*FTA))</a:t>
+            </a:r>
+          </a:p>
+          <a:p>
+            <a:pPr marL="1211580" lvl="3" indent="-342900"/>
             <a:r>
               <a:rPr lang="en-US" dirty="0"/>
-              <a:t>Maintain good posture</a:t>
-            </a:r>
-          </a:p>
-          <a:p>
-            <a:pPr lvl="1"/>
+              <a:t>Assist To Turnover Ratio: 		Assist / Turn-Over</a:t>
+            </a:r>
+          </a:p>
+          <a:p>
+            <a:pPr marL="1211580" lvl="3" indent="-342900"/>
             <a:r>
               <a:rPr lang="en-US" dirty="0"/>
-              <a:t>Control your expressions</a:t>
-            </a:r>
+              <a:t>Rebound Margin: 				REB Home – REB - Visitor</a:t>
+            </a:r>
+          </a:p>
+          <a:p>
+            <a:pPr marL="937260" lvl="2" indent="-342900"/>
+            <a:endParaRPr lang="en-US" dirty="0"/>
+          </a:p>
+          <a:p>
+            <a:pPr marL="571500" lvl="1" indent="-342900"/>
+            <a:endParaRPr lang="en-US" dirty="0"/>
+          </a:p>
+          <a:p>
+            <a:pPr marL="571500" lvl="1" indent="-342900"/>
+            <a:endParaRPr lang="en-US" dirty="0"/>
+          </a:p>
+          <a:p>
+            <a:pPr marL="571500" lvl="1" indent="-342900"/>
+            <a:endParaRPr lang="en-US" dirty="0"/>
+          </a:p>
+          <a:p>
+            <a:pPr marL="571500" lvl="1" indent="-342900"/>
+            <a:endParaRPr lang="en-US" dirty="0"/>
           </a:p>
         </p:txBody>
       </p:sp>
     </p:spTree>
     <p:extLst>
       <p:ext uri="{BB962C8B-B14F-4D97-AF65-F5344CB8AC3E}">
-        <p14:creationId xmlns:p14="http://schemas.microsoft.com/office/powerpoint/2010/main" val="1127649784"/>
+        <p14:creationId xmlns:p14="http://schemas.microsoft.com/office/powerpoint/2010/main" val="1517552102"/>
       </p:ext>
     </p:extLst>
   </p:cSld>
@@ -22696,7 +17413,7 @@
           <p:cNvPr id="2" name="Title 1">
             <a:extLst>
               <a:ext uri="{FF2B5EF4-FFF2-40B4-BE49-F238E27FC236}">
-                <a16:creationId xmlns:a16="http://schemas.microsoft.com/office/drawing/2014/main" id="{314C27C8-165C-5513-DB4B-9D840097C545}"/>
+                <a16:creationId xmlns:a16="http://schemas.microsoft.com/office/drawing/2014/main" id="{47A9874B-BCA9-8420-1595-EDD1865A099A}"/>
               </a:ext>
             </a:extLst>
           </p:cNvPr>
@@ -22708,6 +17425,10 @@
           </p:nvPr>
         </p:nvSpPr>
         <p:spPr>
+          <a:xfrm>
+            <a:off x="800364" y="353568"/>
+            <a:ext cx="9905998" cy="1905000"/>
+          </a:xfrm>
           <a:noFill/>
         </p:spPr>
         <p:txBody>
@@ -22715,8 +17436,8 @@
           <a:lstStyle/>
           <a:p>
             <a:r>
-              <a:rPr lang="en-US" dirty="0"/>
-              <a:t>Navigating Q&amp;A sessions</a:t>
+              <a:rPr lang="en-US" b="1" dirty="0"/>
+              <a:t>analysis</a:t>
             </a:r>
           </a:p>
         </p:txBody>
@@ -22726,7 +17447,7 @@
           <p:cNvPr id="3" name="Content Placeholder 2">
             <a:extLst>
               <a:ext uri="{FF2B5EF4-FFF2-40B4-BE49-F238E27FC236}">
-                <a16:creationId xmlns:a16="http://schemas.microsoft.com/office/drawing/2014/main" id="{FACE640F-7F5A-BDB7-205D-765FA80B6796}"/>
+                <a16:creationId xmlns:a16="http://schemas.microsoft.com/office/drawing/2014/main" id="{68A5FD2B-E3E5-1C2B-0151-21F216B14A33}"/>
               </a:ext>
             </a:extLst>
           </p:cNvPr>
@@ -22738,97 +17459,71 @@
           </p:nvPr>
         </p:nvSpPr>
         <p:spPr>
+          <a:xfrm>
+            <a:off x="800364" y="1662339"/>
+            <a:ext cx="10553436" cy="4297680"/>
+          </a:xfrm>
           <a:noFill/>
         </p:spPr>
         <p:txBody>
-          <a:bodyPr>
+          <a:bodyPr anchor="t">
             <a:normAutofit/>
           </a:bodyPr>
           <a:lstStyle/>
           <a:p>
+            <a:pPr marL="937260" lvl="2" indent="-342900"/>
             <a:r>
               <a:rPr lang="en-US" dirty="0"/>
-              <a:t>Know your material in advance</a:t>
-            </a:r>
-          </a:p>
-          <a:p>
+              <a:t>KMEANS and PCA Analysis – I conducted it but did not use the smaller data sets</a:t>
+            </a:r>
+          </a:p>
+          <a:p>
+            <a:pPr marL="937260" lvl="2" indent="-342900"/>
             <a:r>
               <a:rPr lang="en-US" dirty="0"/>
-              <a:t>Anticipate common questions</a:t>
-            </a:r>
-          </a:p>
-          <a:p>
+              <a:t>Linear Regression – made “Home Team Winning Margin” the Dependent Variable and True Shooting Percentage(TPS), Assist-To-Turnover Ration (A2O) and Rebound Margin as the Independent Variables</a:t>
+            </a:r>
+          </a:p>
+          <a:p>
+            <a:pPr marL="937260" lvl="2" indent="-342900"/>
             <a:r>
               <a:rPr lang="en-US" dirty="0"/>
-              <a:t>Rehearse your responses</a:t>
-            </a:r>
-          </a:p>
-        </p:txBody>
-      </p:sp>
-      <p:sp>
-        <p:nvSpPr>
-          <p:cNvPr id="4" name="Content Placeholder 3">
-            <a:extLst>
-              <a:ext uri="{FF2B5EF4-FFF2-40B4-BE49-F238E27FC236}">
-                <a16:creationId xmlns:a16="http://schemas.microsoft.com/office/drawing/2014/main" id="{83302BFD-960F-CBB3-E984-CDC12813A10C}"/>
-              </a:ext>
-            </a:extLst>
-          </p:cNvPr>
-          <p:cNvSpPr>
-            <a:spLocks noGrp="1"/>
-          </p:cNvSpPr>
-          <p:nvPr>
-            <p:ph sz="half" idx="15"/>
-          </p:nvPr>
-        </p:nvSpPr>
-        <p:spPr>
-          <a:noFill/>
-        </p:spPr>
-        <p:txBody>
-          <a:bodyPr>
-            <a:normAutofit/>
-          </a:bodyPr>
-          <a:lstStyle/>
-          <a:p>
+              <a:t>Logistic Regression – same as Linear Regression except the dependent variables was binary – 1 if the Home Team wins, 0 if they lose</a:t>
+            </a:r>
+          </a:p>
+          <a:p>
+            <a:pPr marL="937260" lvl="2" indent="-342900"/>
             <a:r>
               <a:rPr lang="en-US" dirty="0"/>
-              <a:t>Maintaining composure during the Q&amp;A session is essential for projecting confidence and authority. Consider the following tips for staying composed:</a:t>
-            </a:r>
-          </a:p>
-          <a:p>
-            <a:pPr lvl="1"/>
-            <a:r>
-              <a:rPr lang="en-US" dirty="0"/>
-              <a:t>Stay calm</a:t>
-            </a:r>
-          </a:p>
-          <a:p>
-            <a:pPr lvl="1"/>
-            <a:r>
-              <a:rPr lang="en-US" dirty="0"/>
-              <a:t>Actively listen</a:t>
-            </a:r>
-          </a:p>
-          <a:p>
-            <a:pPr lvl="1"/>
-            <a:r>
-              <a:rPr lang="en-US" dirty="0"/>
-              <a:t>Pause and reflect</a:t>
-            </a:r>
-          </a:p>
-          <a:p>
-            <a:pPr lvl="1"/>
-            <a:r>
-              <a:rPr lang="en-US" dirty="0"/>
-              <a:t>Maintain eye contact</a:t>
-            </a:r>
+              <a:t>Random Forest Classifier – Who Wins and Loses</a:t>
+            </a:r>
+          </a:p>
+          <a:p>
+            <a:pPr marL="937260" lvl="2" indent="-342900"/>
+            <a:endParaRPr lang="en-US" dirty="0"/>
+          </a:p>
+          <a:p>
+            <a:pPr marL="571500" lvl="1" indent="-342900"/>
+            <a:endParaRPr lang="en-US" dirty="0"/>
+          </a:p>
+          <a:p>
+            <a:pPr marL="571500" lvl="1" indent="-342900"/>
+            <a:endParaRPr lang="en-US" dirty="0"/>
+          </a:p>
+          <a:p>
+            <a:pPr marL="571500" lvl="1" indent="-342900"/>
+            <a:endParaRPr lang="en-US" dirty="0"/>
+          </a:p>
+          <a:p>
+            <a:pPr marL="571500" lvl="1" indent="-342900"/>
+            <a:endParaRPr lang="en-US" dirty="0"/>
           </a:p>
         </p:txBody>
       </p:sp>
     </p:spTree>
     <p:extLst>
       <p:ext uri="{BB962C8B-B14F-4D97-AF65-F5344CB8AC3E}">
-        <p14:creationId xmlns:p14="http://schemas.microsoft.com/office/powerpoint/2010/main" val="729609147"/>
+        <p14:creationId xmlns:p14="http://schemas.microsoft.com/office/powerpoint/2010/main" val="2764787725"/>
       </p:ext>
     </p:extLst>
   </p:cSld>
@@ -22860,7 +17555,7 @@
           <p:cNvPr id="2" name="Title 1">
             <a:extLst>
               <a:ext uri="{FF2B5EF4-FFF2-40B4-BE49-F238E27FC236}">
-                <a16:creationId xmlns:a16="http://schemas.microsoft.com/office/drawing/2014/main" id="{338A15DE-D135-0710-9984-A0A55E960CB0}"/>
+                <a16:creationId xmlns:a16="http://schemas.microsoft.com/office/drawing/2014/main" id="{47A9874B-BCA9-8420-1595-EDD1865A099A}"/>
               </a:ext>
             </a:extLst>
           </p:cNvPr>
@@ -22872,90 +17567,147 @@
           </p:nvPr>
         </p:nvSpPr>
         <p:spPr>
+          <a:xfrm>
+            <a:off x="963650" y="-310461"/>
+            <a:ext cx="9905998" cy="1905000"/>
+          </a:xfrm>
           <a:noFill/>
         </p:spPr>
         <p:txBody>
-          <a:bodyPr anchor="b"/>
+          <a:bodyPr anchor="ctr"/>
           <a:lstStyle/>
           <a:p>
             <a:r>
-              <a:rPr lang="en-US" dirty="0"/>
-              <a:t>Speaking impact</a:t>
-            </a:r>
-          </a:p>
-        </p:txBody>
-      </p:sp>
-      <p:sp>
-        <p:nvSpPr>
-          <p:cNvPr id="3" name="Content Placeholder 2">
+              <a:rPr lang="en-US" b="1" dirty="0"/>
+              <a:t>KMEANS ANALYSIS</a:t>
+            </a:r>
+          </a:p>
+        </p:txBody>
+      </p:sp>
+      <p:pic>
+        <p:nvPicPr>
+          <p:cNvPr id="7" name="Picture 6">
             <a:extLst>
               <a:ext uri="{FF2B5EF4-FFF2-40B4-BE49-F238E27FC236}">
-                <a16:creationId xmlns:a16="http://schemas.microsoft.com/office/drawing/2014/main" id="{ECC8AA23-D8D0-93BE-5C5F-103A750B0D2F}"/>
-              </a:ext>
-            </a:extLst>
-          </p:cNvPr>
-          <p:cNvSpPr>
-            <a:spLocks noGrp="1"/>
-          </p:cNvSpPr>
-          <p:nvPr>
-            <p:ph sz="half" idx="1"/>
-          </p:nvPr>
-        </p:nvSpPr>
-        <p:spPr>
-          <a:noFill/>
-        </p:spPr>
-        <p:txBody>
-          <a:bodyPr vert="horz" lIns="91440" tIns="45720" rIns="91440" bIns="45720" rtlCol="0" anchor="t">
-            <a:normAutofit/>
-          </a:bodyPr>
-          <a:lstStyle/>
-          <a:p>
-            <a:r>
-              <a:rPr lang="en-US" dirty="0"/>
-              <a:t>Your ability to communicate effectively will leave a lasting impact on your audience</a:t>
-            </a:r>
-          </a:p>
-          <a:p>
-            <a:r>
-              <a:rPr lang="en-US" dirty="0"/>
-              <a:t>Effectively communicating involves not only delivering a message but also resonating with the experiences, values, and emotions of those listening </a:t>
-            </a:r>
-          </a:p>
-        </p:txBody>
-      </p:sp>
-      <p:pic>
-        <p:nvPicPr>
-          <p:cNvPr id="11" name="Picture Placeholder 13" descr="Kids playing and drawing on the ground">
-            <a:extLst>
-              <a:ext uri="{FF2B5EF4-FFF2-40B4-BE49-F238E27FC236}">
-                <a16:creationId xmlns:a16="http://schemas.microsoft.com/office/drawing/2014/main" id="{1505EF47-21F0-359C-67AF-1DE6EA73D605}"/>
+                <a16:creationId xmlns:a16="http://schemas.microsoft.com/office/drawing/2014/main" id="{8F0926D1-E120-405D-24CD-477199D60EAB}"/>
               </a:ext>
             </a:extLst>
           </p:cNvPr>
           <p:cNvPicPr>
-            <a:picLocks noGrp="1" noChangeAspect="1"/>
+            <a:picLocks noChangeAspect="1"/>
           </p:cNvPicPr>
-          <p:nvPr>
-            <p:ph type="pic" sz="quarter" idx="13"/>
-          </p:nvPr>
+          <p:nvPr/>
         </p:nvPicPr>
         <p:blipFill>
-          <a:blip r:embed="rId3" cstate="screen">
+          <a:blip r:embed="rId3"/>
+          <a:stretch>
+            <a:fillRect/>
+          </a:stretch>
+        </p:blipFill>
+        <p:spPr>
+          <a:xfrm>
+            <a:off x="816429" y="1262741"/>
+            <a:ext cx="3120573" cy="2340430"/>
+          </a:xfrm>
+          <a:prstGeom prst="rect">
+            <a:avLst/>
+          </a:prstGeom>
+        </p:spPr>
+      </p:pic>
+      <p:pic>
+        <p:nvPicPr>
+          <p:cNvPr id="9" name="Picture 8">
             <a:extLst>
-              <a:ext uri="{28A0092B-C50C-407E-A947-70E740481C1C}">
-                <a14:useLocalDpi xmlns:a14="http://schemas.microsoft.com/office/drawing/2010/main"/>
+              <a:ext uri="{FF2B5EF4-FFF2-40B4-BE49-F238E27FC236}">
+                <a16:creationId xmlns:a16="http://schemas.microsoft.com/office/drawing/2014/main" id="{B37261BC-5C24-2ADC-59BD-8E4CA4C67DB9}"/>
               </a:ext>
             </a:extLst>
-          </a:blip>
-          <a:srcRect/>
-          <a:stretch/>
+          </p:cNvPr>
+          <p:cNvPicPr>
+            <a:picLocks noChangeAspect="1"/>
+          </p:cNvPicPr>
+          <p:nvPr/>
+        </p:nvPicPr>
+        <p:blipFill>
+          <a:blip r:embed="rId4"/>
+          <a:stretch>
+            <a:fillRect/>
+          </a:stretch>
         </p:blipFill>
-        <p:spPr/>
+        <p:spPr>
+          <a:xfrm>
+            <a:off x="4452258" y="1262741"/>
+            <a:ext cx="3102428" cy="2326821"/>
+          </a:xfrm>
+          <a:prstGeom prst="rect">
+            <a:avLst/>
+          </a:prstGeom>
+        </p:spPr>
+      </p:pic>
+      <p:pic>
+        <p:nvPicPr>
+          <p:cNvPr id="11" name="Picture 10">
+            <a:extLst>
+              <a:ext uri="{FF2B5EF4-FFF2-40B4-BE49-F238E27FC236}">
+                <a16:creationId xmlns:a16="http://schemas.microsoft.com/office/drawing/2014/main" id="{71D44401-4DB6-08C5-24CD-8EAF395D6A0F}"/>
+              </a:ext>
+            </a:extLst>
+          </p:cNvPr>
+          <p:cNvPicPr>
+            <a:picLocks noChangeAspect="1"/>
+          </p:cNvPicPr>
+          <p:nvPr/>
+        </p:nvPicPr>
+        <p:blipFill>
+          <a:blip r:embed="rId5"/>
+          <a:stretch>
+            <a:fillRect/>
+          </a:stretch>
+        </p:blipFill>
+        <p:spPr>
+          <a:xfrm>
+            <a:off x="816429" y="3845595"/>
+            <a:ext cx="3120573" cy="2340430"/>
+          </a:xfrm>
+          <a:prstGeom prst="rect">
+            <a:avLst/>
+          </a:prstGeom>
+        </p:spPr>
+      </p:pic>
+      <p:pic>
+        <p:nvPicPr>
+          <p:cNvPr id="13" name="Picture 12">
+            <a:extLst>
+              <a:ext uri="{FF2B5EF4-FFF2-40B4-BE49-F238E27FC236}">
+                <a16:creationId xmlns:a16="http://schemas.microsoft.com/office/drawing/2014/main" id="{775CAF2E-37BA-DA0A-25D5-899BA3DAC7C9}"/>
+              </a:ext>
+            </a:extLst>
+          </p:cNvPr>
+          <p:cNvPicPr>
+            <a:picLocks noChangeAspect="1"/>
+          </p:cNvPicPr>
+          <p:nvPr/>
+        </p:nvPicPr>
+        <p:blipFill>
+          <a:blip r:embed="rId6"/>
+          <a:stretch>
+            <a:fillRect/>
+          </a:stretch>
+        </p:blipFill>
+        <p:spPr>
+          <a:xfrm>
+            <a:off x="4452258" y="3845596"/>
+            <a:ext cx="3102428" cy="2386360"/>
+          </a:xfrm>
+          <a:prstGeom prst="rect">
+            <a:avLst/>
+          </a:prstGeom>
+        </p:spPr>
       </p:pic>
     </p:spTree>
     <p:extLst>
       <p:ext uri="{BB962C8B-B14F-4D97-AF65-F5344CB8AC3E}">
-        <p14:creationId xmlns:p14="http://schemas.microsoft.com/office/powerpoint/2010/main" val="2737241225"/>
+        <p14:creationId xmlns:p14="http://schemas.microsoft.com/office/powerpoint/2010/main" val="195470439"/>
       </p:ext>
     </p:extLst>
   </p:cSld>
@@ -22987,7 +17739,7 @@
           <p:cNvPr id="2" name="Title 1">
             <a:extLst>
               <a:ext uri="{FF2B5EF4-FFF2-40B4-BE49-F238E27FC236}">
-                <a16:creationId xmlns:a16="http://schemas.microsoft.com/office/drawing/2014/main" id="{B7545968-70F7-0180-6448-3547E442EF4A}"/>
+                <a16:creationId xmlns:a16="http://schemas.microsoft.com/office/drawing/2014/main" id="{47A9874B-BCA9-8420-1595-EDD1865A099A}"/>
               </a:ext>
             </a:extLst>
           </p:cNvPr>
@@ -22999,554 +17751,57 @@
           </p:nvPr>
         </p:nvSpPr>
         <p:spPr>
+          <a:xfrm>
+            <a:off x="963650" y="-310461"/>
+            <a:ext cx="9905998" cy="1905000"/>
+          </a:xfrm>
           <a:noFill/>
         </p:spPr>
         <p:txBody>
-          <a:bodyPr anchor="ctr">
-            <a:noAutofit/>
-          </a:bodyPr>
+          <a:bodyPr anchor="ctr"/>
           <a:lstStyle/>
           <a:p>
             <a:r>
-              <a:rPr lang="en-US" dirty="0"/>
-              <a:t>Dynamic delivery</a:t>
-            </a:r>
-          </a:p>
-        </p:txBody>
-      </p:sp>
-      <p:sp>
-        <p:nvSpPr>
-          <p:cNvPr id="8" name="Content Placeholder 7">
+              <a:rPr lang="en-US" b="1" dirty="0"/>
+              <a:t>PCA ANALYSIS</a:t>
+            </a:r>
+          </a:p>
+        </p:txBody>
+      </p:sp>
+      <p:pic>
+        <p:nvPicPr>
+          <p:cNvPr id="6" name="Picture 5">
             <a:extLst>
               <a:ext uri="{FF2B5EF4-FFF2-40B4-BE49-F238E27FC236}">
-                <a16:creationId xmlns:a16="http://schemas.microsoft.com/office/drawing/2014/main" id="{215CE58D-2739-522B-7C3A-6A7C985360C0}"/>
+                <a16:creationId xmlns:a16="http://schemas.microsoft.com/office/drawing/2014/main" id="{20C65E65-D4F3-89EA-CE61-7E7C9207ADED}"/>
               </a:ext>
             </a:extLst>
           </p:cNvPr>
-          <p:cNvSpPr>
-            <a:spLocks noGrp="1"/>
-          </p:cNvSpPr>
-          <p:nvPr>
-            <p:ph sz="half" idx="1"/>
-          </p:nvPr>
-        </p:nvSpPr>
+          <p:cNvPicPr>
+            <a:picLocks noChangeAspect="1"/>
+          </p:cNvPicPr>
+          <p:nvPr/>
+        </p:nvPicPr>
+        <p:blipFill>
+          <a:blip r:embed="rId3"/>
+          <a:stretch>
+            <a:fillRect/>
+          </a:stretch>
+        </p:blipFill>
         <p:spPr>
-          <a:noFill/>
+          <a:xfrm>
+            <a:off x="1055354" y="1123459"/>
+            <a:ext cx="10330770" cy="3611827"/>
+          </a:xfrm>
+          <a:prstGeom prst="rect">
+            <a:avLst/>
+          </a:prstGeom>
         </p:spPr>
-        <p:txBody>
-          <a:bodyPr vert="horz" lIns="91440" tIns="45720" rIns="91440" bIns="45720" rtlCol="0" anchor="t">
-            <a:normAutofit/>
-          </a:bodyPr>
-          <a:lstStyle/>
-          <a:p>
-            <a:r>
-              <a:rPr lang="en-US" dirty="0"/>
-              <a:t>Learn to infuse energy into your delivery to leave a lasting impression</a:t>
-            </a:r>
-          </a:p>
-          <a:p>
-            <a:r>
-              <a:rPr lang="en-US" dirty="0"/>
-              <a:t>One of the goals of effective communication is to motivate your audience</a:t>
-            </a:r>
-          </a:p>
-        </p:txBody>
-      </p:sp>
-      <p:graphicFrame>
-        <p:nvGraphicFramePr>
-          <p:cNvPr id="3" name="Table Placeholder 2">
-            <a:extLst>
-              <a:ext uri="{FF2B5EF4-FFF2-40B4-BE49-F238E27FC236}">
-                <a16:creationId xmlns:a16="http://schemas.microsoft.com/office/drawing/2014/main" id="{F01CF5D3-D3B1-1944-CFDF-D8EE11DE42AA}"/>
-              </a:ext>
-            </a:extLst>
-          </p:cNvPr>
-          <p:cNvGraphicFramePr>
-            <a:graphicFrameLocks noGrp="1"/>
-          </p:cNvGraphicFramePr>
-          <p:nvPr>
-            <p:ph type="tbl" sz="quarter" idx="13"/>
-            <p:extLst>
-              <p:ext uri="{D42A27DB-BD31-4B8C-83A1-F6EECF244321}">
-                <p14:modId xmlns:p14="http://schemas.microsoft.com/office/powerpoint/2010/main" val="1428147815"/>
-              </p:ext>
-            </p:extLst>
-          </p:nvPr>
-        </p:nvGraphicFramePr>
-        <p:xfrm>
-          <a:off x="4038600" y="1825625"/>
-          <a:ext cx="7315200" cy="4297363"/>
-        </p:xfrm>
-        <a:graphic>
-          <a:graphicData uri="http://schemas.openxmlformats.org/drawingml/2006/table">
-            <a:tbl>
-              <a:tblPr firstRow="1" bandRow="1">
-                <a:tableStyleId>{72833802-FEF1-4C79-8D5D-14CF1EAF98D9}</a:tableStyleId>
-              </a:tblPr>
-              <a:tblGrid>
-                <a:gridCol w="2667000">
-                  <a:extLst>
-                    <a:ext uri="{9D8B030D-6E8A-4147-A177-3AD203B41FA5}">
-                      <a16:colId xmlns:a16="http://schemas.microsoft.com/office/drawing/2014/main" val="127040821"/>
-                    </a:ext>
-                  </a:extLst>
-                </a:gridCol>
-                <a:gridCol w="2217683">
-                  <a:extLst>
-                    <a:ext uri="{9D8B030D-6E8A-4147-A177-3AD203B41FA5}">
-                      <a16:colId xmlns:a16="http://schemas.microsoft.com/office/drawing/2014/main" val="149845700"/>
-                    </a:ext>
-                  </a:extLst>
-                </a:gridCol>
-                <a:gridCol w="1198179">
-                  <a:extLst>
-                    <a:ext uri="{9D8B030D-6E8A-4147-A177-3AD203B41FA5}">
-                      <a16:colId xmlns:a16="http://schemas.microsoft.com/office/drawing/2014/main" val="3119692462"/>
-                    </a:ext>
-                  </a:extLst>
-                </a:gridCol>
-                <a:gridCol w="1232338">
-                  <a:extLst>
-                    <a:ext uri="{9D8B030D-6E8A-4147-A177-3AD203B41FA5}">
-                      <a16:colId xmlns:a16="http://schemas.microsoft.com/office/drawing/2014/main" val="3472639139"/>
-                    </a:ext>
-                  </a:extLst>
-                </a:gridCol>
-              </a:tblGrid>
-              <a:tr h="684715">
-                <a:tc>
-                  <a:txBody>
-                    <a:bodyPr/>
-                    <a:lstStyle/>
-                    <a:p>
-                      <a:pPr algn="ctr"/>
-                      <a:r>
-                        <a:rPr lang="en-US" b="1" i="0" dirty="0">
-                          <a:latin typeface="+mj-lt"/>
-                        </a:rPr>
-                        <a:t>Metric</a:t>
-                      </a:r>
-                    </a:p>
-                  </a:txBody>
-                  <a:tcPr anchor="ctr"/>
-                </a:tc>
-                <a:tc>
-                  <a:txBody>
-                    <a:bodyPr/>
-                    <a:lstStyle/>
-                    <a:p>
-                      <a:pPr algn="ctr"/>
-                      <a:r>
-                        <a:rPr lang="en-US" b="1" i="0" dirty="0">
-                          <a:latin typeface="+mj-lt"/>
-                        </a:rPr>
-                        <a:t>Measurement</a:t>
-                      </a:r>
-                    </a:p>
-                  </a:txBody>
-                  <a:tcPr anchor="ctr"/>
-                </a:tc>
-                <a:tc>
-                  <a:txBody>
-                    <a:bodyPr/>
-                    <a:lstStyle/>
-                    <a:p>
-                      <a:pPr algn="ctr"/>
-                      <a:r>
-                        <a:rPr lang="en-US" b="1" i="0" dirty="0">
-                          <a:latin typeface="+mj-lt"/>
-                        </a:rPr>
-                        <a:t>Target</a:t>
-                      </a:r>
-                    </a:p>
-                  </a:txBody>
-                  <a:tcPr anchor="ctr"/>
-                </a:tc>
-                <a:tc>
-                  <a:txBody>
-                    <a:bodyPr/>
-                    <a:lstStyle/>
-                    <a:p>
-                      <a:pPr algn="ctr"/>
-                      <a:r>
-                        <a:rPr lang="en-US" b="1" i="0" dirty="0">
-                          <a:latin typeface="+mj-lt"/>
-                        </a:rPr>
-                        <a:t>Actual</a:t>
-                      </a:r>
-                    </a:p>
-                  </a:txBody>
-                  <a:tcPr anchor="ctr"/>
-                </a:tc>
-                <a:extLst>
-                  <a:ext uri="{0D108BD9-81ED-4DB2-BD59-A6C34878D82A}">
-                    <a16:rowId xmlns:a16="http://schemas.microsoft.com/office/drawing/2014/main" val="3298013591"/>
-                  </a:ext>
-                </a:extLst>
-              </a:tr>
-              <a:tr h="684715">
-                <a:tc>
-                  <a:txBody>
-                    <a:bodyPr/>
-                    <a:lstStyle/>
-                    <a:p>
-                      <a:pPr algn="ctr"/>
-                      <a:r>
-                        <a:rPr lang="en-US" b="0" i="0" dirty="0">
-                          <a:latin typeface="+mn-lt"/>
-                        </a:rPr>
-                        <a:t>Audience attendance</a:t>
-                      </a:r>
-                    </a:p>
-                  </a:txBody>
-                  <a:tcPr anchor="ctr"/>
-                </a:tc>
-                <a:tc>
-                  <a:txBody>
-                    <a:bodyPr/>
-                    <a:lstStyle/>
-                    <a:p>
-                      <a:pPr algn="ctr"/>
-                      <a:r>
-                        <a:rPr lang="en-US" b="0" i="0" dirty="0">
-                          <a:latin typeface="+mn-lt"/>
-                        </a:rPr>
-                        <a:t># of attendees</a:t>
-                      </a:r>
-                    </a:p>
-                  </a:txBody>
-                  <a:tcPr anchor="ctr"/>
-                </a:tc>
-                <a:tc>
-                  <a:txBody>
-                    <a:bodyPr/>
-                    <a:lstStyle/>
-                    <a:p>
-                      <a:pPr algn="ctr"/>
-                      <a:r>
-                        <a:rPr lang="en-US" b="0" i="0" dirty="0">
-                          <a:latin typeface="+mn-lt"/>
-                        </a:rPr>
-                        <a:t>150</a:t>
-                      </a:r>
-                    </a:p>
-                  </a:txBody>
-                  <a:tcPr anchor="ctr"/>
-                </a:tc>
-                <a:tc>
-                  <a:txBody>
-                    <a:bodyPr/>
-                    <a:lstStyle/>
-                    <a:p>
-                      <a:pPr algn="ctr"/>
-                      <a:r>
-                        <a:rPr lang="en-US" b="0" i="0" dirty="0">
-                          <a:latin typeface="+mn-lt"/>
-                        </a:rPr>
-                        <a:t>120</a:t>
-                      </a:r>
-                    </a:p>
-                  </a:txBody>
-                  <a:tcPr anchor="ctr"/>
-                </a:tc>
-                <a:extLst>
-                  <a:ext uri="{0D108BD9-81ED-4DB2-BD59-A6C34878D82A}">
-                    <a16:rowId xmlns:a16="http://schemas.microsoft.com/office/drawing/2014/main" val="3873867931"/>
-                  </a:ext>
-                </a:extLst>
-              </a:tr>
-              <a:tr h="684715">
-                <a:tc>
-                  <a:txBody>
-                    <a:bodyPr/>
-                    <a:lstStyle/>
-                    <a:p>
-                      <a:pPr algn="ctr"/>
-                      <a:r>
-                        <a:rPr lang="en-US" b="0" i="0" dirty="0">
-                          <a:latin typeface="+mn-lt"/>
-                        </a:rPr>
-                        <a:t>Engagement duration</a:t>
-                      </a:r>
-                    </a:p>
-                  </a:txBody>
-                  <a:tcPr anchor="ctr"/>
-                </a:tc>
-                <a:tc>
-                  <a:txBody>
-                    <a:bodyPr/>
-                    <a:lstStyle/>
-                    <a:p>
-                      <a:pPr algn="ctr"/>
-                      <a:r>
-                        <a:rPr lang="en-US" b="0" i="0" dirty="0">
-                          <a:latin typeface="+mn-lt"/>
-                        </a:rPr>
-                        <a:t>Minutes</a:t>
-                      </a:r>
-                    </a:p>
-                  </a:txBody>
-                  <a:tcPr anchor="ctr"/>
-                </a:tc>
-                <a:tc>
-                  <a:txBody>
-                    <a:bodyPr/>
-                    <a:lstStyle/>
-                    <a:p>
-                      <a:pPr algn="ctr"/>
-                      <a:r>
-                        <a:rPr lang="en-US" b="0" i="0" dirty="0">
-                          <a:latin typeface="+mn-lt"/>
-                        </a:rPr>
-                        <a:t>60</a:t>
-                      </a:r>
-                    </a:p>
-                  </a:txBody>
-                  <a:tcPr anchor="ctr"/>
-                </a:tc>
-                <a:tc>
-                  <a:txBody>
-                    <a:bodyPr/>
-                    <a:lstStyle/>
-                    <a:p>
-                      <a:pPr algn="ctr"/>
-                      <a:r>
-                        <a:rPr lang="en-US" b="0" i="0" dirty="0">
-                          <a:latin typeface="+mn-lt"/>
-                        </a:rPr>
-                        <a:t>75</a:t>
-                      </a:r>
-                    </a:p>
-                  </a:txBody>
-                  <a:tcPr anchor="ctr"/>
-                </a:tc>
-                <a:extLst>
-                  <a:ext uri="{0D108BD9-81ED-4DB2-BD59-A6C34878D82A}">
-                    <a16:rowId xmlns:a16="http://schemas.microsoft.com/office/drawing/2014/main" val="85209771"/>
-                  </a:ext>
-                </a:extLst>
-              </a:tr>
-              <a:tr h="684715">
-                <a:tc>
-                  <a:txBody>
-                    <a:bodyPr/>
-                    <a:lstStyle/>
-                    <a:p>
-                      <a:pPr algn="ctr"/>
-                      <a:r>
-                        <a:rPr lang="en-US" b="0" i="0" dirty="0">
-                          <a:latin typeface="+mn-lt"/>
-                        </a:rPr>
-                        <a:t>Q&amp;A interaction</a:t>
-                      </a:r>
-                    </a:p>
-                  </a:txBody>
-                  <a:tcPr anchor="ctr"/>
-                </a:tc>
-                <a:tc>
-                  <a:txBody>
-                    <a:bodyPr/>
-                    <a:lstStyle/>
-                    <a:p>
-                      <a:pPr algn="ctr"/>
-                      <a:r>
-                        <a:rPr lang="en-US" b="0" i="0" dirty="0">
-                          <a:latin typeface="+mn-lt"/>
-                        </a:rPr>
-                        <a:t># of questions</a:t>
-                      </a:r>
-                    </a:p>
-                  </a:txBody>
-                  <a:tcPr anchor="ctr"/>
-                </a:tc>
-                <a:tc>
-                  <a:txBody>
-                    <a:bodyPr/>
-                    <a:lstStyle/>
-                    <a:p>
-                      <a:pPr algn="ctr"/>
-                      <a:r>
-                        <a:rPr lang="en-US" b="0" i="0" dirty="0">
-                          <a:latin typeface="+mn-lt"/>
-                        </a:rPr>
-                        <a:t>10</a:t>
-                      </a:r>
-                    </a:p>
-                  </a:txBody>
-                  <a:tcPr anchor="ctr"/>
-                </a:tc>
-                <a:tc>
-                  <a:txBody>
-                    <a:bodyPr/>
-                    <a:lstStyle/>
-                    <a:p>
-                      <a:pPr algn="ctr"/>
-                      <a:r>
-                        <a:rPr lang="en-US" b="0" i="0" dirty="0">
-                          <a:latin typeface="+mn-lt"/>
-                        </a:rPr>
-                        <a:t>15</a:t>
-                      </a:r>
-                    </a:p>
-                  </a:txBody>
-                  <a:tcPr anchor="ctr"/>
-                </a:tc>
-                <a:extLst>
-                  <a:ext uri="{0D108BD9-81ED-4DB2-BD59-A6C34878D82A}">
-                    <a16:rowId xmlns:a16="http://schemas.microsoft.com/office/drawing/2014/main" val="4061031278"/>
-                  </a:ext>
-                </a:extLst>
-              </a:tr>
-              <a:tr h="684715">
-                <a:tc>
-                  <a:txBody>
-                    <a:bodyPr/>
-                    <a:lstStyle/>
-                    <a:p>
-                      <a:pPr algn="ctr"/>
-                      <a:r>
-                        <a:rPr lang="en-US" b="0" i="0" dirty="0">
-                          <a:latin typeface="+mn-lt"/>
-                        </a:rPr>
-                        <a:t>Positive feedback</a:t>
-                      </a:r>
-                    </a:p>
-                  </a:txBody>
-                  <a:tcPr anchor="ctr"/>
-                </a:tc>
-                <a:tc>
-                  <a:txBody>
-                    <a:bodyPr/>
-                    <a:lstStyle/>
-                    <a:p>
-                      <a:pPr algn="ctr"/>
-                      <a:r>
-                        <a:rPr lang="en-US" b="0" i="0" dirty="0">
-                          <a:latin typeface="+mn-lt"/>
-                        </a:rPr>
-                        <a:t>Percentage (%)</a:t>
-                      </a:r>
-                    </a:p>
-                  </a:txBody>
-                  <a:tcPr anchor="ctr"/>
-                </a:tc>
-                <a:tc>
-                  <a:txBody>
-                    <a:bodyPr/>
-                    <a:lstStyle/>
-                    <a:p>
-                      <a:pPr algn="ctr"/>
-                      <a:r>
-                        <a:rPr lang="en-US" b="0" i="0" dirty="0">
-                          <a:latin typeface="+mn-lt"/>
-                        </a:rPr>
-                        <a:t>90</a:t>
-                      </a:r>
-                    </a:p>
-                  </a:txBody>
-                  <a:tcPr anchor="ctr"/>
-                </a:tc>
-                <a:tc>
-                  <a:txBody>
-                    <a:bodyPr/>
-                    <a:lstStyle/>
-                    <a:p>
-                      <a:pPr algn="ctr"/>
-                      <a:r>
-                        <a:rPr lang="en-US" b="0" i="0" dirty="0">
-                          <a:latin typeface="+mn-lt"/>
-                        </a:rPr>
-                        <a:t>95</a:t>
-                      </a:r>
-                    </a:p>
-                  </a:txBody>
-                  <a:tcPr anchor="ctr"/>
-                </a:tc>
-                <a:extLst>
-                  <a:ext uri="{0D108BD9-81ED-4DB2-BD59-A6C34878D82A}">
-                    <a16:rowId xmlns:a16="http://schemas.microsoft.com/office/drawing/2014/main" val="3591840781"/>
-                  </a:ext>
-                </a:extLst>
-              </a:tr>
-              <a:tr h="874104">
-                <a:tc>
-                  <a:txBody>
-                    <a:bodyPr/>
-                    <a:lstStyle/>
-                    <a:p>
-                      <a:pPr algn="ctr"/>
-                      <a:r>
-                        <a:rPr lang="en-US" b="0" i="0" dirty="0">
-                          <a:latin typeface="+mn-lt"/>
-                        </a:rPr>
-                        <a:t>Rate of information retention</a:t>
-                      </a:r>
-                    </a:p>
-                  </a:txBody>
-                  <a:tcPr anchor="ctr"/>
-                </a:tc>
-                <a:tc>
-                  <a:txBody>
-                    <a:bodyPr/>
-                    <a:lstStyle/>
-                    <a:p>
-                      <a:pPr algn="ctr"/>
-                      <a:r>
-                        <a:rPr lang="en-US" b="0" i="0" dirty="0">
-                          <a:latin typeface="+mn-lt"/>
-                        </a:rPr>
-                        <a:t>Percentage (%)</a:t>
-                      </a:r>
-                    </a:p>
-                  </a:txBody>
-                  <a:tcPr anchor="ctr"/>
-                </a:tc>
-                <a:tc>
-                  <a:txBody>
-                    <a:bodyPr/>
-                    <a:lstStyle/>
-                    <a:p>
-                      <a:pPr algn="ctr"/>
-                      <a:r>
-                        <a:rPr lang="en-US" b="0" i="0" dirty="0">
-                          <a:latin typeface="+mn-lt"/>
-                        </a:rPr>
-                        <a:t>80</a:t>
-                      </a:r>
-                    </a:p>
-                  </a:txBody>
-                  <a:tcPr anchor="ctr"/>
-                </a:tc>
-                <a:tc>
-                  <a:txBody>
-                    <a:bodyPr/>
-                    <a:lstStyle/>
-                    <a:p>
-                      <a:pPr algn="ctr"/>
-                      <a:r>
-                        <a:rPr lang="en-US" b="0" i="0" dirty="0">
-                          <a:latin typeface="+mn-lt"/>
-                        </a:rPr>
-                        <a:t>85</a:t>
-                      </a:r>
-                    </a:p>
-                  </a:txBody>
-                  <a:tcPr anchor="ctr"/>
-                </a:tc>
-                <a:extLst>
-                  <a:ext uri="{0D108BD9-81ED-4DB2-BD59-A6C34878D82A}">
-                    <a16:rowId xmlns:a16="http://schemas.microsoft.com/office/drawing/2014/main" val="335389741"/>
-                  </a:ext>
-                </a:extLst>
-              </a:tr>
-            </a:tbl>
-          </a:graphicData>
-        </a:graphic>
-      </p:graphicFrame>
+      </p:pic>
     </p:spTree>
     <p:extLst>
       <p:ext uri="{BB962C8B-B14F-4D97-AF65-F5344CB8AC3E}">
-        <p14:creationId xmlns:p14="http://schemas.microsoft.com/office/powerpoint/2010/main" val="4259977132"/>
+        <p14:creationId xmlns:p14="http://schemas.microsoft.com/office/powerpoint/2010/main" val="558338919"/>
       </p:ext>
     </p:extLst>
   </p:cSld>
@@ -23578,7 +17833,7 @@
           <p:cNvPr id="2" name="Title 1">
             <a:extLst>
               <a:ext uri="{FF2B5EF4-FFF2-40B4-BE49-F238E27FC236}">
-                <a16:creationId xmlns:a16="http://schemas.microsoft.com/office/drawing/2014/main" id="{5D030A76-B788-B363-104E-266B7C7F7208}"/>
+                <a16:creationId xmlns:a16="http://schemas.microsoft.com/office/drawing/2014/main" id="{47A9874B-BCA9-8420-1595-EDD1865A099A}"/>
               </a:ext>
             </a:extLst>
           </p:cNvPr>
@@ -23590,6 +17845,10 @@
           </p:nvPr>
         </p:nvSpPr>
         <p:spPr>
+          <a:xfrm>
+            <a:off x="1018078" y="-279285"/>
+            <a:ext cx="9905998" cy="1905000"/>
+          </a:xfrm>
           <a:noFill/>
         </p:spPr>
         <p:txBody>
@@ -23597,146 +17856,138 @@
           <a:lstStyle/>
           <a:p>
             <a:r>
-              <a:rPr lang="en-US" dirty="0"/>
-              <a:t>Final tips &amp; takeaways</a:t>
-            </a:r>
-          </a:p>
-        </p:txBody>
-      </p:sp>
-      <p:sp>
-        <p:nvSpPr>
-          <p:cNvPr id="3" name="Content Placeholder 2">
+              <a:rPr lang="en-US" b="1" dirty="0"/>
+              <a:t>LINEAR REGRESSION</a:t>
+            </a:r>
+          </a:p>
+        </p:txBody>
+      </p:sp>
+      <p:pic>
+        <p:nvPicPr>
+          <p:cNvPr id="4" name="Picture 3">
             <a:extLst>
               <a:ext uri="{FF2B5EF4-FFF2-40B4-BE49-F238E27FC236}">
-                <a16:creationId xmlns:a16="http://schemas.microsoft.com/office/drawing/2014/main" id="{05948542-FCE1-3AE6-C6C9-17975609DF70}"/>
+                <a16:creationId xmlns:a16="http://schemas.microsoft.com/office/drawing/2014/main" id="{A816D555-73BC-039F-537E-EE5C2784529E}"/>
               </a:ext>
             </a:extLst>
           </p:cNvPr>
-          <p:cNvSpPr>
-            <a:spLocks noGrp="1"/>
-          </p:cNvSpPr>
-          <p:nvPr>
-            <p:ph sz="half" idx="13"/>
-          </p:nvPr>
-        </p:nvSpPr>
+          <p:cNvPicPr>
+            <a:picLocks noChangeAspect="1"/>
+          </p:cNvPicPr>
+          <p:nvPr/>
+        </p:nvPicPr>
+        <p:blipFill>
+          <a:blip r:embed="rId3"/>
+          <a:stretch>
+            <a:fillRect/>
+          </a:stretch>
+        </p:blipFill>
         <p:spPr>
-          <a:noFill/>
+          <a:xfrm>
+            <a:off x="724164" y="2166416"/>
+            <a:ext cx="4686037" cy="4018369"/>
+          </a:xfrm>
+          <a:prstGeom prst="rect">
+            <a:avLst/>
+          </a:prstGeom>
         </p:spPr>
-        <p:txBody>
-          <a:bodyPr vert="horz" lIns="91440" tIns="45720" rIns="91440" bIns="45720" rtlCol="0" anchor="t">
-            <a:normAutofit/>
-          </a:bodyPr>
-          <a:lstStyle/>
-          <a:p>
-            <a:r>
-              <a:rPr lang="en-US" dirty="0"/>
-              <a:t>Consistent rehearsal</a:t>
-            </a:r>
-          </a:p>
-          <a:p>
-            <a:pPr lvl="1"/>
-            <a:r>
-              <a:rPr lang="en-US" dirty="0"/>
-              <a:t>Strengthen your familiarity</a:t>
-            </a:r>
-          </a:p>
-          <a:p>
-            <a:r>
-              <a:rPr lang="en-US" dirty="0"/>
-              <a:t>Refine delivery style</a:t>
-            </a:r>
-          </a:p>
-          <a:p>
-            <a:pPr lvl="1"/>
-            <a:r>
-              <a:rPr lang="en-US" dirty="0"/>
-              <a:t>Pacing, tone, and emphasis</a:t>
-            </a:r>
-          </a:p>
-          <a:p>
-            <a:r>
-              <a:rPr lang="en-US" dirty="0"/>
-              <a:t>Timing and transitions</a:t>
-            </a:r>
-          </a:p>
-          <a:p>
-            <a:pPr lvl="1"/>
-            <a:r>
-              <a:rPr lang="en-US" dirty="0"/>
-              <a:t>Aim for seamless, professional delivery</a:t>
-            </a:r>
-          </a:p>
-          <a:p>
-            <a:r>
-              <a:rPr lang="en-US" dirty="0"/>
-              <a:t>Practice audience</a:t>
-            </a:r>
-          </a:p>
-          <a:p>
-            <a:pPr lvl="1"/>
-            <a:r>
-              <a:rPr lang="en-US" dirty="0"/>
-              <a:t>Enlist colleagues to listen &amp; provide feedback</a:t>
-            </a:r>
-          </a:p>
-          <a:p>
-            <a:pPr lvl="1"/>
-            <a:endParaRPr lang="en-US" dirty="0"/>
-          </a:p>
-        </p:txBody>
-      </p:sp>
-      <p:sp>
-        <p:nvSpPr>
-          <p:cNvPr id="4" name="Content Placeholder 3">
+      </p:pic>
+      <p:pic>
+        <p:nvPicPr>
+          <p:cNvPr id="7" name="Picture 6">
             <a:extLst>
               <a:ext uri="{FF2B5EF4-FFF2-40B4-BE49-F238E27FC236}">
-                <a16:creationId xmlns:a16="http://schemas.microsoft.com/office/drawing/2014/main" id="{3EE67564-0457-E486-97D0-8109D2C97B3F}"/>
+                <a16:creationId xmlns:a16="http://schemas.microsoft.com/office/drawing/2014/main" id="{D0054BDC-C66E-C9B5-12A8-FE6721639F9F}"/>
               </a:ext>
             </a:extLst>
           </p:cNvPr>
-          <p:cNvSpPr>
-            <a:spLocks noGrp="1"/>
-          </p:cNvSpPr>
-          <p:nvPr>
-            <p:ph sz="half" idx="2"/>
-          </p:nvPr>
-        </p:nvSpPr>
+          <p:cNvPicPr>
+            <a:picLocks noChangeAspect="1"/>
+          </p:cNvPicPr>
+          <p:nvPr/>
+        </p:nvPicPr>
+        <p:blipFill>
+          <a:blip r:embed="rId4"/>
+          <a:stretch>
+            <a:fillRect/>
+          </a:stretch>
+        </p:blipFill>
         <p:spPr>
+          <a:xfrm>
+            <a:off x="6269642" y="2166416"/>
+            <a:ext cx="5520375" cy="4018369"/>
+          </a:xfrm>
+          <a:prstGeom prst="rect">
+            <a:avLst/>
+          </a:prstGeom>
+        </p:spPr>
+      </p:pic>
+      <p:sp>
+        <p:nvSpPr>
+          <p:cNvPr id="8" name="TextBox 7">
+            <a:extLst>
+              <a:ext uri="{FF2B5EF4-FFF2-40B4-BE49-F238E27FC236}">
+                <a16:creationId xmlns:a16="http://schemas.microsoft.com/office/drawing/2014/main" id="{7CCAD65C-2241-6CB9-FE8E-CC4527353E69}"/>
+              </a:ext>
+            </a:extLst>
+          </p:cNvPr>
+          <p:cNvSpPr txBox="1"/>
+          <p:nvPr/>
+        </p:nvSpPr>
+        <p:spPr>
+          <a:xfrm>
+            <a:off x="7755808" y="1377328"/>
+            <a:ext cx="3418114" cy="369332"/>
+          </a:xfrm>
+          <a:prstGeom prst="rect">
+            <a:avLst/>
+          </a:prstGeom>
           <a:noFill/>
         </p:spPr>
         <p:txBody>
-          <a:bodyPr>
-            <a:normAutofit/>
+          <a:bodyPr wrap="square" rtlCol="0">
+            <a:spAutoFit/>
           </a:bodyPr>
           <a:lstStyle/>
           <a:p>
             <a:r>
               <a:rPr lang="en-US" dirty="0"/>
-              <a:t>Seek feedback</a:t>
-            </a:r>
-          </a:p>
+              <a:t>PLAYOFF</a:t>
+            </a:r>
+          </a:p>
+        </p:txBody>
+      </p:sp>
+      <p:sp>
+        <p:nvSpPr>
+          <p:cNvPr id="9" name="TextBox 8">
+            <a:extLst>
+              <a:ext uri="{FF2B5EF4-FFF2-40B4-BE49-F238E27FC236}">
+                <a16:creationId xmlns:a16="http://schemas.microsoft.com/office/drawing/2014/main" id="{CECCE1B6-3B15-4438-2B2F-2F1014DEFA3C}"/>
+              </a:ext>
+            </a:extLst>
+          </p:cNvPr>
+          <p:cNvSpPr txBox="1"/>
+          <p:nvPr/>
+        </p:nvSpPr>
+        <p:spPr>
+          <a:xfrm>
+            <a:off x="1736536" y="1441049"/>
+            <a:ext cx="3418114" cy="369332"/>
+          </a:xfrm>
+          <a:prstGeom prst="rect">
+            <a:avLst/>
+          </a:prstGeom>
+          <a:noFill/>
+        </p:spPr>
+        <p:txBody>
+          <a:bodyPr wrap="square" rtlCol="0">
+            <a:spAutoFit/>
+          </a:bodyPr>
+          <a:lstStyle/>
           <a:p>
             <a:r>
               <a:rPr lang="en-US" dirty="0"/>
-              <a:t>Reflect on performance</a:t>
-            </a:r>
-          </a:p>
-          <a:p>
-            <a:r>
-              <a:rPr lang="en-US" dirty="0"/>
-              <a:t>Explore new techniques</a:t>
-            </a:r>
-          </a:p>
-          <a:p>
-            <a:r>
-              <a:rPr lang="en-US" dirty="0"/>
-              <a:t>Set personal goals</a:t>
-            </a:r>
-          </a:p>
-          <a:p>
-            <a:r>
-              <a:rPr lang="en-US" dirty="0"/>
-              <a:t>Iterate and adapt</a:t>
+              <a:t>REGULAR SEASON</a:t>
             </a:r>
           </a:p>
         </p:txBody>
@@ -23744,7 +17995,7 @@
     </p:spTree>
     <p:extLst>
       <p:ext uri="{BB962C8B-B14F-4D97-AF65-F5344CB8AC3E}">
-        <p14:creationId xmlns:p14="http://schemas.microsoft.com/office/powerpoint/2010/main" val="414613742"/>
+        <p14:creationId xmlns:p14="http://schemas.microsoft.com/office/powerpoint/2010/main" val="3678253025"/>
       </p:ext>
     </p:extLst>
   </p:cSld>
@@ -23776,7 +18027,7 @@
           <p:cNvPr id="2" name="Title 1">
             <a:extLst>
               <a:ext uri="{FF2B5EF4-FFF2-40B4-BE49-F238E27FC236}">
-                <a16:creationId xmlns:a16="http://schemas.microsoft.com/office/drawing/2014/main" id="{D1FC59F6-9B22-C211-4B4C-A2FD4B914C46}"/>
+                <a16:creationId xmlns:a16="http://schemas.microsoft.com/office/drawing/2014/main" id="{47A9874B-BCA9-8420-1595-EDD1865A099A}"/>
               </a:ext>
             </a:extLst>
           </p:cNvPr>
@@ -23788,6 +18039,10 @@
           </p:nvPr>
         </p:nvSpPr>
         <p:spPr>
+          <a:xfrm>
+            <a:off x="1018078" y="-279285"/>
+            <a:ext cx="9905998" cy="1905000"/>
+          </a:xfrm>
           <a:noFill/>
         </p:spPr>
         <p:txBody>
@@ -23795,507 +18050,146 @@
           <a:lstStyle/>
           <a:p>
             <a:r>
-              <a:rPr lang="en-US" dirty="0"/>
-              <a:t>Speaking engagement metrics</a:t>
-            </a:r>
-          </a:p>
-        </p:txBody>
-      </p:sp>
-      <p:graphicFrame>
-        <p:nvGraphicFramePr>
-          <p:cNvPr id="4" name="Table Placeholder 3">
+              <a:rPr lang="en-US" b="1" dirty="0"/>
+              <a:t>LOGISTIC REGRESSION</a:t>
+            </a:r>
+          </a:p>
+        </p:txBody>
+      </p:sp>
+      <p:sp>
+        <p:nvSpPr>
+          <p:cNvPr id="8" name="TextBox 7">
             <a:extLst>
               <a:ext uri="{FF2B5EF4-FFF2-40B4-BE49-F238E27FC236}">
-                <a16:creationId xmlns:a16="http://schemas.microsoft.com/office/drawing/2014/main" id="{0519CAC4-33D8-0B1E-88FF-086E69894AFB}"/>
+                <a16:creationId xmlns:a16="http://schemas.microsoft.com/office/drawing/2014/main" id="{7CCAD65C-2241-6CB9-FE8E-CC4527353E69}"/>
               </a:ext>
             </a:extLst>
           </p:cNvPr>
-          <p:cNvGraphicFramePr>
-            <a:graphicFrameLocks noGrp="1"/>
-          </p:cNvGraphicFramePr>
-          <p:nvPr>
-            <p:ph type="tbl" sz="quarter" idx="13"/>
-            <p:extLst>
-              <p:ext uri="{D42A27DB-BD31-4B8C-83A1-F6EECF244321}">
-                <p14:modId xmlns:p14="http://schemas.microsoft.com/office/powerpoint/2010/main" val="422617345"/>
-              </p:ext>
-            </p:extLst>
-          </p:nvPr>
-        </p:nvGraphicFramePr>
-        <p:xfrm>
-          <a:off x="838200" y="1825625"/>
-          <a:ext cx="10515600" cy="4389120"/>
-        </p:xfrm>
-        <a:graphic>
-          <a:graphicData uri="http://schemas.openxmlformats.org/drawingml/2006/table">
-            <a:tbl>
-              <a:tblPr firstRow="1" bandRow="1">
-                <a:tableStyleId>{72833802-FEF1-4C79-8D5D-14CF1EAF98D9}</a:tableStyleId>
-              </a:tblPr>
-              <a:tblGrid>
-                <a:gridCol w="3502572">
-                  <a:extLst>
-                    <a:ext uri="{9D8B030D-6E8A-4147-A177-3AD203B41FA5}">
-                      <a16:colId xmlns:a16="http://schemas.microsoft.com/office/drawing/2014/main" val="2382218087"/>
-                    </a:ext>
-                  </a:extLst>
-                </a:gridCol>
-                <a:gridCol w="2911366">
-                  <a:extLst>
-                    <a:ext uri="{9D8B030D-6E8A-4147-A177-3AD203B41FA5}">
-                      <a16:colId xmlns:a16="http://schemas.microsoft.com/office/drawing/2014/main" val="3953468724"/>
-                    </a:ext>
-                  </a:extLst>
-                </a:gridCol>
-                <a:gridCol w="2123090">
-                  <a:extLst>
-                    <a:ext uri="{9D8B030D-6E8A-4147-A177-3AD203B41FA5}">
-                      <a16:colId xmlns:a16="http://schemas.microsoft.com/office/drawing/2014/main" val="4277526474"/>
-                    </a:ext>
-                  </a:extLst>
-                </a:gridCol>
-                <a:gridCol w="1978572">
-                  <a:extLst>
-                    <a:ext uri="{9D8B030D-6E8A-4147-A177-3AD203B41FA5}">
-                      <a16:colId xmlns:a16="http://schemas.microsoft.com/office/drawing/2014/main" val="2438884888"/>
-                    </a:ext>
-                  </a:extLst>
-                </a:gridCol>
-              </a:tblGrid>
-              <a:tr h="731520">
-                <a:tc>
-                  <a:txBody>
-                    <a:bodyPr/>
-                    <a:lstStyle/>
-                    <a:p>
-                      <a:pPr algn="ctr"/>
-                      <a:r>
-                        <a:rPr lang="en-US" b="1" i="0" dirty="0">
-                          <a:latin typeface="+mj-lt"/>
-                        </a:rPr>
-                        <a:t>Impact  factor</a:t>
-                      </a:r>
-                    </a:p>
-                  </a:txBody>
-                  <a:tcPr anchor="ctr"/>
-                </a:tc>
-                <a:tc>
-                  <a:txBody>
-                    <a:bodyPr/>
-                    <a:lstStyle/>
-                    <a:p>
-                      <a:pPr algn="ctr"/>
-                      <a:r>
-                        <a:rPr lang="en-US" b="1" i="0" dirty="0">
-                          <a:latin typeface="+mj-lt"/>
-                        </a:rPr>
-                        <a:t>Measurement</a:t>
-                      </a:r>
-                    </a:p>
-                  </a:txBody>
-                  <a:tcPr anchor="ctr"/>
-                </a:tc>
-                <a:tc>
-                  <a:txBody>
-                    <a:bodyPr/>
-                    <a:lstStyle/>
-                    <a:p>
-                      <a:pPr algn="ctr"/>
-                      <a:r>
-                        <a:rPr lang="en-US" b="1" i="0" dirty="0">
-                          <a:latin typeface="+mj-lt"/>
-                        </a:rPr>
-                        <a:t>Target</a:t>
-                      </a:r>
-                    </a:p>
-                  </a:txBody>
-                  <a:tcPr anchor="ctr"/>
-                </a:tc>
-                <a:tc>
-                  <a:txBody>
-                    <a:bodyPr/>
-                    <a:lstStyle/>
-                    <a:p>
-                      <a:pPr algn="ctr"/>
-                      <a:r>
-                        <a:rPr lang="en-US" b="1" i="0" dirty="0">
-                          <a:latin typeface="+mj-lt"/>
-                        </a:rPr>
-                        <a:t>Achieved</a:t>
-                      </a:r>
-                    </a:p>
-                  </a:txBody>
-                  <a:tcPr anchor="ctr"/>
-                </a:tc>
-                <a:extLst>
-                  <a:ext uri="{0D108BD9-81ED-4DB2-BD59-A6C34878D82A}">
-                    <a16:rowId xmlns:a16="http://schemas.microsoft.com/office/drawing/2014/main" val="2857107962"/>
-                  </a:ext>
-                </a:extLst>
-              </a:tr>
-              <a:tr h="731520">
-                <a:tc>
-                  <a:txBody>
-                    <a:bodyPr/>
-                    <a:lstStyle/>
-                    <a:p>
-                      <a:pPr algn="ctr"/>
-                      <a:r>
-                        <a:rPr lang="en-US" b="0" i="0" dirty="0">
-                          <a:latin typeface="+mn-lt"/>
-                        </a:rPr>
-                        <a:t>Audience interaction</a:t>
-                      </a:r>
-                    </a:p>
-                  </a:txBody>
-                  <a:tcPr anchor="ctr"/>
-                </a:tc>
-                <a:tc>
-                  <a:txBody>
-                    <a:bodyPr/>
-                    <a:lstStyle/>
-                    <a:p>
-                      <a:pPr algn="ctr"/>
-                      <a:r>
-                        <a:rPr lang="en-US" b="0" i="0" dirty="0">
-                          <a:latin typeface="+mn-lt"/>
-                        </a:rPr>
-                        <a:t>Percentage (%)</a:t>
-                      </a:r>
-                    </a:p>
-                  </a:txBody>
-                  <a:tcPr anchor="ctr"/>
-                </a:tc>
-                <a:tc>
-                  <a:txBody>
-                    <a:bodyPr/>
-                    <a:lstStyle/>
-                    <a:p>
-                      <a:pPr algn="ctr"/>
-                      <a:r>
-                        <a:rPr lang="en-US" b="0" i="0" dirty="0">
-                          <a:latin typeface="+mn-lt"/>
-                        </a:rPr>
-                        <a:t>85</a:t>
-                      </a:r>
-                    </a:p>
-                  </a:txBody>
-                  <a:tcPr anchor="ctr"/>
-                </a:tc>
-                <a:tc>
-                  <a:txBody>
-                    <a:bodyPr/>
-                    <a:lstStyle/>
-                    <a:p>
-                      <a:pPr algn="ctr"/>
-                      <a:r>
-                        <a:rPr lang="en-US" b="0" i="0" dirty="0">
-                          <a:latin typeface="+mn-lt"/>
-                        </a:rPr>
-                        <a:t>88</a:t>
-                      </a:r>
-                    </a:p>
-                  </a:txBody>
-                  <a:tcPr anchor="ctr"/>
-                </a:tc>
-                <a:extLst>
-                  <a:ext uri="{0D108BD9-81ED-4DB2-BD59-A6C34878D82A}">
-                    <a16:rowId xmlns:a16="http://schemas.microsoft.com/office/drawing/2014/main" val="1671386868"/>
-                  </a:ext>
-                </a:extLst>
-              </a:tr>
-              <a:tr h="731520">
-                <a:tc>
-                  <a:txBody>
-                    <a:bodyPr/>
-                    <a:lstStyle/>
-                    <a:p>
-                      <a:pPr algn="ctr"/>
-                      <a:r>
-                        <a:rPr lang="en-US" b="0" i="0" dirty="0">
-                          <a:latin typeface="+mn-lt"/>
-                        </a:rPr>
-                        <a:t>Knowledge retention</a:t>
-                      </a:r>
-                    </a:p>
-                  </a:txBody>
-                  <a:tcPr anchor="ctr"/>
-                </a:tc>
-                <a:tc>
-                  <a:txBody>
-                    <a:bodyPr/>
-                    <a:lstStyle/>
-                    <a:p>
-                      <a:pPr algn="ctr"/>
-                      <a:r>
-                        <a:rPr lang="en-US" b="0" i="0" dirty="0">
-                          <a:latin typeface="+mn-lt"/>
-                        </a:rPr>
-                        <a:t>Percentage (%)</a:t>
-                      </a:r>
-                    </a:p>
-                  </a:txBody>
-                  <a:tcPr anchor="ctr"/>
-                </a:tc>
-                <a:tc>
-                  <a:txBody>
-                    <a:bodyPr/>
-                    <a:lstStyle/>
-                    <a:p>
-                      <a:pPr algn="ctr"/>
-                      <a:r>
-                        <a:rPr lang="en-US" b="0" i="0" dirty="0">
-                          <a:latin typeface="+mn-lt"/>
-                        </a:rPr>
-                        <a:t>75</a:t>
-                      </a:r>
-                    </a:p>
-                  </a:txBody>
-                  <a:tcPr anchor="ctr"/>
-                </a:tc>
-                <a:tc>
-                  <a:txBody>
-                    <a:bodyPr/>
-                    <a:lstStyle/>
-                    <a:p>
-                      <a:pPr algn="ctr"/>
-                      <a:r>
-                        <a:rPr lang="en-US" b="0" i="0" dirty="0">
-                          <a:latin typeface="+mn-lt"/>
-                        </a:rPr>
-                        <a:t>80</a:t>
-                      </a:r>
-                    </a:p>
-                  </a:txBody>
-                  <a:tcPr anchor="ctr"/>
-                </a:tc>
-                <a:extLst>
-                  <a:ext uri="{0D108BD9-81ED-4DB2-BD59-A6C34878D82A}">
-                    <a16:rowId xmlns:a16="http://schemas.microsoft.com/office/drawing/2014/main" val="380626418"/>
-                  </a:ext>
-                </a:extLst>
-              </a:tr>
-              <a:tr h="731520">
-                <a:tc>
-                  <a:txBody>
-                    <a:bodyPr/>
-                    <a:lstStyle/>
-                    <a:p>
-                      <a:pPr algn="ctr"/>
-                      <a:r>
-                        <a:rPr lang="en-US" b="0" i="0" dirty="0">
-                          <a:latin typeface="+mn-lt"/>
-                        </a:rPr>
-                        <a:t>Post-presentation surveys</a:t>
-                      </a:r>
-                    </a:p>
-                  </a:txBody>
-                  <a:tcPr anchor="ctr"/>
-                </a:tc>
-                <a:tc>
-                  <a:txBody>
-                    <a:bodyPr/>
-                    <a:lstStyle/>
-                    <a:p>
-                      <a:pPr algn="ctr"/>
-                      <a:r>
-                        <a:rPr lang="en-US" b="0" i="0" dirty="0">
-                          <a:latin typeface="+mn-lt"/>
-                        </a:rPr>
-                        <a:t>Average rating</a:t>
-                      </a:r>
-                    </a:p>
-                  </a:txBody>
-                  <a:tcPr anchor="ctr"/>
-                </a:tc>
-                <a:tc>
-                  <a:txBody>
-                    <a:bodyPr/>
-                    <a:lstStyle/>
-                    <a:p>
-                      <a:pPr algn="ctr"/>
-                      <a:r>
-                        <a:rPr lang="en-US" b="0" i="0" dirty="0">
-                          <a:latin typeface="+mn-lt"/>
-                        </a:rPr>
-                        <a:t>4.2</a:t>
-                      </a:r>
-                    </a:p>
-                  </a:txBody>
-                  <a:tcPr anchor="ctr"/>
-                </a:tc>
-                <a:tc>
-                  <a:txBody>
-                    <a:bodyPr/>
-                    <a:lstStyle/>
-                    <a:p>
-                      <a:pPr algn="ctr"/>
-                      <a:r>
-                        <a:rPr lang="en-US" b="0" i="0" dirty="0">
-                          <a:latin typeface="+mn-lt"/>
-                        </a:rPr>
-                        <a:t>4.5</a:t>
-                      </a:r>
-                    </a:p>
-                  </a:txBody>
-                  <a:tcPr anchor="ctr"/>
-                </a:tc>
-                <a:extLst>
-                  <a:ext uri="{0D108BD9-81ED-4DB2-BD59-A6C34878D82A}">
-                    <a16:rowId xmlns:a16="http://schemas.microsoft.com/office/drawing/2014/main" val="2132482967"/>
-                  </a:ext>
-                </a:extLst>
-              </a:tr>
-              <a:tr h="731520">
-                <a:tc>
-                  <a:txBody>
-                    <a:bodyPr/>
-                    <a:lstStyle/>
-                    <a:p>
-                      <a:pPr algn="ctr"/>
-                      <a:r>
-                        <a:rPr lang="en-US" b="0" i="0" dirty="0">
-                          <a:latin typeface="+mn-lt"/>
-                        </a:rPr>
-                        <a:t>Referral rate</a:t>
-                      </a:r>
-                    </a:p>
-                  </a:txBody>
-                  <a:tcPr anchor="ctr"/>
-                </a:tc>
-                <a:tc>
-                  <a:txBody>
-                    <a:bodyPr/>
-                    <a:lstStyle/>
-                    <a:p>
-                      <a:pPr algn="ctr"/>
-                      <a:r>
-                        <a:rPr lang="en-US" b="0" i="0" dirty="0">
-                          <a:latin typeface="+mn-lt"/>
-                        </a:rPr>
-                        <a:t>Percentage (%)</a:t>
-                      </a:r>
-                    </a:p>
-                  </a:txBody>
-                  <a:tcPr anchor="ctr"/>
-                </a:tc>
-                <a:tc>
-                  <a:txBody>
-                    <a:bodyPr/>
-                    <a:lstStyle/>
-                    <a:p>
-                      <a:pPr algn="ctr"/>
-                      <a:r>
-                        <a:rPr lang="en-US" b="0" i="0" dirty="0">
-                          <a:latin typeface="+mn-lt"/>
-                        </a:rPr>
-                        <a:t>10</a:t>
-                      </a:r>
-                    </a:p>
-                  </a:txBody>
-                  <a:tcPr anchor="ctr"/>
-                </a:tc>
-                <a:tc>
-                  <a:txBody>
-                    <a:bodyPr/>
-                    <a:lstStyle/>
-                    <a:p>
-                      <a:pPr algn="ctr"/>
-                      <a:r>
-                        <a:rPr lang="en-US" b="0" i="0" dirty="0">
-                          <a:latin typeface="+mn-lt"/>
-                        </a:rPr>
-                        <a:t>12</a:t>
-                      </a:r>
-                    </a:p>
-                  </a:txBody>
-                  <a:tcPr anchor="ctr"/>
-                </a:tc>
-                <a:extLst>
-                  <a:ext uri="{0D108BD9-81ED-4DB2-BD59-A6C34878D82A}">
-                    <a16:rowId xmlns:a16="http://schemas.microsoft.com/office/drawing/2014/main" val="3936251906"/>
-                  </a:ext>
-                </a:extLst>
-              </a:tr>
-              <a:tr h="731520">
-                <a:tc>
-                  <a:txBody>
-                    <a:bodyPr/>
-                    <a:lstStyle/>
-                    <a:p>
-                      <a:pPr algn="ctr"/>
-                      <a:r>
-                        <a:rPr lang="en-US" b="0" i="0" dirty="0">
-                          <a:latin typeface="+mn-lt"/>
-                        </a:rPr>
-                        <a:t>Collaboration opportunities</a:t>
-                      </a:r>
-                    </a:p>
-                  </a:txBody>
-                  <a:tcPr anchor="ctr"/>
-                </a:tc>
-                <a:tc>
-                  <a:txBody>
-                    <a:bodyPr/>
-                    <a:lstStyle/>
-                    <a:p>
-                      <a:pPr algn="ctr"/>
-                      <a:r>
-                        <a:rPr lang="en-US" b="0" i="0" dirty="0">
-                          <a:latin typeface="+mn-lt"/>
-                        </a:rPr>
-                        <a:t># of opportunities</a:t>
-                      </a:r>
-                    </a:p>
-                  </a:txBody>
-                  <a:tcPr anchor="ctr"/>
-                </a:tc>
-                <a:tc>
-                  <a:txBody>
-                    <a:bodyPr/>
-                    <a:lstStyle/>
-                    <a:p>
-                      <a:pPr algn="ctr"/>
-                      <a:r>
-                        <a:rPr lang="en-US" b="0" i="0" dirty="0">
-                          <a:latin typeface="+mn-lt"/>
-                        </a:rPr>
-                        <a:t>8</a:t>
-                      </a:r>
-                    </a:p>
-                  </a:txBody>
-                  <a:tcPr anchor="ctr"/>
-                </a:tc>
-                <a:tc>
-                  <a:txBody>
-                    <a:bodyPr/>
-                    <a:lstStyle/>
-                    <a:p>
-                      <a:pPr algn="ctr"/>
-                      <a:r>
-                        <a:rPr lang="en-US" b="0" i="0" dirty="0">
-                          <a:latin typeface="+mn-lt"/>
-                        </a:rPr>
-                        <a:t>10</a:t>
-                      </a:r>
-                    </a:p>
-                  </a:txBody>
-                  <a:tcPr anchor="ctr"/>
-                </a:tc>
-                <a:extLst>
-                  <a:ext uri="{0D108BD9-81ED-4DB2-BD59-A6C34878D82A}">
-                    <a16:rowId xmlns:a16="http://schemas.microsoft.com/office/drawing/2014/main" val="568537164"/>
-                  </a:ext>
-                </a:extLst>
-              </a:tr>
-            </a:tbl>
-          </a:graphicData>
-        </a:graphic>
-      </p:graphicFrame>
+          <p:cNvSpPr txBox="1"/>
+          <p:nvPr/>
+        </p:nvSpPr>
+        <p:spPr>
+          <a:xfrm>
+            <a:off x="7755808" y="1377328"/>
+            <a:ext cx="3418114" cy="369332"/>
+          </a:xfrm>
+          <a:prstGeom prst="rect">
+            <a:avLst/>
+          </a:prstGeom>
+          <a:noFill/>
+        </p:spPr>
+        <p:txBody>
+          <a:bodyPr wrap="square" rtlCol="0">
+            <a:spAutoFit/>
+          </a:bodyPr>
+          <a:lstStyle/>
+          <a:p>
+            <a:r>
+              <a:rPr lang="en-US" dirty="0"/>
+              <a:t>PLAYOFF</a:t>
+            </a:r>
+          </a:p>
+        </p:txBody>
+      </p:sp>
+      <p:sp>
+        <p:nvSpPr>
+          <p:cNvPr id="9" name="TextBox 8">
+            <a:extLst>
+              <a:ext uri="{FF2B5EF4-FFF2-40B4-BE49-F238E27FC236}">
+                <a16:creationId xmlns:a16="http://schemas.microsoft.com/office/drawing/2014/main" id="{CECCE1B6-3B15-4438-2B2F-2F1014DEFA3C}"/>
+              </a:ext>
+            </a:extLst>
+          </p:cNvPr>
+          <p:cNvSpPr txBox="1"/>
+          <p:nvPr/>
+        </p:nvSpPr>
+        <p:spPr>
+          <a:xfrm>
+            <a:off x="1736536" y="1441049"/>
+            <a:ext cx="3418114" cy="369332"/>
+          </a:xfrm>
+          <a:prstGeom prst="rect">
+            <a:avLst/>
+          </a:prstGeom>
+          <a:noFill/>
+        </p:spPr>
+        <p:txBody>
+          <a:bodyPr wrap="square" rtlCol="0">
+            <a:spAutoFit/>
+          </a:bodyPr>
+          <a:lstStyle/>
+          <a:p>
+            <a:r>
+              <a:rPr lang="en-US" dirty="0"/>
+              <a:t>REGULAR SEASON</a:t>
+            </a:r>
+          </a:p>
+        </p:txBody>
+      </p:sp>
+      <p:pic>
+        <p:nvPicPr>
+          <p:cNvPr id="5" name="Picture 4">
+            <a:extLst>
+              <a:ext uri="{FF2B5EF4-FFF2-40B4-BE49-F238E27FC236}">
+                <a16:creationId xmlns:a16="http://schemas.microsoft.com/office/drawing/2014/main" id="{E0F402B0-B75E-3B6A-B595-3F5BBA292A72}"/>
+              </a:ext>
+            </a:extLst>
+          </p:cNvPr>
+          <p:cNvPicPr>
+            <a:picLocks noChangeAspect="1"/>
+          </p:cNvPicPr>
+          <p:nvPr/>
+        </p:nvPicPr>
+        <p:blipFill>
+          <a:blip r:embed="rId3"/>
+          <a:stretch>
+            <a:fillRect/>
+          </a:stretch>
+        </p:blipFill>
+        <p:spPr>
+          <a:xfrm>
+            <a:off x="6507740" y="2166416"/>
+            <a:ext cx="5346803" cy="3635485"/>
+          </a:xfrm>
+          <a:prstGeom prst="rect">
+            <a:avLst/>
+          </a:prstGeom>
+        </p:spPr>
+      </p:pic>
+      <p:pic>
+        <p:nvPicPr>
+          <p:cNvPr id="10" name="Picture 9">
+            <a:extLst>
+              <a:ext uri="{FF2B5EF4-FFF2-40B4-BE49-F238E27FC236}">
+                <a16:creationId xmlns:a16="http://schemas.microsoft.com/office/drawing/2014/main" id="{E7ED0F63-D426-602E-9709-EFBBCF71252A}"/>
+              </a:ext>
+            </a:extLst>
+          </p:cNvPr>
+          <p:cNvPicPr>
+            <a:picLocks noChangeAspect="1"/>
+          </p:cNvPicPr>
+          <p:nvPr/>
+        </p:nvPicPr>
+        <p:blipFill>
+          <a:blip r:embed="rId4"/>
+          <a:stretch>
+            <a:fillRect/>
+          </a:stretch>
+        </p:blipFill>
+        <p:spPr>
+          <a:xfrm>
+            <a:off x="538280" y="2184446"/>
+            <a:ext cx="5557719" cy="3532942"/>
+          </a:xfrm>
+          <a:prstGeom prst="rect">
+            <a:avLst/>
+          </a:prstGeom>
+        </p:spPr>
+      </p:pic>
     </p:spTree>
     <p:extLst>
       <p:ext uri="{BB962C8B-B14F-4D97-AF65-F5344CB8AC3E}">
-        <p14:creationId xmlns:p14="http://schemas.microsoft.com/office/powerpoint/2010/main" val="3604630649"/>
+        <p14:creationId xmlns:p14="http://schemas.microsoft.com/office/powerpoint/2010/main" val="19029952"/>
       </p:ext>
     </p:extLst>
   </p:cSld>
@@ -24327,7 +18221,7 @@
           <p:cNvPr id="2" name="Title 1">
             <a:extLst>
               <a:ext uri="{FF2B5EF4-FFF2-40B4-BE49-F238E27FC236}">
-                <a16:creationId xmlns:a16="http://schemas.microsoft.com/office/drawing/2014/main" id="{28BAC361-0D7A-DC05-86B5-6DD77D322F5B}"/>
+                <a16:creationId xmlns:a16="http://schemas.microsoft.com/office/drawing/2014/main" id="{47A9874B-BCA9-8420-1595-EDD1865A099A}"/>
               </a:ext>
             </a:extLst>
           </p:cNvPr>
@@ -24339,61 +18233,162 @@
           </p:nvPr>
         </p:nvSpPr>
         <p:spPr>
+          <a:xfrm>
+            <a:off x="1018078" y="-279285"/>
+            <a:ext cx="9905998" cy="1905000"/>
+          </a:xfrm>
           <a:noFill/>
         </p:spPr>
         <p:txBody>
-          <a:bodyPr/>
+          <a:bodyPr anchor="ctr"/>
           <a:lstStyle/>
           <a:p>
             <a:r>
-              <a:rPr lang="en-US" dirty="0"/>
-              <a:t>Thank you</a:t>
-            </a:r>
-          </a:p>
-        </p:txBody>
-      </p:sp>
-      <p:sp>
-        <p:nvSpPr>
-          <p:cNvPr id="3" name="Content Placeholder 2">
+              <a:rPr lang="en-US" b="1" dirty="0"/>
+              <a:t>Random Forest </a:t>
+            </a:r>
+            <a:r>
+              <a:rPr lang="en-US" b="1" dirty="0" err="1"/>
+              <a:t>Clasifier</a:t>
+            </a:r>
+            <a:endParaRPr lang="en-US" b="1" dirty="0"/>
+          </a:p>
+        </p:txBody>
+      </p:sp>
+      <p:sp>
+        <p:nvSpPr>
+          <p:cNvPr id="8" name="TextBox 7">
             <a:extLst>
               <a:ext uri="{FF2B5EF4-FFF2-40B4-BE49-F238E27FC236}">
-                <a16:creationId xmlns:a16="http://schemas.microsoft.com/office/drawing/2014/main" id="{1BE98EFF-197D-3136-70B9-7BBD30A48931}"/>
+                <a16:creationId xmlns:a16="http://schemas.microsoft.com/office/drawing/2014/main" id="{7CCAD65C-2241-6CB9-FE8E-CC4527353E69}"/>
               </a:ext>
             </a:extLst>
           </p:cNvPr>
-          <p:cNvSpPr>
-            <a:spLocks noGrp="1"/>
-          </p:cNvSpPr>
-          <p:nvPr>
-            <p:ph idx="1"/>
-          </p:nvPr>
+          <p:cNvSpPr txBox="1"/>
+          <p:nvPr/>
         </p:nvSpPr>
         <p:spPr>
+          <a:xfrm>
+            <a:off x="7755808" y="1401468"/>
+            <a:ext cx="3418114" cy="369332"/>
+          </a:xfrm>
+          <a:prstGeom prst="rect">
+            <a:avLst/>
+          </a:prstGeom>
           <a:noFill/>
         </p:spPr>
         <p:txBody>
-          <a:bodyPr>
-            <a:normAutofit/>
+          <a:bodyPr wrap="square" rtlCol="0">
+            <a:spAutoFit/>
           </a:bodyPr>
           <a:lstStyle/>
           <a:p>
             <a:r>
-              <a:rPr lang="en-US" sz="4400" dirty="0"/>
-              <a:t>Krishan Fotedar</a:t>
-            </a:r>
-          </a:p>
-          <a:p>
-            <a:r>
-              <a:rPr lang="en-US" sz="4400" dirty="0"/>
-              <a:t>Cristina Frisby</a:t>
-            </a:r>
-          </a:p>
-        </p:txBody>
-      </p:sp>
+              <a:rPr lang="en-US" dirty="0"/>
+              <a:t>PLAYOFF</a:t>
+            </a:r>
+          </a:p>
+        </p:txBody>
+      </p:sp>
+      <p:sp>
+        <p:nvSpPr>
+          <p:cNvPr id="9" name="TextBox 8">
+            <a:extLst>
+              <a:ext uri="{FF2B5EF4-FFF2-40B4-BE49-F238E27FC236}">
+                <a16:creationId xmlns:a16="http://schemas.microsoft.com/office/drawing/2014/main" id="{CECCE1B6-3B15-4438-2B2F-2F1014DEFA3C}"/>
+              </a:ext>
+            </a:extLst>
+          </p:cNvPr>
+          <p:cNvSpPr txBox="1"/>
+          <p:nvPr/>
+        </p:nvSpPr>
+        <p:spPr>
+          <a:xfrm>
+            <a:off x="1415143" y="1328926"/>
+            <a:ext cx="3418114" cy="369332"/>
+          </a:xfrm>
+          <a:prstGeom prst="rect">
+            <a:avLst/>
+          </a:prstGeom>
+          <a:noFill/>
+        </p:spPr>
+        <p:txBody>
+          <a:bodyPr wrap="square" rtlCol="0">
+            <a:spAutoFit/>
+          </a:bodyPr>
+          <a:lstStyle/>
+          <a:p>
+            <a:r>
+              <a:rPr lang="en-US" dirty="0"/>
+              <a:t>REGULAR SEASON</a:t>
+            </a:r>
+          </a:p>
+        </p:txBody>
+      </p:sp>
+      <p:pic>
+        <p:nvPicPr>
+          <p:cNvPr id="4" name="Picture 3">
+            <a:extLst>
+              <a:ext uri="{FF2B5EF4-FFF2-40B4-BE49-F238E27FC236}">
+                <a16:creationId xmlns:a16="http://schemas.microsoft.com/office/drawing/2014/main" id="{4040B292-DD18-F627-CE73-DD1075CF0804}"/>
+              </a:ext>
+            </a:extLst>
+          </p:cNvPr>
+          <p:cNvPicPr>
+            <a:picLocks noChangeAspect="1"/>
+          </p:cNvPicPr>
+          <p:nvPr/>
+        </p:nvPicPr>
+        <p:blipFill>
+          <a:blip r:embed="rId3"/>
+          <a:stretch>
+            <a:fillRect/>
+          </a:stretch>
+        </p:blipFill>
+        <p:spPr>
+          <a:xfrm>
+            <a:off x="589907" y="1915885"/>
+            <a:ext cx="4564743" cy="3423557"/>
+          </a:xfrm>
+          <a:prstGeom prst="rect">
+            <a:avLst/>
+          </a:prstGeom>
+        </p:spPr>
+      </p:pic>
+      <p:pic>
+        <p:nvPicPr>
+          <p:cNvPr id="7" name="Picture 6">
+            <a:extLst>
+              <a:ext uri="{FF2B5EF4-FFF2-40B4-BE49-F238E27FC236}">
+                <a16:creationId xmlns:a16="http://schemas.microsoft.com/office/drawing/2014/main" id="{59221CAC-6898-12E3-F881-65A77C13519E}"/>
+              </a:ext>
+            </a:extLst>
+          </p:cNvPr>
+          <p:cNvPicPr>
+            <a:picLocks noChangeAspect="1"/>
+          </p:cNvPicPr>
+          <p:nvPr/>
+        </p:nvPicPr>
+        <p:blipFill>
+          <a:blip r:embed="rId4"/>
+          <a:stretch>
+            <a:fillRect/>
+          </a:stretch>
+        </p:blipFill>
+        <p:spPr>
+          <a:xfrm>
+            <a:off x="6669315" y="1915884"/>
+            <a:ext cx="4564744" cy="3423558"/>
+          </a:xfrm>
+          <a:prstGeom prst="rect">
+            <a:avLst/>
+          </a:prstGeom>
+        </p:spPr>
+      </p:pic>
     </p:spTree>
     <p:extLst>
       <p:ext uri="{BB962C8B-B14F-4D97-AF65-F5344CB8AC3E}">
-        <p14:creationId xmlns:p14="http://schemas.microsoft.com/office/powerpoint/2010/main" val="1562484837"/>
+        <p14:creationId xmlns:p14="http://schemas.microsoft.com/office/powerpoint/2010/main" val="1189909854"/>
       </p:ext>
     </p:extLst>
   </p:cSld>
@@ -26416,15 +20411,6 @@
 </file>
 
 <file path=customXml/item1.xml><?xml version="1.0" encoding="utf-8"?>
-<?mso-contentType ?>
-<FormTemplates xmlns="http://schemas.microsoft.com/sharepoint/v3/contenttype/forms">
-  <Display>DocumentLibraryForm</Display>
-  <Edit>DocumentLibraryForm</Edit>
-  <New>DocumentLibraryForm</New>
-</FormTemplates>
-</file>
-
-<file path=customXml/item2.xml><?xml version="1.0" encoding="utf-8"?>
 <p:properties xmlns:p="http://schemas.microsoft.com/office/2006/metadata/properties" xmlns:xsi="http://www.w3.org/2001/XMLSchema-instance" xmlns:pc="http://schemas.microsoft.com/office/infopath/2007/PartnerControls">
   <documentManagement>
     <_ip_UnifiedCompliancePolicyUIAction xmlns="http://schemas.microsoft.com/sharepoint/v3" xsi:nil="true"/>
@@ -26442,6 +20428,15 @@
     <MediaServiceKeyPoints xmlns="71af3243-3dd4-4a8d-8c0d-dd76da1f02a5" xsi:nil="true"/>
   </documentManagement>
 </p:properties>
+</file>
+
+<file path=customXml/item2.xml><?xml version="1.0" encoding="utf-8"?>
+<?mso-contentType ?>
+<FormTemplates xmlns="http://schemas.microsoft.com/sharepoint/v3/contenttype/forms">
+  <Display>DocumentLibraryForm</Display>
+  <Edit>DocumentLibraryForm</Edit>
+  <New>DocumentLibraryForm</New>
+</FormTemplates>
 </file>
 
 <file path=customXml/item3.xml><?xml version="1.0" encoding="utf-8"?>
@@ -26757,14 +20752,6 @@
 </file>
 
 <file path=customXml/itemProps1.xml><?xml version="1.0" encoding="utf-8"?>
-<ds:datastoreItem xmlns:ds="http://schemas.openxmlformats.org/officeDocument/2006/customXml" ds:itemID="{4E60708A-6461-4D7F-883F-7E25D731D326}">
-  <ds:schemaRefs>
-    <ds:schemaRef ds:uri="http://schemas.microsoft.com/sharepoint/v3/contenttype/forms"/>
-  </ds:schemaRefs>
-</ds:datastoreItem>
-</file>
-
-<file path=customXml/itemProps2.xml><?xml version="1.0" encoding="utf-8"?>
 <ds:datastoreItem xmlns:ds="http://schemas.openxmlformats.org/officeDocument/2006/customXml" ds:itemID="{E130005B-6102-4F3C-A26F-485DF1BF9717}">
   <ds:schemaRefs>
     <ds:schemaRef ds:uri="http://schemas.microsoft.com/office/2006/metadata/properties"/>
@@ -26772,6 +20759,14 @@
     <ds:schemaRef ds:uri="http://schemas.microsoft.com/sharepoint/v3"/>
     <ds:schemaRef ds:uri="71af3243-3dd4-4a8d-8c0d-dd76da1f02a5"/>
     <ds:schemaRef ds:uri="230e9df3-be65-4c73-a93b-d1236ebd677e"/>
+  </ds:schemaRefs>
+</ds:datastoreItem>
+</file>
+
+<file path=customXml/itemProps2.xml><?xml version="1.0" encoding="utf-8"?>
+<ds:datastoreItem xmlns:ds="http://schemas.openxmlformats.org/officeDocument/2006/customXml" ds:itemID="{4E60708A-6461-4D7F-883F-7E25D731D326}">
+  <ds:schemaRefs>
+    <ds:schemaRef ds:uri="http://schemas.microsoft.com/sharepoint/v3/contenttype/forms"/>
   </ds:schemaRefs>
 </ds:datastoreItem>
 </file>

--- a/Sports Analytics cf.pptx
+++ b/Sports Analytics cf.pptx
@@ -17586,36 +17586,6 @@
       </p:sp>
       <p:pic>
         <p:nvPicPr>
-          <p:cNvPr id="7" name="Picture 6">
-            <a:extLst>
-              <a:ext uri="{FF2B5EF4-FFF2-40B4-BE49-F238E27FC236}">
-                <a16:creationId xmlns:a16="http://schemas.microsoft.com/office/drawing/2014/main" id="{8F0926D1-E120-405D-24CD-477199D60EAB}"/>
-              </a:ext>
-            </a:extLst>
-          </p:cNvPr>
-          <p:cNvPicPr>
-            <a:picLocks noChangeAspect="1"/>
-          </p:cNvPicPr>
-          <p:nvPr/>
-        </p:nvPicPr>
-        <p:blipFill>
-          <a:blip r:embed="rId3"/>
-          <a:stretch>
-            <a:fillRect/>
-          </a:stretch>
-        </p:blipFill>
-        <p:spPr>
-          <a:xfrm>
-            <a:off x="816429" y="1262741"/>
-            <a:ext cx="3120573" cy="2340430"/>
-          </a:xfrm>
-          <a:prstGeom prst="rect">
-            <a:avLst/>
-          </a:prstGeom>
-        </p:spPr>
-      </p:pic>
-      <p:pic>
-        <p:nvPicPr>
           <p:cNvPr id="9" name="Picture 8">
             <a:extLst>
               <a:ext uri="{FF2B5EF4-FFF2-40B4-BE49-F238E27FC236}">
@@ -17629,7 +17599,7 @@
           <p:nvPr/>
         </p:nvPicPr>
         <p:blipFill>
-          <a:blip r:embed="rId4"/>
+          <a:blip r:embed="rId3"/>
           <a:stretch>
             <a:fillRect/>
           </a:stretch>
@@ -17659,7 +17629,7 @@
           <p:nvPr/>
         </p:nvPicPr>
         <p:blipFill>
-          <a:blip r:embed="rId5"/>
+          <a:blip r:embed="rId4"/>
           <a:stretch>
             <a:fillRect/>
           </a:stretch>
@@ -17689,7 +17659,7 @@
           <p:nvPr/>
         </p:nvPicPr>
         <p:blipFill>
-          <a:blip r:embed="rId6"/>
+          <a:blip r:embed="rId5"/>
           <a:stretch>
             <a:fillRect/>
           </a:stretch>
@@ -17698,6 +17668,36 @@
           <a:xfrm>
             <a:off x="4452258" y="3845596"/>
             <a:ext cx="3102428" cy="2386360"/>
+          </a:xfrm>
+          <a:prstGeom prst="rect">
+            <a:avLst/>
+          </a:prstGeom>
+        </p:spPr>
+      </p:pic>
+      <p:pic>
+        <p:nvPicPr>
+          <p:cNvPr id="3" name="Picture 2">
+            <a:extLst>
+              <a:ext uri="{FF2B5EF4-FFF2-40B4-BE49-F238E27FC236}">
+                <a16:creationId xmlns:a16="http://schemas.microsoft.com/office/drawing/2014/main" id="{3980584C-EECE-9A43-7290-2D585B3CDDAE}"/>
+              </a:ext>
+            </a:extLst>
+          </p:cNvPr>
+          <p:cNvPicPr>
+            <a:picLocks noChangeAspect="1"/>
+          </p:cNvPicPr>
+          <p:nvPr/>
+        </p:nvPicPr>
+        <p:blipFill>
+          <a:blip r:embed="rId6"/>
+          <a:stretch>
+            <a:fillRect/>
+          </a:stretch>
+        </p:blipFill>
+        <p:spPr>
+          <a:xfrm>
+            <a:off x="816429" y="1240896"/>
+            <a:ext cx="3120573" cy="2340430"/>
           </a:xfrm>
           <a:prstGeom prst="rect">
             <a:avLst/>
@@ -20411,6 +20411,15 @@
 </file>
 
 <file path=customXml/item1.xml><?xml version="1.0" encoding="utf-8"?>
+<?mso-contentType ?>
+<FormTemplates xmlns="http://schemas.microsoft.com/sharepoint/v3/contenttype/forms">
+  <Display>DocumentLibraryForm</Display>
+  <Edit>DocumentLibraryForm</Edit>
+  <New>DocumentLibraryForm</New>
+</FormTemplates>
+</file>
+
+<file path=customXml/item2.xml><?xml version="1.0" encoding="utf-8"?>
 <p:properties xmlns:p="http://schemas.microsoft.com/office/2006/metadata/properties" xmlns:xsi="http://www.w3.org/2001/XMLSchema-instance" xmlns:pc="http://schemas.microsoft.com/office/infopath/2007/PartnerControls">
   <documentManagement>
     <_ip_UnifiedCompliancePolicyUIAction xmlns="http://schemas.microsoft.com/sharepoint/v3" xsi:nil="true"/>
@@ -20428,15 +20437,6 @@
     <MediaServiceKeyPoints xmlns="71af3243-3dd4-4a8d-8c0d-dd76da1f02a5" xsi:nil="true"/>
   </documentManagement>
 </p:properties>
-</file>
-
-<file path=customXml/item2.xml><?xml version="1.0" encoding="utf-8"?>
-<?mso-contentType ?>
-<FormTemplates xmlns="http://schemas.microsoft.com/sharepoint/v3/contenttype/forms">
-  <Display>DocumentLibraryForm</Display>
-  <Edit>DocumentLibraryForm</Edit>
-  <New>DocumentLibraryForm</New>
-</FormTemplates>
 </file>
 
 <file path=customXml/item3.xml><?xml version="1.0" encoding="utf-8"?>
@@ -20752,6 +20752,14 @@
 </file>
 
 <file path=customXml/itemProps1.xml><?xml version="1.0" encoding="utf-8"?>
+<ds:datastoreItem xmlns:ds="http://schemas.openxmlformats.org/officeDocument/2006/customXml" ds:itemID="{4E60708A-6461-4D7F-883F-7E25D731D326}">
+  <ds:schemaRefs>
+    <ds:schemaRef ds:uri="http://schemas.microsoft.com/sharepoint/v3/contenttype/forms"/>
+  </ds:schemaRefs>
+</ds:datastoreItem>
+</file>
+
+<file path=customXml/itemProps2.xml><?xml version="1.0" encoding="utf-8"?>
 <ds:datastoreItem xmlns:ds="http://schemas.openxmlformats.org/officeDocument/2006/customXml" ds:itemID="{E130005B-6102-4F3C-A26F-485DF1BF9717}">
   <ds:schemaRefs>
     <ds:schemaRef ds:uri="http://schemas.microsoft.com/office/2006/metadata/properties"/>
@@ -20759,14 +20767,6 @@
     <ds:schemaRef ds:uri="http://schemas.microsoft.com/sharepoint/v3"/>
     <ds:schemaRef ds:uri="71af3243-3dd4-4a8d-8c0d-dd76da1f02a5"/>
     <ds:schemaRef ds:uri="230e9df3-be65-4c73-a93b-d1236ebd677e"/>
-  </ds:schemaRefs>
-</ds:datastoreItem>
-</file>
-
-<file path=customXml/itemProps2.xml><?xml version="1.0" encoding="utf-8"?>
-<ds:datastoreItem xmlns:ds="http://schemas.openxmlformats.org/officeDocument/2006/customXml" ds:itemID="{4E60708A-6461-4D7F-883F-7E25D731D326}">
-  <ds:schemaRefs>
-    <ds:schemaRef ds:uri="http://schemas.microsoft.com/sharepoint/v3/contenttype/forms"/>
   </ds:schemaRefs>
 </ds:datastoreItem>
 </file>
